--- a/packing.pptx
+++ b/packing.pptx
@@ -1,26 +1,121 @@
 
 <file path=ppt/presentation.xml><?xml version="1.0" encoding="utf-8"?>
-<p:presentation xmlns:a="http://schemas.openxmlformats.org/drawingml/2006/main" xmlns:p="http://schemas.openxmlformats.org/presentationml/2006/main" xmlns:r="http://schemas.openxmlformats.org/officeDocument/2006/relationships" xmlns:p14="http://schemas.microsoft.com/office/powerpoint/2010/main" xmlns:p15="http://schemas.microsoft.com/office/powerpoint/2012/main" xmlns:mc="http://schemas.openxmlformats.org/markup-compatibility/2006">
+<p:presentation xmlns:a="http://schemas.openxmlformats.org/drawingml/2006/main" xmlns:r="http://schemas.openxmlformats.org/officeDocument/2006/relationships" xmlns:p="http://schemas.openxmlformats.org/presentationml/2006/main">
   <p:sldMasterIdLst>
-    <p:sldMasterId id="2147483648" r:id="rId2"/>
-    <p:sldMasterId id="2147483661" r:id="rId3"/>
+    <p:sldMasterId id="2147483648" r:id="rId1"/>
+    <p:sldMasterId id="2147483661" r:id="rId2"/>
   </p:sldMasterIdLst>
   <p:sldIdLst>
-    <p:sldId id="256" r:id="rId4"/>
-    <p:sldId id="257" r:id="rId5"/>
-    <p:sldId id="258" r:id="rId6"/>
-    <p:sldId id="259" r:id="rId7"/>
-    <p:sldId id="260" r:id="rId8"/>
-    <p:sldId id="261" r:id="rId9"/>
-    <p:sldId id="262" r:id="rId10"/>
+    <p:sldId id="256" r:id="rId3"/>
+    <p:sldId id="257" r:id="rId4"/>
+    <p:sldId id="258" r:id="rId5"/>
+    <p:sldId id="259" r:id="rId6"/>
+    <p:sldId id="260" r:id="rId7"/>
+    <p:sldId id="261" r:id="rId8"/>
+    <p:sldId id="262" r:id="rId9"/>
   </p:sldIdLst>
   <p:sldSz cx="12192000" cy="6858000"/>
   <p:notesSz cx="7772400" cy="10058400"/>
+  <p:defaultTextStyle>
+    <a:defPPr>
+      <a:defRPr lang="th-TH"/>
+    </a:defPPr>
+    <a:lvl1pPr marL="0" algn="l" defTabSz="914400" rtl="0" eaLnBrk="1" latinLnBrk="0" hangingPunct="1">
+      <a:defRPr sz="2800" kern="1200">
+        <a:solidFill>
+          <a:schemeClr val="tx1"/>
+        </a:solidFill>
+        <a:latin typeface="+mn-lt"/>
+        <a:ea typeface="+mn-ea"/>
+        <a:cs typeface="+mn-cs"/>
+      </a:defRPr>
+    </a:lvl1pPr>
+    <a:lvl2pPr marL="457200" algn="l" defTabSz="914400" rtl="0" eaLnBrk="1" latinLnBrk="0" hangingPunct="1">
+      <a:defRPr sz="2800" kern="1200">
+        <a:solidFill>
+          <a:schemeClr val="tx1"/>
+        </a:solidFill>
+        <a:latin typeface="+mn-lt"/>
+        <a:ea typeface="+mn-ea"/>
+        <a:cs typeface="+mn-cs"/>
+      </a:defRPr>
+    </a:lvl2pPr>
+    <a:lvl3pPr marL="914400" algn="l" defTabSz="914400" rtl="0" eaLnBrk="1" latinLnBrk="0" hangingPunct="1">
+      <a:defRPr sz="2800" kern="1200">
+        <a:solidFill>
+          <a:schemeClr val="tx1"/>
+        </a:solidFill>
+        <a:latin typeface="+mn-lt"/>
+        <a:ea typeface="+mn-ea"/>
+        <a:cs typeface="+mn-cs"/>
+      </a:defRPr>
+    </a:lvl3pPr>
+    <a:lvl4pPr marL="1371600" algn="l" defTabSz="914400" rtl="0" eaLnBrk="1" latinLnBrk="0" hangingPunct="1">
+      <a:defRPr sz="2800" kern="1200">
+        <a:solidFill>
+          <a:schemeClr val="tx1"/>
+        </a:solidFill>
+        <a:latin typeface="+mn-lt"/>
+        <a:ea typeface="+mn-ea"/>
+        <a:cs typeface="+mn-cs"/>
+      </a:defRPr>
+    </a:lvl4pPr>
+    <a:lvl5pPr marL="1828800" algn="l" defTabSz="914400" rtl="0" eaLnBrk="1" latinLnBrk="0" hangingPunct="1">
+      <a:defRPr sz="2800" kern="1200">
+        <a:solidFill>
+          <a:schemeClr val="tx1"/>
+        </a:solidFill>
+        <a:latin typeface="+mn-lt"/>
+        <a:ea typeface="+mn-ea"/>
+        <a:cs typeface="+mn-cs"/>
+      </a:defRPr>
+    </a:lvl5pPr>
+    <a:lvl6pPr marL="2286000" algn="l" defTabSz="914400" rtl="0" eaLnBrk="1" latinLnBrk="0" hangingPunct="1">
+      <a:defRPr sz="2800" kern="1200">
+        <a:solidFill>
+          <a:schemeClr val="tx1"/>
+        </a:solidFill>
+        <a:latin typeface="+mn-lt"/>
+        <a:ea typeface="+mn-ea"/>
+        <a:cs typeface="+mn-cs"/>
+      </a:defRPr>
+    </a:lvl6pPr>
+    <a:lvl7pPr marL="2743200" algn="l" defTabSz="914400" rtl="0" eaLnBrk="1" latinLnBrk="0" hangingPunct="1">
+      <a:defRPr sz="2800" kern="1200">
+        <a:solidFill>
+          <a:schemeClr val="tx1"/>
+        </a:solidFill>
+        <a:latin typeface="+mn-lt"/>
+        <a:ea typeface="+mn-ea"/>
+        <a:cs typeface="+mn-cs"/>
+      </a:defRPr>
+    </a:lvl7pPr>
+    <a:lvl8pPr marL="3200400" algn="l" defTabSz="914400" rtl="0" eaLnBrk="1" latinLnBrk="0" hangingPunct="1">
+      <a:defRPr sz="2800" kern="1200">
+        <a:solidFill>
+          <a:schemeClr val="tx1"/>
+        </a:solidFill>
+        <a:latin typeface="+mn-lt"/>
+        <a:ea typeface="+mn-ea"/>
+        <a:cs typeface="+mn-cs"/>
+      </a:defRPr>
+    </a:lvl8pPr>
+    <a:lvl9pPr marL="3657600" algn="l" defTabSz="914400" rtl="0" eaLnBrk="1" latinLnBrk="0" hangingPunct="1">
+      <a:defRPr sz="2800" kern="1200">
+        <a:solidFill>
+          <a:schemeClr val="tx1"/>
+        </a:solidFill>
+        <a:latin typeface="+mn-lt"/>
+        <a:ea typeface="+mn-ea"/>
+        <a:cs typeface="+mn-cs"/>
+      </a:defRPr>
+    </a:lvl9pPr>
+  </p:defaultTextStyle>
 </p:presentation>
 </file>
 
 <file path=ppt/slideLayouts/slideLayout1.xml><?xml version="1.0" encoding="utf-8"?>
-<p:sldLayout xmlns:a="http://schemas.openxmlformats.org/drawingml/2006/main" xmlns:p="http://schemas.openxmlformats.org/presentationml/2006/main" xmlns:r="http://schemas.openxmlformats.org/officeDocument/2006/relationships" xmlns:p14="http://schemas.microsoft.com/office/powerpoint/2010/main" xmlns:p15="http://schemas.microsoft.com/office/powerpoint/2012/main" xmlns:mc="http://schemas.openxmlformats.org/markup-compatibility/2006" type="blank" preserve="1">
+<p:sldLayout xmlns:a="http://schemas.openxmlformats.org/drawingml/2006/main" xmlns:r="http://schemas.openxmlformats.org/officeDocument/2006/relationships" xmlns:p="http://schemas.openxmlformats.org/presentationml/2006/main" type="blank" preserve="1">
   <p:cSld name="Blank Slide">
     <p:spTree>
       <p:nvGrpSpPr>
@@ -38,11 +133,14 @@
       </p:grpSpPr>
     </p:spTree>
   </p:cSld>
+  <p:clrMapOvr>
+    <a:masterClrMapping/>
+  </p:clrMapOvr>
 </p:sldLayout>
 </file>
 
 <file path=ppt/slideLayouts/slideLayout10.xml><?xml version="1.0" encoding="utf-8"?>
-<p:sldLayout xmlns:a="http://schemas.openxmlformats.org/drawingml/2006/main" xmlns:p="http://schemas.openxmlformats.org/presentationml/2006/main" xmlns:r="http://schemas.openxmlformats.org/officeDocument/2006/relationships" xmlns:p14="http://schemas.microsoft.com/office/powerpoint/2010/main" xmlns:p15="http://schemas.microsoft.com/office/powerpoint/2012/main" xmlns:mc="http://schemas.openxmlformats.org/markup-compatibility/2006" type="objOverTx" preserve="1">
+<p:sldLayout xmlns:a="http://schemas.openxmlformats.org/drawingml/2006/main" xmlns:r="http://schemas.openxmlformats.org/officeDocument/2006/relationships" xmlns:p="http://schemas.openxmlformats.org/presentationml/2006/main" type="objOverTx" preserve="1">
   <p:cSld name="Title, Content over Content">
     <p:spTree>
       <p:nvGrpSpPr>
@@ -78,11 +176,12 @@
           </a:prstGeom>
         </p:spPr>
         <p:txBody>
-          <a:bodyPr lIns="0" rIns="0" tIns="0" bIns="0" anchor="ctr">
+          <a:bodyPr lIns="0" tIns="0" rIns="0" bIns="0" anchor="ctr">
             <a:noAutofit/>
           </a:bodyPr>
-          <a:p>
-            <a:endParaRPr b="0" lang="en-US" sz="2800" spc="-1" strike="noStrike">
+          <a:lstStyle/>
+          <a:p>
+            <a:endParaRPr lang="en-US" sz="2800" b="0" strike="noStrike" spc="-1">
               <a:solidFill>
                 <a:srgbClr val="000000"/>
               </a:solidFill>
@@ -111,11 +210,12 @@
           </a:prstGeom>
         </p:spPr>
         <p:txBody>
-          <a:bodyPr lIns="0" rIns="0" tIns="0" bIns="0">
+          <a:bodyPr lIns="0" tIns="0" rIns="0" bIns="0">
             <a:normAutofit/>
           </a:bodyPr>
-          <a:p>
-            <a:endParaRPr b="0" lang="en-US" sz="2800" spc="-1" strike="noStrike">
+          <a:lstStyle/>
+          <a:p>
+            <a:endParaRPr lang="en-US" sz="2800" b="0" strike="noStrike" spc="-1">
               <a:solidFill>
                 <a:srgbClr val="000000"/>
               </a:solidFill>
@@ -144,11 +244,12 @@
           </a:prstGeom>
         </p:spPr>
         <p:txBody>
-          <a:bodyPr lIns="0" rIns="0" tIns="0" bIns="0">
+          <a:bodyPr lIns="0" tIns="0" rIns="0" bIns="0">
             <a:normAutofit/>
           </a:bodyPr>
-          <a:p>
-            <a:endParaRPr b="0" lang="en-US" sz="2800" spc="-1" strike="noStrike">
+          <a:lstStyle/>
+          <a:p>
+            <a:endParaRPr lang="en-US" sz="2800" b="0" strike="noStrike" spc="-1">
               <a:solidFill>
                 <a:srgbClr val="000000"/>
               </a:solidFill>
@@ -159,11 +260,14 @@
       </p:sp>
     </p:spTree>
   </p:cSld>
+  <p:clrMapOvr>
+    <a:masterClrMapping/>
+  </p:clrMapOvr>
 </p:sldLayout>
 </file>
 
 <file path=ppt/slideLayouts/slideLayout11.xml><?xml version="1.0" encoding="utf-8"?>
-<p:sldLayout xmlns:a="http://schemas.openxmlformats.org/drawingml/2006/main" xmlns:p="http://schemas.openxmlformats.org/presentationml/2006/main" xmlns:r="http://schemas.openxmlformats.org/officeDocument/2006/relationships" xmlns:p14="http://schemas.microsoft.com/office/powerpoint/2010/main" xmlns:p15="http://schemas.microsoft.com/office/powerpoint/2012/main" xmlns:mc="http://schemas.openxmlformats.org/markup-compatibility/2006" type="fourObj" preserve="1">
+<p:sldLayout xmlns:a="http://schemas.openxmlformats.org/drawingml/2006/main" xmlns:r="http://schemas.openxmlformats.org/officeDocument/2006/relationships" xmlns:p="http://schemas.openxmlformats.org/presentationml/2006/main" type="fourObj" preserve="1">
   <p:cSld name="Title, 4 Content">
     <p:spTree>
       <p:nvGrpSpPr>
@@ -199,11 +303,12 @@
           </a:prstGeom>
         </p:spPr>
         <p:txBody>
-          <a:bodyPr lIns="0" rIns="0" tIns="0" bIns="0" anchor="ctr">
+          <a:bodyPr lIns="0" tIns="0" rIns="0" bIns="0" anchor="ctr">
             <a:noAutofit/>
           </a:bodyPr>
-          <a:p>
-            <a:endParaRPr b="0" lang="en-US" sz="2800" spc="-1" strike="noStrike">
+          <a:lstStyle/>
+          <a:p>
+            <a:endParaRPr lang="en-US" sz="2800" b="0" strike="noStrike" spc="-1">
               <a:solidFill>
                 <a:srgbClr val="000000"/>
               </a:solidFill>
@@ -232,11 +337,12 @@
           </a:prstGeom>
         </p:spPr>
         <p:txBody>
-          <a:bodyPr lIns="0" rIns="0" tIns="0" bIns="0">
+          <a:bodyPr lIns="0" tIns="0" rIns="0" bIns="0">
             <a:normAutofit/>
           </a:bodyPr>
-          <a:p>
-            <a:endParaRPr b="0" lang="en-US" sz="2800" spc="-1" strike="noStrike">
+          <a:lstStyle/>
+          <a:p>
+            <a:endParaRPr lang="en-US" sz="2800" b="0" strike="noStrike" spc="-1">
               <a:solidFill>
                 <a:srgbClr val="000000"/>
               </a:solidFill>
@@ -265,11 +371,12 @@
           </a:prstGeom>
         </p:spPr>
         <p:txBody>
-          <a:bodyPr lIns="0" rIns="0" tIns="0" bIns="0">
+          <a:bodyPr lIns="0" tIns="0" rIns="0" bIns="0">
             <a:normAutofit/>
           </a:bodyPr>
-          <a:p>
-            <a:endParaRPr b="0" lang="en-US" sz="2800" spc="-1" strike="noStrike">
+          <a:lstStyle/>
+          <a:p>
+            <a:endParaRPr lang="en-US" sz="2800" b="0" strike="noStrike" spc="-1">
               <a:solidFill>
                 <a:srgbClr val="000000"/>
               </a:solidFill>
@@ -298,11 +405,12 @@
           </a:prstGeom>
         </p:spPr>
         <p:txBody>
-          <a:bodyPr lIns="0" rIns="0" tIns="0" bIns="0">
+          <a:bodyPr lIns="0" tIns="0" rIns="0" bIns="0">
             <a:normAutofit/>
           </a:bodyPr>
-          <a:p>
-            <a:endParaRPr b="0" lang="en-US" sz="2800" spc="-1" strike="noStrike">
+          <a:lstStyle/>
+          <a:p>
+            <a:endParaRPr lang="en-US" sz="2800" b="0" strike="noStrike" spc="-1">
               <a:solidFill>
                 <a:srgbClr val="000000"/>
               </a:solidFill>
@@ -331,11 +439,12 @@
           </a:prstGeom>
         </p:spPr>
         <p:txBody>
-          <a:bodyPr lIns="0" rIns="0" tIns="0" bIns="0">
+          <a:bodyPr lIns="0" tIns="0" rIns="0" bIns="0">
             <a:normAutofit/>
           </a:bodyPr>
-          <a:p>
-            <a:endParaRPr b="0" lang="en-US" sz="2800" spc="-1" strike="noStrike">
+          <a:lstStyle/>
+          <a:p>
+            <a:endParaRPr lang="en-US" sz="2800" b="0" strike="noStrike" spc="-1">
               <a:solidFill>
                 <a:srgbClr val="000000"/>
               </a:solidFill>
@@ -346,11 +455,14 @@
       </p:sp>
     </p:spTree>
   </p:cSld>
+  <p:clrMapOvr>
+    <a:masterClrMapping/>
+  </p:clrMapOvr>
 </p:sldLayout>
 </file>
 
 <file path=ppt/slideLayouts/slideLayout12.xml><?xml version="1.0" encoding="utf-8"?>
-<p:sldLayout xmlns:a="http://schemas.openxmlformats.org/drawingml/2006/main" xmlns:p="http://schemas.openxmlformats.org/presentationml/2006/main" xmlns:r="http://schemas.openxmlformats.org/officeDocument/2006/relationships" xmlns:p14="http://schemas.microsoft.com/office/powerpoint/2010/main" xmlns:p15="http://schemas.microsoft.com/office/powerpoint/2012/main" xmlns:mc="http://schemas.openxmlformats.org/markup-compatibility/2006" type="blank" preserve="1">
+<p:sldLayout xmlns:a="http://schemas.openxmlformats.org/drawingml/2006/main" xmlns:r="http://schemas.openxmlformats.org/officeDocument/2006/relationships" xmlns:p="http://schemas.openxmlformats.org/presentationml/2006/main" type="blank" preserve="1">
   <p:cSld name="Title, 6 Content">
     <p:spTree>
       <p:nvGrpSpPr>
@@ -386,11 +498,12 @@
           </a:prstGeom>
         </p:spPr>
         <p:txBody>
-          <a:bodyPr lIns="0" rIns="0" tIns="0" bIns="0" anchor="ctr">
+          <a:bodyPr lIns="0" tIns="0" rIns="0" bIns="0" anchor="ctr">
             <a:noAutofit/>
           </a:bodyPr>
-          <a:p>
-            <a:endParaRPr b="0" lang="en-US" sz="2800" spc="-1" strike="noStrike">
+          <a:lstStyle/>
+          <a:p>
+            <a:endParaRPr lang="en-US" sz="2800" b="0" strike="noStrike" spc="-1">
               <a:solidFill>
                 <a:srgbClr val="000000"/>
               </a:solidFill>
@@ -419,11 +532,12 @@
           </a:prstGeom>
         </p:spPr>
         <p:txBody>
-          <a:bodyPr lIns="0" rIns="0" tIns="0" bIns="0">
+          <a:bodyPr lIns="0" tIns="0" rIns="0" bIns="0">
             <a:normAutofit/>
           </a:bodyPr>
-          <a:p>
-            <a:endParaRPr b="0" lang="en-US" sz="2800" spc="-1" strike="noStrike">
+          <a:lstStyle/>
+          <a:p>
+            <a:endParaRPr lang="en-US" sz="2800" b="0" strike="noStrike" spc="-1">
               <a:solidFill>
                 <a:srgbClr val="000000"/>
               </a:solidFill>
@@ -452,11 +566,12 @@
           </a:prstGeom>
         </p:spPr>
         <p:txBody>
-          <a:bodyPr lIns="0" rIns="0" tIns="0" bIns="0">
+          <a:bodyPr lIns="0" tIns="0" rIns="0" bIns="0">
             <a:normAutofit/>
           </a:bodyPr>
-          <a:p>
-            <a:endParaRPr b="0" lang="en-US" sz="2800" spc="-1" strike="noStrike">
+          <a:lstStyle/>
+          <a:p>
+            <a:endParaRPr lang="en-US" sz="2800" b="0" strike="noStrike" spc="-1">
               <a:solidFill>
                 <a:srgbClr val="000000"/>
               </a:solidFill>
@@ -485,11 +600,12 @@
           </a:prstGeom>
         </p:spPr>
         <p:txBody>
-          <a:bodyPr lIns="0" rIns="0" tIns="0" bIns="0">
+          <a:bodyPr lIns="0" tIns="0" rIns="0" bIns="0">
             <a:normAutofit/>
           </a:bodyPr>
-          <a:p>
-            <a:endParaRPr b="0" lang="en-US" sz="2800" spc="-1" strike="noStrike">
+          <a:lstStyle/>
+          <a:p>
+            <a:endParaRPr lang="en-US" sz="2800" b="0" strike="noStrike" spc="-1">
               <a:solidFill>
                 <a:srgbClr val="000000"/>
               </a:solidFill>
@@ -518,11 +634,12 @@
           </a:prstGeom>
         </p:spPr>
         <p:txBody>
-          <a:bodyPr lIns="0" rIns="0" tIns="0" bIns="0">
+          <a:bodyPr lIns="0" tIns="0" rIns="0" bIns="0">
             <a:normAutofit/>
           </a:bodyPr>
-          <a:p>
-            <a:endParaRPr b="0" lang="en-US" sz="2800" spc="-1" strike="noStrike">
+          <a:lstStyle/>
+          <a:p>
+            <a:endParaRPr lang="en-US" sz="2800" b="0" strike="noStrike" spc="-1">
               <a:solidFill>
                 <a:srgbClr val="000000"/>
               </a:solidFill>
@@ -551,11 +668,12 @@
           </a:prstGeom>
         </p:spPr>
         <p:txBody>
-          <a:bodyPr lIns="0" rIns="0" tIns="0" bIns="0">
+          <a:bodyPr lIns="0" tIns="0" rIns="0" bIns="0">
             <a:normAutofit/>
           </a:bodyPr>
-          <a:p>
-            <a:endParaRPr b="0" lang="en-US" sz="2800" spc="-1" strike="noStrike">
+          <a:lstStyle/>
+          <a:p>
+            <a:endParaRPr lang="en-US" sz="2800" b="0" strike="noStrike" spc="-1">
               <a:solidFill>
                 <a:srgbClr val="000000"/>
               </a:solidFill>
@@ -584,11 +702,12 @@
           </a:prstGeom>
         </p:spPr>
         <p:txBody>
-          <a:bodyPr lIns="0" rIns="0" tIns="0" bIns="0">
+          <a:bodyPr lIns="0" tIns="0" rIns="0" bIns="0">
             <a:normAutofit/>
           </a:bodyPr>
-          <a:p>
-            <a:endParaRPr b="0" lang="en-US" sz="2800" spc="-1" strike="noStrike">
+          <a:lstStyle/>
+          <a:p>
+            <a:endParaRPr lang="en-US" sz="2800" b="0" strike="noStrike" spc="-1">
               <a:solidFill>
                 <a:srgbClr val="000000"/>
               </a:solidFill>
@@ -599,11 +718,14 @@
       </p:sp>
     </p:spTree>
   </p:cSld>
+  <p:clrMapOvr>
+    <a:masterClrMapping/>
+  </p:clrMapOvr>
 </p:sldLayout>
 </file>
 
 <file path=ppt/slideLayouts/slideLayout13.xml><?xml version="1.0" encoding="utf-8"?>
-<p:sldLayout xmlns:a="http://schemas.openxmlformats.org/drawingml/2006/main" xmlns:p="http://schemas.openxmlformats.org/presentationml/2006/main" xmlns:r="http://schemas.openxmlformats.org/officeDocument/2006/relationships" xmlns:p14="http://schemas.microsoft.com/office/powerpoint/2010/main" xmlns:p15="http://schemas.microsoft.com/office/powerpoint/2012/main" xmlns:mc="http://schemas.openxmlformats.org/markup-compatibility/2006" type="blank" preserve="1">
+<p:sldLayout xmlns:a="http://schemas.openxmlformats.org/drawingml/2006/main" xmlns:r="http://schemas.openxmlformats.org/officeDocument/2006/relationships" xmlns:p="http://schemas.openxmlformats.org/presentationml/2006/main" type="blank" preserve="1">
   <p:cSld name="Blank Slide">
     <p:spTree>
       <p:nvGrpSpPr>
@@ -621,11 +743,14 @@
       </p:grpSpPr>
     </p:spTree>
   </p:cSld>
+  <p:clrMapOvr>
+    <a:masterClrMapping/>
+  </p:clrMapOvr>
 </p:sldLayout>
 </file>
 
 <file path=ppt/slideLayouts/slideLayout14.xml><?xml version="1.0" encoding="utf-8"?>
-<p:sldLayout xmlns:a="http://schemas.openxmlformats.org/drawingml/2006/main" xmlns:p="http://schemas.openxmlformats.org/presentationml/2006/main" xmlns:r="http://schemas.openxmlformats.org/officeDocument/2006/relationships" xmlns:p14="http://schemas.microsoft.com/office/powerpoint/2010/main" xmlns:p15="http://schemas.microsoft.com/office/powerpoint/2012/main" xmlns:mc="http://schemas.openxmlformats.org/markup-compatibility/2006" type="tx" preserve="1">
+<p:sldLayout xmlns:a="http://schemas.openxmlformats.org/drawingml/2006/main" xmlns:r="http://schemas.openxmlformats.org/officeDocument/2006/relationships" xmlns:p="http://schemas.openxmlformats.org/presentationml/2006/main" type="tx" preserve="1">
   <p:cSld name="Title Slide">
     <p:spTree>
       <p:nvGrpSpPr>
@@ -661,11 +786,12 @@
           </a:prstGeom>
         </p:spPr>
         <p:txBody>
-          <a:bodyPr lIns="0" rIns="0" tIns="0" bIns="0" anchor="ctr">
+          <a:bodyPr lIns="0" tIns="0" rIns="0" bIns="0" anchor="ctr">
             <a:noAutofit/>
           </a:bodyPr>
-          <a:p>
-            <a:endParaRPr b="0" lang="en-US" sz="2800" spc="-1" strike="noStrike">
+          <a:lstStyle/>
+          <a:p>
+            <a:endParaRPr lang="en-US" sz="2800" b="0" strike="noStrike" spc="-1">
               <a:solidFill>
                 <a:srgbClr val="000000"/>
               </a:solidFill>
@@ -694,12 +820,13 @@
           </a:prstGeom>
         </p:spPr>
         <p:txBody>
-          <a:bodyPr lIns="0" rIns="0" tIns="0" bIns="0" anchor="ctr">
+          <a:bodyPr lIns="0" tIns="0" rIns="0" bIns="0" anchor="ctr">
             <a:noAutofit/>
           </a:bodyPr>
+          <a:lstStyle/>
           <a:p>
             <a:pPr algn="ctr"/>
-            <a:endParaRPr b="0" lang="en-US" sz="3200" spc="-1" strike="noStrike">
+            <a:endParaRPr lang="en-US" sz="3200" b="0" strike="noStrike" spc="-1">
               <a:latin typeface="Arial"/>
             </a:endParaRPr>
           </a:p>
@@ -707,11 +834,14 @@
       </p:sp>
     </p:spTree>
   </p:cSld>
+  <p:clrMapOvr>
+    <a:masterClrMapping/>
+  </p:clrMapOvr>
 </p:sldLayout>
 </file>
 
 <file path=ppt/slideLayouts/slideLayout15.xml><?xml version="1.0" encoding="utf-8"?>
-<p:sldLayout xmlns:a="http://schemas.openxmlformats.org/drawingml/2006/main" xmlns:p="http://schemas.openxmlformats.org/presentationml/2006/main" xmlns:r="http://schemas.openxmlformats.org/officeDocument/2006/relationships" xmlns:p14="http://schemas.microsoft.com/office/powerpoint/2010/main" xmlns:p15="http://schemas.microsoft.com/office/powerpoint/2012/main" xmlns:mc="http://schemas.openxmlformats.org/markup-compatibility/2006" type="obj" preserve="1">
+<p:sldLayout xmlns:a="http://schemas.openxmlformats.org/drawingml/2006/main" xmlns:r="http://schemas.openxmlformats.org/officeDocument/2006/relationships" xmlns:p="http://schemas.openxmlformats.org/presentationml/2006/main" type="obj" preserve="1">
   <p:cSld name="Title, Content">
     <p:spTree>
       <p:nvGrpSpPr>
@@ -747,11 +877,12 @@
           </a:prstGeom>
         </p:spPr>
         <p:txBody>
-          <a:bodyPr lIns="0" rIns="0" tIns="0" bIns="0" anchor="ctr">
+          <a:bodyPr lIns="0" tIns="0" rIns="0" bIns="0" anchor="ctr">
             <a:noAutofit/>
           </a:bodyPr>
-          <a:p>
-            <a:endParaRPr b="0" lang="en-US" sz="2800" spc="-1" strike="noStrike">
+          <a:lstStyle/>
+          <a:p>
+            <a:endParaRPr lang="en-US" sz="2800" b="0" strike="noStrike" spc="-1">
               <a:solidFill>
                 <a:srgbClr val="000000"/>
               </a:solidFill>
@@ -780,11 +911,12 @@
           </a:prstGeom>
         </p:spPr>
         <p:txBody>
-          <a:bodyPr lIns="0" rIns="0" tIns="0" bIns="0">
+          <a:bodyPr lIns="0" tIns="0" rIns="0" bIns="0">
             <a:normAutofit/>
           </a:bodyPr>
-          <a:p>
-            <a:endParaRPr b="0" lang="en-US" sz="2800" spc="-1" strike="noStrike">
+          <a:lstStyle/>
+          <a:p>
+            <a:endParaRPr lang="en-US" sz="2800" b="0" strike="noStrike" spc="-1">
               <a:solidFill>
                 <a:srgbClr val="000000"/>
               </a:solidFill>
@@ -795,11 +927,14 @@
       </p:sp>
     </p:spTree>
   </p:cSld>
+  <p:clrMapOvr>
+    <a:masterClrMapping/>
+  </p:clrMapOvr>
 </p:sldLayout>
 </file>
 
 <file path=ppt/slideLayouts/slideLayout16.xml><?xml version="1.0" encoding="utf-8"?>
-<p:sldLayout xmlns:a="http://schemas.openxmlformats.org/drawingml/2006/main" xmlns:p="http://schemas.openxmlformats.org/presentationml/2006/main" xmlns:r="http://schemas.openxmlformats.org/officeDocument/2006/relationships" xmlns:p14="http://schemas.microsoft.com/office/powerpoint/2010/main" xmlns:p15="http://schemas.microsoft.com/office/powerpoint/2012/main" xmlns:mc="http://schemas.openxmlformats.org/markup-compatibility/2006" type="twoObj" preserve="1">
+<p:sldLayout xmlns:a="http://schemas.openxmlformats.org/drawingml/2006/main" xmlns:r="http://schemas.openxmlformats.org/officeDocument/2006/relationships" xmlns:p="http://schemas.openxmlformats.org/presentationml/2006/main" type="twoObj" preserve="1">
   <p:cSld name="Title, 2 Content">
     <p:spTree>
       <p:nvGrpSpPr>
@@ -835,11 +970,12 @@
           </a:prstGeom>
         </p:spPr>
         <p:txBody>
-          <a:bodyPr lIns="0" rIns="0" tIns="0" bIns="0" anchor="ctr">
+          <a:bodyPr lIns="0" tIns="0" rIns="0" bIns="0" anchor="ctr">
             <a:noAutofit/>
           </a:bodyPr>
-          <a:p>
-            <a:endParaRPr b="0" lang="en-US" sz="2800" spc="-1" strike="noStrike">
+          <a:lstStyle/>
+          <a:p>
+            <a:endParaRPr lang="en-US" sz="2800" b="0" strike="noStrike" spc="-1">
               <a:solidFill>
                 <a:srgbClr val="000000"/>
               </a:solidFill>
@@ -868,11 +1004,12 @@
           </a:prstGeom>
         </p:spPr>
         <p:txBody>
-          <a:bodyPr lIns="0" rIns="0" tIns="0" bIns="0">
+          <a:bodyPr lIns="0" tIns="0" rIns="0" bIns="0">
             <a:normAutofit/>
           </a:bodyPr>
-          <a:p>
-            <a:endParaRPr b="0" lang="en-US" sz="2800" spc="-1" strike="noStrike">
+          <a:lstStyle/>
+          <a:p>
+            <a:endParaRPr lang="en-US" sz="2800" b="0" strike="noStrike" spc="-1">
               <a:solidFill>
                 <a:srgbClr val="000000"/>
               </a:solidFill>
@@ -901,11 +1038,12 @@
           </a:prstGeom>
         </p:spPr>
         <p:txBody>
-          <a:bodyPr lIns="0" rIns="0" tIns="0" bIns="0">
+          <a:bodyPr lIns="0" tIns="0" rIns="0" bIns="0">
             <a:normAutofit/>
           </a:bodyPr>
-          <a:p>
-            <a:endParaRPr b="0" lang="en-US" sz="2800" spc="-1" strike="noStrike">
+          <a:lstStyle/>
+          <a:p>
+            <a:endParaRPr lang="en-US" sz="2800" b="0" strike="noStrike" spc="-1">
               <a:solidFill>
                 <a:srgbClr val="000000"/>
               </a:solidFill>
@@ -916,11 +1054,14 @@
       </p:sp>
     </p:spTree>
   </p:cSld>
+  <p:clrMapOvr>
+    <a:masterClrMapping/>
+  </p:clrMapOvr>
 </p:sldLayout>
 </file>
 
 <file path=ppt/slideLayouts/slideLayout17.xml><?xml version="1.0" encoding="utf-8"?>
-<p:sldLayout xmlns:a="http://schemas.openxmlformats.org/drawingml/2006/main" xmlns:p="http://schemas.openxmlformats.org/presentationml/2006/main" xmlns:r="http://schemas.openxmlformats.org/officeDocument/2006/relationships" xmlns:p14="http://schemas.microsoft.com/office/powerpoint/2010/main" xmlns:p15="http://schemas.microsoft.com/office/powerpoint/2012/main" xmlns:mc="http://schemas.openxmlformats.org/markup-compatibility/2006" type="titleOnly" preserve="1">
+<p:sldLayout xmlns:a="http://schemas.openxmlformats.org/drawingml/2006/main" xmlns:r="http://schemas.openxmlformats.org/officeDocument/2006/relationships" xmlns:p="http://schemas.openxmlformats.org/presentationml/2006/main" type="titleOnly" preserve="1">
   <p:cSld name="Title Only">
     <p:spTree>
       <p:nvGrpSpPr>
@@ -956,11 +1097,12 @@
           </a:prstGeom>
         </p:spPr>
         <p:txBody>
-          <a:bodyPr lIns="0" rIns="0" tIns="0" bIns="0" anchor="ctr">
+          <a:bodyPr lIns="0" tIns="0" rIns="0" bIns="0" anchor="ctr">
             <a:noAutofit/>
           </a:bodyPr>
-          <a:p>
-            <a:endParaRPr b="0" lang="en-US" sz="2800" spc="-1" strike="noStrike">
+          <a:lstStyle/>
+          <a:p>
+            <a:endParaRPr lang="en-US" sz="2800" b="0" strike="noStrike" spc="-1">
               <a:solidFill>
                 <a:srgbClr val="000000"/>
               </a:solidFill>
@@ -971,11 +1113,14 @@
       </p:sp>
     </p:spTree>
   </p:cSld>
+  <p:clrMapOvr>
+    <a:masterClrMapping/>
+  </p:clrMapOvr>
 </p:sldLayout>
 </file>
 
 <file path=ppt/slideLayouts/slideLayout18.xml><?xml version="1.0" encoding="utf-8"?>
-<p:sldLayout xmlns:a="http://schemas.openxmlformats.org/drawingml/2006/main" xmlns:p="http://schemas.openxmlformats.org/presentationml/2006/main" xmlns:r="http://schemas.openxmlformats.org/officeDocument/2006/relationships" xmlns:p14="http://schemas.microsoft.com/office/powerpoint/2010/main" xmlns:p15="http://schemas.microsoft.com/office/powerpoint/2012/main" xmlns:mc="http://schemas.openxmlformats.org/markup-compatibility/2006" type="objOnly" preserve="1">
+<p:sldLayout xmlns:a="http://schemas.openxmlformats.org/drawingml/2006/main" xmlns:r="http://schemas.openxmlformats.org/officeDocument/2006/relationships" xmlns:p="http://schemas.openxmlformats.org/presentationml/2006/main" type="objOnly" preserve="1">
   <p:cSld name="Centered Text">
     <p:spTree>
       <p:nvGrpSpPr>
@@ -1011,12 +1156,13 @@
           </a:prstGeom>
         </p:spPr>
         <p:txBody>
-          <a:bodyPr lIns="0" rIns="0" tIns="0" bIns="0" anchor="ctr">
+          <a:bodyPr lIns="0" tIns="0" rIns="0" bIns="0" anchor="ctr">
             <a:noAutofit/>
           </a:bodyPr>
+          <a:lstStyle/>
           <a:p>
             <a:pPr algn="ctr"/>
-            <a:endParaRPr b="0" lang="en-US" sz="3200" spc="-1" strike="noStrike">
+            <a:endParaRPr lang="en-US" sz="3200" b="0" strike="noStrike" spc="-1">
               <a:latin typeface="Arial"/>
             </a:endParaRPr>
           </a:p>
@@ -1024,11 +1170,14 @@
       </p:sp>
     </p:spTree>
   </p:cSld>
+  <p:clrMapOvr>
+    <a:masterClrMapping/>
+  </p:clrMapOvr>
 </p:sldLayout>
 </file>
 
 <file path=ppt/slideLayouts/slideLayout19.xml><?xml version="1.0" encoding="utf-8"?>
-<p:sldLayout xmlns:a="http://schemas.openxmlformats.org/drawingml/2006/main" xmlns:p="http://schemas.openxmlformats.org/presentationml/2006/main" xmlns:r="http://schemas.openxmlformats.org/officeDocument/2006/relationships" xmlns:p14="http://schemas.microsoft.com/office/powerpoint/2010/main" xmlns:p15="http://schemas.microsoft.com/office/powerpoint/2012/main" xmlns:mc="http://schemas.openxmlformats.org/markup-compatibility/2006" type="twoObjAndObj" preserve="1">
+<p:sldLayout xmlns:a="http://schemas.openxmlformats.org/drawingml/2006/main" xmlns:r="http://schemas.openxmlformats.org/officeDocument/2006/relationships" xmlns:p="http://schemas.openxmlformats.org/presentationml/2006/main" type="twoObjAndObj" preserve="1">
   <p:cSld name="Title, 2 Content and Content">
     <p:spTree>
       <p:nvGrpSpPr>
@@ -1064,11 +1213,12 @@
           </a:prstGeom>
         </p:spPr>
         <p:txBody>
-          <a:bodyPr lIns="0" rIns="0" tIns="0" bIns="0" anchor="ctr">
+          <a:bodyPr lIns="0" tIns="0" rIns="0" bIns="0" anchor="ctr">
             <a:noAutofit/>
           </a:bodyPr>
-          <a:p>
-            <a:endParaRPr b="0" lang="en-US" sz="2800" spc="-1" strike="noStrike">
+          <a:lstStyle/>
+          <a:p>
+            <a:endParaRPr lang="en-US" sz="2800" b="0" strike="noStrike" spc="-1">
               <a:solidFill>
                 <a:srgbClr val="000000"/>
               </a:solidFill>
@@ -1097,11 +1247,12 @@
           </a:prstGeom>
         </p:spPr>
         <p:txBody>
-          <a:bodyPr lIns="0" rIns="0" tIns="0" bIns="0">
+          <a:bodyPr lIns="0" tIns="0" rIns="0" bIns="0">
             <a:normAutofit/>
           </a:bodyPr>
-          <a:p>
-            <a:endParaRPr b="0" lang="en-US" sz="2800" spc="-1" strike="noStrike">
+          <a:lstStyle/>
+          <a:p>
+            <a:endParaRPr lang="en-US" sz="2800" b="0" strike="noStrike" spc="-1">
               <a:solidFill>
                 <a:srgbClr val="000000"/>
               </a:solidFill>
@@ -1130,11 +1281,12 @@
           </a:prstGeom>
         </p:spPr>
         <p:txBody>
-          <a:bodyPr lIns="0" rIns="0" tIns="0" bIns="0">
+          <a:bodyPr lIns="0" tIns="0" rIns="0" bIns="0">
             <a:normAutofit/>
           </a:bodyPr>
-          <a:p>
-            <a:endParaRPr b="0" lang="en-US" sz="2800" spc="-1" strike="noStrike">
+          <a:lstStyle/>
+          <a:p>
+            <a:endParaRPr lang="en-US" sz="2800" b="0" strike="noStrike" spc="-1">
               <a:solidFill>
                 <a:srgbClr val="000000"/>
               </a:solidFill>
@@ -1163,11 +1315,12 @@
           </a:prstGeom>
         </p:spPr>
         <p:txBody>
-          <a:bodyPr lIns="0" rIns="0" tIns="0" bIns="0">
+          <a:bodyPr lIns="0" tIns="0" rIns="0" bIns="0">
             <a:normAutofit/>
           </a:bodyPr>
-          <a:p>
-            <a:endParaRPr b="0" lang="en-US" sz="2800" spc="-1" strike="noStrike">
+          <a:lstStyle/>
+          <a:p>
+            <a:endParaRPr lang="en-US" sz="2800" b="0" strike="noStrike" spc="-1">
               <a:solidFill>
                 <a:srgbClr val="000000"/>
               </a:solidFill>
@@ -1178,11 +1331,14 @@
       </p:sp>
     </p:spTree>
   </p:cSld>
+  <p:clrMapOvr>
+    <a:masterClrMapping/>
+  </p:clrMapOvr>
 </p:sldLayout>
 </file>
 
 <file path=ppt/slideLayouts/slideLayout2.xml><?xml version="1.0" encoding="utf-8"?>
-<p:sldLayout xmlns:a="http://schemas.openxmlformats.org/drawingml/2006/main" xmlns:p="http://schemas.openxmlformats.org/presentationml/2006/main" xmlns:r="http://schemas.openxmlformats.org/officeDocument/2006/relationships" xmlns:p14="http://schemas.microsoft.com/office/powerpoint/2010/main" xmlns:p15="http://schemas.microsoft.com/office/powerpoint/2012/main" xmlns:mc="http://schemas.openxmlformats.org/markup-compatibility/2006" type="tx" preserve="1">
+<p:sldLayout xmlns:a="http://schemas.openxmlformats.org/drawingml/2006/main" xmlns:r="http://schemas.openxmlformats.org/officeDocument/2006/relationships" xmlns:p="http://schemas.openxmlformats.org/presentationml/2006/main" type="tx" preserve="1">
   <p:cSld name="Title Slide">
     <p:spTree>
       <p:nvGrpSpPr>
@@ -1218,11 +1374,12 @@
           </a:prstGeom>
         </p:spPr>
         <p:txBody>
-          <a:bodyPr lIns="0" rIns="0" tIns="0" bIns="0" anchor="ctr">
+          <a:bodyPr lIns="0" tIns="0" rIns="0" bIns="0" anchor="ctr">
             <a:noAutofit/>
           </a:bodyPr>
-          <a:p>
-            <a:endParaRPr b="0" lang="en-US" sz="2800" spc="-1" strike="noStrike">
+          <a:lstStyle/>
+          <a:p>
+            <a:endParaRPr lang="en-US" sz="2800" b="0" strike="noStrike" spc="-1">
               <a:solidFill>
                 <a:srgbClr val="000000"/>
               </a:solidFill>
@@ -1251,12 +1408,13 @@
           </a:prstGeom>
         </p:spPr>
         <p:txBody>
-          <a:bodyPr lIns="0" rIns="0" tIns="0" bIns="0" anchor="ctr">
+          <a:bodyPr lIns="0" tIns="0" rIns="0" bIns="0" anchor="ctr">
             <a:noAutofit/>
           </a:bodyPr>
+          <a:lstStyle/>
           <a:p>
             <a:pPr algn="ctr"/>
-            <a:endParaRPr b="0" lang="en-US" sz="3200" spc="-1" strike="noStrike">
+            <a:endParaRPr lang="en-US" sz="3200" b="0" strike="noStrike" spc="-1">
               <a:latin typeface="Arial"/>
             </a:endParaRPr>
           </a:p>
@@ -1264,11 +1422,14 @@
       </p:sp>
     </p:spTree>
   </p:cSld>
+  <p:clrMapOvr>
+    <a:masterClrMapping/>
+  </p:clrMapOvr>
 </p:sldLayout>
 </file>
 
 <file path=ppt/slideLayouts/slideLayout20.xml><?xml version="1.0" encoding="utf-8"?>
-<p:sldLayout xmlns:a="http://schemas.openxmlformats.org/drawingml/2006/main" xmlns:p="http://schemas.openxmlformats.org/presentationml/2006/main" xmlns:r="http://schemas.openxmlformats.org/officeDocument/2006/relationships" xmlns:p14="http://schemas.microsoft.com/office/powerpoint/2010/main" xmlns:p15="http://schemas.microsoft.com/office/powerpoint/2012/main" xmlns:mc="http://schemas.openxmlformats.org/markup-compatibility/2006" type="objAndTwoObj" preserve="1">
+<p:sldLayout xmlns:a="http://schemas.openxmlformats.org/drawingml/2006/main" xmlns:r="http://schemas.openxmlformats.org/officeDocument/2006/relationships" xmlns:p="http://schemas.openxmlformats.org/presentationml/2006/main" type="objAndTwoObj" preserve="1">
   <p:cSld name="Title Content and 2 Content">
     <p:spTree>
       <p:nvGrpSpPr>
@@ -1304,11 +1465,12 @@
           </a:prstGeom>
         </p:spPr>
         <p:txBody>
-          <a:bodyPr lIns="0" rIns="0" tIns="0" bIns="0" anchor="ctr">
+          <a:bodyPr lIns="0" tIns="0" rIns="0" bIns="0" anchor="ctr">
             <a:noAutofit/>
           </a:bodyPr>
-          <a:p>
-            <a:endParaRPr b="0" lang="en-US" sz="2800" spc="-1" strike="noStrike">
+          <a:lstStyle/>
+          <a:p>
+            <a:endParaRPr lang="en-US" sz="2800" b="0" strike="noStrike" spc="-1">
               <a:solidFill>
                 <a:srgbClr val="000000"/>
               </a:solidFill>
@@ -1337,11 +1499,12 @@
           </a:prstGeom>
         </p:spPr>
         <p:txBody>
-          <a:bodyPr lIns="0" rIns="0" tIns="0" bIns="0">
+          <a:bodyPr lIns="0" tIns="0" rIns="0" bIns="0">
             <a:normAutofit/>
           </a:bodyPr>
-          <a:p>
-            <a:endParaRPr b="0" lang="en-US" sz="2800" spc="-1" strike="noStrike">
+          <a:lstStyle/>
+          <a:p>
+            <a:endParaRPr lang="en-US" sz="2800" b="0" strike="noStrike" spc="-1">
               <a:solidFill>
                 <a:srgbClr val="000000"/>
               </a:solidFill>
@@ -1370,11 +1533,12 @@
           </a:prstGeom>
         </p:spPr>
         <p:txBody>
-          <a:bodyPr lIns="0" rIns="0" tIns="0" bIns="0">
+          <a:bodyPr lIns="0" tIns="0" rIns="0" bIns="0">
             <a:normAutofit/>
           </a:bodyPr>
-          <a:p>
-            <a:endParaRPr b="0" lang="en-US" sz="2800" spc="-1" strike="noStrike">
+          <a:lstStyle/>
+          <a:p>
+            <a:endParaRPr lang="en-US" sz="2800" b="0" strike="noStrike" spc="-1">
               <a:solidFill>
                 <a:srgbClr val="000000"/>
               </a:solidFill>
@@ -1403,11 +1567,12 @@
           </a:prstGeom>
         </p:spPr>
         <p:txBody>
-          <a:bodyPr lIns="0" rIns="0" tIns="0" bIns="0">
+          <a:bodyPr lIns="0" tIns="0" rIns="0" bIns="0">
             <a:normAutofit/>
           </a:bodyPr>
-          <a:p>
-            <a:endParaRPr b="0" lang="en-US" sz="2800" spc="-1" strike="noStrike">
+          <a:lstStyle/>
+          <a:p>
+            <a:endParaRPr lang="en-US" sz="2800" b="0" strike="noStrike" spc="-1">
               <a:solidFill>
                 <a:srgbClr val="000000"/>
               </a:solidFill>
@@ -1418,11 +1583,14 @@
       </p:sp>
     </p:spTree>
   </p:cSld>
+  <p:clrMapOvr>
+    <a:masterClrMapping/>
+  </p:clrMapOvr>
 </p:sldLayout>
 </file>
 
 <file path=ppt/slideLayouts/slideLayout21.xml><?xml version="1.0" encoding="utf-8"?>
-<p:sldLayout xmlns:a="http://schemas.openxmlformats.org/drawingml/2006/main" xmlns:p="http://schemas.openxmlformats.org/presentationml/2006/main" xmlns:r="http://schemas.openxmlformats.org/officeDocument/2006/relationships" xmlns:p14="http://schemas.microsoft.com/office/powerpoint/2010/main" xmlns:p15="http://schemas.microsoft.com/office/powerpoint/2012/main" xmlns:mc="http://schemas.openxmlformats.org/markup-compatibility/2006" type="twoObjOverTx" preserve="1">
+<p:sldLayout xmlns:a="http://schemas.openxmlformats.org/drawingml/2006/main" xmlns:r="http://schemas.openxmlformats.org/officeDocument/2006/relationships" xmlns:p="http://schemas.openxmlformats.org/presentationml/2006/main" type="twoObjOverTx" preserve="1">
   <p:cSld name="Title, 2 Content over Content">
     <p:spTree>
       <p:nvGrpSpPr>
@@ -1458,11 +1626,12 @@
           </a:prstGeom>
         </p:spPr>
         <p:txBody>
-          <a:bodyPr lIns="0" rIns="0" tIns="0" bIns="0" anchor="ctr">
+          <a:bodyPr lIns="0" tIns="0" rIns="0" bIns="0" anchor="ctr">
             <a:noAutofit/>
           </a:bodyPr>
-          <a:p>
-            <a:endParaRPr b="0" lang="en-US" sz="2800" spc="-1" strike="noStrike">
+          <a:lstStyle/>
+          <a:p>
+            <a:endParaRPr lang="en-US" sz="2800" b="0" strike="noStrike" spc="-1">
               <a:solidFill>
                 <a:srgbClr val="000000"/>
               </a:solidFill>
@@ -1491,11 +1660,12 @@
           </a:prstGeom>
         </p:spPr>
         <p:txBody>
-          <a:bodyPr lIns="0" rIns="0" tIns="0" bIns="0">
+          <a:bodyPr lIns="0" tIns="0" rIns="0" bIns="0">
             <a:normAutofit/>
           </a:bodyPr>
-          <a:p>
-            <a:endParaRPr b="0" lang="en-US" sz="2800" spc="-1" strike="noStrike">
+          <a:lstStyle/>
+          <a:p>
+            <a:endParaRPr lang="en-US" sz="2800" b="0" strike="noStrike" spc="-1">
               <a:solidFill>
                 <a:srgbClr val="000000"/>
               </a:solidFill>
@@ -1524,11 +1694,12 @@
           </a:prstGeom>
         </p:spPr>
         <p:txBody>
-          <a:bodyPr lIns="0" rIns="0" tIns="0" bIns="0">
+          <a:bodyPr lIns="0" tIns="0" rIns="0" bIns="0">
             <a:normAutofit/>
           </a:bodyPr>
-          <a:p>
-            <a:endParaRPr b="0" lang="en-US" sz="2800" spc="-1" strike="noStrike">
+          <a:lstStyle/>
+          <a:p>
+            <a:endParaRPr lang="en-US" sz="2800" b="0" strike="noStrike" spc="-1">
               <a:solidFill>
                 <a:srgbClr val="000000"/>
               </a:solidFill>
@@ -1557,11 +1728,12 @@
           </a:prstGeom>
         </p:spPr>
         <p:txBody>
-          <a:bodyPr lIns="0" rIns="0" tIns="0" bIns="0">
+          <a:bodyPr lIns="0" tIns="0" rIns="0" bIns="0">
             <a:normAutofit/>
           </a:bodyPr>
-          <a:p>
-            <a:endParaRPr b="0" lang="en-US" sz="2800" spc="-1" strike="noStrike">
+          <a:lstStyle/>
+          <a:p>
+            <a:endParaRPr lang="en-US" sz="2800" b="0" strike="noStrike" spc="-1">
               <a:solidFill>
                 <a:srgbClr val="000000"/>
               </a:solidFill>
@@ -1572,11 +1744,14 @@
       </p:sp>
     </p:spTree>
   </p:cSld>
+  <p:clrMapOvr>
+    <a:masterClrMapping/>
+  </p:clrMapOvr>
 </p:sldLayout>
 </file>
 
 <file path=ppt/slideLayouts/slideLayout22.xml><?xml version="1.0" encoding="utf-8"?>
-<p:sldLayout xmlns:a="http://schemas.openxmlformats.org/drawingml/2006/main" xmlns:p="http://schemas.openxmlformats.org/presentationml/2006/main" xmlns:r="http://schemas.openxmlformats.org/officeDocument/2006/relationships" xmlns:p14="http://schemas.microsoft.com/office/powerpoint/2010/main" xmlns:p15="http://schemas.microsoft.com/office/powerpoint/2012/main" xmlns:mc="http://schemas.openxmlformats.org/markup-compatibility/2006" type="objOverTx" preserve="1">
+<p:sldLayout xmlns:a="http://schemas.openxmlformats.org/drawingml/2006/main" xmlns:r="http://schemas.openxmlformats.org/officeDocument/2006/relationships" xmlns:p="http://schemas.openxmlformats.org/presentationml/2006/main" type="objOverTx" preserve="1">
   <p:cSld name="Title, Content over Content">
     <p:spTree>
       <p:nvGrpSpPr>
@@ -1612,11 +1787,12 @@
           </a:prstGeom>
         </p:spPr>
         <p:txBody>
-          <a:bodyPr lIns="0" rIns="0" tIns="0" bIns="0" anchor="ctr">
+          <a:bodyPr lIns="0" tIns="0" rIns="0" bIns="0" anchor="ctr">
             <a:noAutofit/>
           </a:bodyPr>
-          <a:p>
-            <a:endParaRPr b="0" lang="en-US" sz="2800" spc="-1" strike="noStrike">
+          <a:lstStyle/>
+          <a:p>
+            <a:endParaRPr lang="en-US" sz="2800" b="0" strike="noStrike" spc="-1">
               <a:solidFill>
                 <a:srgbClr val="000000"/>
               </a:solidFill>
@@ -1645,11 +1821,12 @@
           </a:prstGeom>
         </p:spPr>
         <p:txBody>
-          <a:bodyPr lIns="0" rIns="0" tIns="0" bIns="0">
+          <a:bodyPr lIns="0" tIns="0" rIns="0" bIns="0">
             <a:normAutofit/>
           </a:bodyPr>
-          <a:p>
-            <a:endParaRPr b="0" lang="en-US" sz="2800" spc="-1" strike="noStrike">
+          <a:lstStyle/>
+          <a:p>
+            <a:endParaRPr lang="en-US" sz="2800" b="0" strike="noStrike" spc="-1">
               <a:solidFill>
                 <a:srgbClr val="000000"/>
               </a:solidFill>
@@ -1678,11 +1855,12 @@
           </a:prstGeom>
         </p:spPr>
         <p:txBody>
-          <a:bodyPr lIns="0" rIns="0" tIns="0" bIns="0">
+          <a:bodyPr lIns="0" tIns="0" rIns="0" bIns="0">
             <a:normAutofit/>
           </a:bodyPr>
-          <a:p>
-            <a:endParaRPr b="0" lang="en-US" sz="2800" spc="-1" strike="noStrike">
+          <a:lstStyle/>
+          <a:p>
+            <a:endParaRPr lang="en-US" sz="2800" b="0" strike="noStrike" spc="-1">
               <a:solidFill>
                 <a:srgbClr val="000000"/>
               </a:solidFill>
@@ -1693,11 +1871,14 @@
       </p:sp>
     </p:spTree>
   </p:cSld>
+  <p:clrMapOvr>
+    <a:masterClrMapping/>
+  </p:clrMapOvr>
 </p:sldLayout>
 </file>
 
 <file path=ppt/slideLayouts/slideLayout23.xml><?xml version="1.0" encoding="utf-8"?>
-<p:sldLayout xmlns:a="http://schemas.openxmlformats.org/drawingml/2006/main" xmlns:p="http://schemas.openxmlformats.org/presentationml/2006/main" xmlns:r="http://schemas.openxmlformats.org/officeDocument/2006/relationships" xmlns:p14="http://schemas.microsoft.com/office/powerpoint/2010/main" xmlns:p15="http://schemas.microsoft.com/office/powerpoint/2012/main" xmlns:mc="http://schemas.openxmlformats.org/markup-compatibility/2006" type="fourObj" preserve="1">
+<p:sldLayout xmlns:a="http://schemas.openxmlformats.org/drawingml/2006/main" xmlns:r="http://schemas.openxmlformats.org/officeDocument/2006/relationships" xmlns:p="http://schemas.openxmlformats.org/presentationml/2006/main" type="fourObj" preserve="1">
   <p:cSld name="Title, 4 Content">
     <p:spTree>
       <p:nvGrpSpPr>
@@ -1733,11 +1914,12 @@
           </a:prstGeom>
         </p:spPr>
         <p:txBody>
-          <a:bodyPr lIns="0" rIns="0" tIns="0" bIns="0" anchor="ctr">
+          <a:bodyPr lIns="0" tIns="0" rIns="0" bIns="0" anchor="ctr">
             <a:noAutofit/>
           </a:bodyPr>
-          <a:p>
-            <a:endParaRPr b="0" lang="en-US" sz="2800" spc="-1" strike="noStrike">
+          <a:lstStyle/>
+          <a:p>
+            <a:endParaRPr lang="en-US" sz="2800" b="0" strike="noStrike" spc="-1">
               <a:solidFill>
                 <a:srgbClr val="000000"/>
               </a:solidFill>
@@ -1766,11 +1948,12 @@
           </a:prstGeom>
         </p:spPr>
         <p:txBody>
-          <a:bodyPr lIns="0" rIns="0" tIns="0" bIns="0">
+          <a:bodyPr lIns="0" tIns="0" rIns="0" bIns="0">
             <a:normAutofit/>
           </a:bodyPr>
-          <a:p>
-            <a:endParaRPr b="0" lang="en-US" sz="2800" spc="-1" strike="noStrike">
+          <a:lstStyle/>
+          <a:p>
+            <a:endParaRPr lang="en-US" sz="2800" b="0" strike="noStrike" spc="-1">
               <a:solidFill>
                 <a:srgbClr val="000000"/>
               </a:solidFill>
@@ -1799,11 +1982,12 @@
           </a:prstGeom>
         </p:spPr>
         <p:txBody>
-          <a:bodyPr lIns="0" rIns="0" tIns="0" bIns="0">
+          <a:bodyPr lIns="0" tIns="0" rIns="0" bIns="0">
             <a:normAutofit/>
           </a:bodyPr>
-          <a:p>
-            <a:endParaRPr b="0" lang="en-US" sz="2800" spc="-1" strike="noStrike">
+          <a:lstStyle/>
+          <a:p>
+            <a:endParaRPr lang="en-US" sz="2800" b="0" strike="noStrike" spc="-1">
               <a:solidFill>
                 <a:srgbClr val="000000"/>
               </a:solidFill>
@@ -1832,11 +2016,12 @@
           </a:prstGeom>
         </p:spPr>
         <p:txBody>
-          <a:bodyPr lIns="0" rIns="0" tIns="0" bIns="0">
+          <a:bodyPr lIns="0" tIns="0" rIns="0" bIns="0">
             <a:normAutofit/>
           </a:bodyPr>
-          <a:p>
-            <a:endParaRPr b="0" lang="en-US" sz="2800" spc="-1" strike="noStrike">
+          <a:lstStyle/>
+          <a:p>
+            <a:endParaRPr lang="en-US" sz="2800" b="0" strike="noStrike" spc="-1">
               <a:solidFill>
                 <a:srgbClr val="000000"/>
               </a:solidFill>
@@ -1865,11 +2050,12 @@
           </a:prstGeom>
         </p:spPr>
         <p:txBody>
-          <a:bodyPr lIns="0" rIns="0" tIns="0" bIns="0">
+          <a:bodyPr lIns="0" tIns="0" rIns="0" bIns="0">
             <a:normAutofit/>
           </a:bodyPr>
-          <a:p>
-            <a:endParaRPr b="0" lang="en-US" sz="2800" spc="-1" strike="noStrike">
+          <a:lstStyle/>
+          <a:p>
+            <a:endParaRPr lang="en-US" sz="2800" b="0" strike="noStrike" spc="-1">
               <a:solidFill>
                 <a:srgbClr val="000000"/>
               </a:solidFill>
@@ -1880,11 +2066,14 @@
       </p:sp>
     </p:spTree>
   </p:cSld>
+  <p:clrMapOvr>
+    <a:masterClrMapping/>
+  </p:clrMapOvr>
 </p:sldLayout>
 </file>
 
 <file path=ppt/slideLayouts/slideLayout24.xml><?xml version="1.0" encoding="utf-8"?>
-<p:sldLayout xmlns:a="http://schemas.openxmlformats.org/drawingml/2006/main" xmlns:p="http://schemas.openxmlformats.org/presentationml/2006/main" xmlns:r="http://schemas.openxmlformats.org/officeDocument/2006/relationships" xmlns:p14="http://schemas.microsoft.com/office/powerpoint/2010/main" xmlns:p15="http://schemas.microsoft.com/office/powerpoint/2012/main" xmlns:mc="http://schemas.openxmlformats.org/markup-compatibility/2006" type="blank" preserve="1">
+<p:sldLayout xmlns:a="http://schemas.openxmlformats.org/drawingml/2006/main" xmlns:r="http://schemas.openxmlformats.org/officeDocument/2006/relationships" xmlns:p="http://schemas.openxmlformats.org/presentationml/2006/main" type="blank" preserve="1">
   <p:cSld name="Title, 6 Content">
     <p:spTree>
       <p:nvGrpSpPr>
@@ -1920,11 +2109,12 @@
           </a:prstGeom>
         </p:spPr>
         <p:txBody>
-          <a:bodyPr lIns="0" rIns="0" tIns="0" bIns="0" anchor="ctr">
+          <a:bodyPr lIns="0" tIns="0" rIns="0" bIns="0" anchor="ctr">
             <a:noAutofit/>
           </a:bodyPr>
-          <a:p>
-            <a:endParaRPr b="0" lang="en-US" sz="2800" spc="-1" strike="noStrike">
+          <a:lstStyle/>
+          <a:p>
+            <a:endParaRPr lang="en-US" sz="2800" b="0" strike="noStrike" spc="-1">
               <a:solidFill>
                 <a:srgbClr val="000000"/>
               </a:solidFill>
@@ -1953,11 +2143,12 @@
           </a:prstGeom>
         </p:spPr>
         <p:txBody>
-          <a:bodyPr lIns="0" rIns="0" tIns="0" bIns="0">
+          <a:bodyPr lIns="0" tIns="0" rIns="0" bIns="0">
             <a:normAutofit/>
           </a:bodyPr>
-          <a:p>
-            <a:endParaRPr b="0" lang="en-US" sz="2800" spc="-1" strike="noStrike">
+          <a:lstStyle/>
+          <a:p>
+            <a:endParaRPr lang="en-US" sz="2800" b="0" strike="noStrike" spc="-1">
               <a:solidFill>
                 <a:srgbClr val="000000"/>
               </a:solidFill>
@@ -1986,11 +2177,12 @@
           </a:prstGeom>
         </p:spPr>
         <p:txBody>
-          <a:bodyPr lIns="0" rIns="0" tIns="0" bIns="0">
+          <a:bodyPr lIns="0" tIns="0" rIns="0" bIns="0">
             <a:normAutofit/>
           </a:bodyPr>
-          <a:p>
-            <a:endParaRPr b="0" lang="en-US" sz="2800" spc="-1" strike="noStrike">
+          <a:lstStyle/>
+          <a:p>
+            <a:endParaRPr lang="en-US" sz="2800" b="0" strike="noStrike" spc="-1">
               <a:solidFill>
                 <a:srgbClr val="000000"/>
               </a:solidFill>
@@ -2019,11 +2211,12 @@
           </a:prstGeom>
         </p:spPr>
         <p:txBody>
-          <a:bodyPr lIns="0" rIns="0" tIns="0" bIns="0">
+          <a:bodyPr lIns="0" tIns="0" rIns="0" bIns="0">
             <a:normAutofit/>
           </a:bodyPr>
-          <a:p>
-            <a:endParaRPr b="0" lang="en-US" sz="2800" spc="-1" strike="noStrike">
+          <a:lstStyle/>
+          <a:p>
+            <a:endParaRPr lang="en-US" sz="2800" b="0" strike="noStrike" spc="-1">
               <a:solidFill>
                 <a:srgbClr val="000000"/>
               </a:solidFill>
@@ -2052,11 +2245,12 @@
           </a:prstGeom>
         </p:spPr>
         <p:txBody>
-          <a:bodyPr lIns="0" rIns="0" tIns="0" bIns="0">
+          <a:bodyPr lIns="0" tIns="0" rIns="0" bIns="0">
             <a:normAutofit/>
           </a:bodyPr>
-          <a:p>
-            <a:endParaRPr b="0" lang="en-US" sz="2800" spc="-1" strike="noStrike">
+          <a:lstStyle/>
+          <a:p>
+            <a:endParaRPr lang="en-US" sz="2800" b="0" strike="noStrike" spc="-1">
               <a:solidFill>
                 <a:srgbClr val="000000"/>
               </a:solidFill>
@@ -2085,11 +2279,12 @@
           </a:prstGeom>
         </p:spPr>
         <p:txBody>
-          <a:bodyPr lIns="0" rIns="0" tIns="0" bIns="0">
+          <a:bodyPr lIns="0" tIns="0" rIns="0" bIns="0">
             <a:normAutofit/>
           </a:bodyPr>
-          <a:p>
-            <a:endParaRPr b="0" lang="en-US" sz="2800" spc="-1" strike="noStrike">
+          <a:lstStyle/>
+          <a:p>
+            <a:endParaRPr lang="en-US" sz="2800" b="0" strike="noStrike" spc="-1">
               <a:solidFill>
                 <a:srgbClr val="000000"/>
               </a:solidFill>
@@ -2118,11 +2313,12 @@
           </a:prstGeom>
         </p:spPr>
         <p:txBody>
-          <a:bodyPr lIns="0" rIns="0" tIns="0" bIns="0">
+          <a:bodyPr lIns="0" tIns="0" rIns="0" bIns="0">
             <a:normAutofit/>
           </a:bodyPr>
-          <a:p>
-            <a:endParaRPr b="0" lang="en-US" sz="2800" spc="-1" strike="noStrike">
+          <a:lstStyle/>
+          <a:p>
+            <a:endParaRPr lang="en-US" sz="2800" b="0" strike="noStrike" spc="-1">
               <a:solidFill>
                 <a:srgbClr val="000000"/>
               </a:solidFill>
@@ -2133,11 +2329,14 @@
       </p:sp>
     </p:spTree>
   </p:cSld>
+  <p:clrMapOvr>
+    <a:masterClrMapping/>
+  </p:clrMapOvr>
 </p:sldLayout>
 </file>
 
 <file path=ppt/slideLayouts/slideLayout3.xml><?xml version="1.0" encoding="utf-8"?>
-<p:sldLayout xmlns:a="http://schemas.openxmlformats.org/drawingml/2006/main" xmlns:p="http://schemas.openxmlformats.org/presentationml/2006/main" xmlns:r="http://schemas.openxmlformats.org/officeDocument/2006/relationships" xmlns:p14="http://schemas.microsoft.com/office/powerpoint/2010/main" xmlns:p15="http://schemas.microsoft.com/office/powerpoint/2012/main" xmlns:mc="http://schemas.openxmlformats.org/markup-compatibility/2006" type="obj" preserve="1">
+<p:sldLayout xmlns:a="http://schemas.openxmlformats.org/drawingml/2006/main" xmlns:r="http://schemas.openxmlformats.org/officeDocument/2006/relationships" xmlns:p="http://schemas.openxmlformats.org/presentationml/2006/main" type="obj" preserve="1">
   <p:cSld name="Title, Content">
     <p:spTree>
       <p:nvGrpSpPr>
@@ -2173,11 +2372,12 @@
           </a:prstGeom>
         </p:spPr>
         <p:txBody>
-          <a:bodyPr lIns="0" rIns="0" tIns="0" bIns="0" anchor="ctr">
+          <a:bodyPr lIns="0" tIns="0" rIns="0" bIns="0" anchor="ctr">
             <a:noAutofit/>
           </a:bodyPr>
-          <a:p>
-            <a:endParaRPr b="0" lang="en-US" sz="2800" spc="-1" strike="noStrike">
+          <a:lstStyle/>
+          <a:p>
+            <a:endParaRPr lang="en-US" sz="2800" b="0" strike="noStrike" spc="-1">
               <a:solidFill>
                 <a:srgbClr val="000000"/>
               </a:solidFill>
@@ -2206,11 +2406,12 @@
           </a:prstGeom>
         </p:spPr>
         <p:txBody>
-          <a:bodyPr lIns="0" rIns="0" tIns="0" bIns="0">
+          <a:bodyPr lIns="0" tIns="0" rIns="0" bIns="0">
             <a:normAutofit/>
           </a:bodyPr>
-          <a:p>
-            <a:endParaRPr b="0" lang="en-US" sz="2800" spc="-1" strike="noStrike">
+          <a:lstStyle/>
+          <a:p>
+            <a:endParaRPr lang="en-US" sz="2800" b="0" strike="noStrike" spc="-1">
               <a:solidFill>
                 <a:srgbClr val="000000"/>
               </a:solidFill>
@@ -2221,11 +2422,14 @@
       </p:sp>
     </p:spTree>
   </p:cSld>
+  <p:clrMapOvr>
+    <a:masterClrMapping/>
+  </p:clrMapOvr>
 </p:sldLayout>
 </file>
 
 <file path=ppt/slideLayouts/slideLayout4.xml><?xml version="1.0" encoding="utf-8"?>
-<p:sldLayout xmlns:a="http://schemas.openxmlformats.org/drawingml/2006/main" xmlns:p="http://schemas.openxmlformats.org/presentationml/2006/main" xmlns:r="http://schemas.openxmlformats.org/officeDocument/2006/relationships" xmlns:p14="http://schemas.microsoft.com/office/powerpoint/2010/main" xmlns:p15="http://schemas.microsoft.com/office/powerpoint/2012/main" xmlns:mc="http://schemas.openxmlformats.org/markup-compatibility/2006" type="twoObj" preserve="1">
+<p:sldLayout xmlns:a="http://schemas.openxmlformats.org/drawingml/2006/main" xmlns:r="http://schemas.openxmlformats.org/officeDocument/2006/relationships" xmlns:p="http://schemas.openxmlformats.org/presentationml/2006/main" type="twoObj" preserve="1">
   <p:cSld name="Title, 2 Content">
     <p:spTree>
       <p:nvGrpSpPr>
@@ -2261,11 +2465,12 @@
           </a:prstGeom>
         </p:spPr>
         <p:txBody>
-          <a:bodyPr lIns="0" rIns="0" tIns="0" bIns="0" anchor="ctr">
+          <a:bodyPr lIns="0" tIns="0" rIns="0" bIns="0" anchor="ctr">
             <a:noAutofit/>
           </a:bodyPr>
-          <a:p>
-            <a:endParaRPr b="0" lang="en-US" sz="2800" spc="-1" strike="noStrike">
+          <a:lstStyle/>
+          <a:p>
+            <a:endParaRPr lang="en-US" sz="2800" b="0" strike="noStrike" spc="-1">
               <a:solidFill>
                 <a:srgbClr val="000000"/>
               </a:solidFill>
@@ -2294,11 +2499,12 @@
           </a:prstGeom>
         </p:spPr>
         <p:txBody>
-          <a:bodyPr lIns="0" rIns="0" tIns="0" bIns="0">
+          <a:bodyPr lIns="0" tIns="0" rIns="0" bIns="0">
             <a:normAutofit/>
           </a:bodyPr>
-          <a:p>
-            <a:endParaRPr b="0" lang="en-US" sz="2800" spc="-1" strike="noStrike">
+          <a:lstStyle/>
+          <a:p>
+            <a:endParaRPr lang="en-US" sz="2800" b="0" strike="noStrike" spc="-1">
               <a:solidFill>
                 <a:srgbClr val="000000"/>
               </a:solidFill>
@@ -2327,11 +2533,12 @@
           </a:prstGeom>
         </p:spPr>
         <p:txBody>
-          <a:bodyPr lIns="0" rIns="0" tIns="0" bIns="0">
+          <a:bodyPr lIns="0" tIns="0" rIns="0" bIns="0">
             <a:normAutofit/>
           </a:bodyPr>
-          <a:p>
-            <a:endParaRPr b="0" lang="en-US" sz="2800" spc="-1" strike="noStrike">
+          <a:lstStyle/>
+          <a:p>
+            <a:endParaRPr lang="en-US" sz="2800" b="0" strike="noStrike" spc="-1">
               <a:solidFill>
                 <a:srgbClr val="000000"/>
               </a:solidFill>
@@ -2342,11 +2549,14 @@
       </p:sp>
     </p:spTree>
   </p:cSld>
+  <p:clrMapOvr>
+    <a:masterClrMapping/>
+  </p:clrMapOvr>
 </p:sldLayout>
 </file>
 
 <file path=ppt/slideLayouts/slideLayout5.xml><?xml version="1.0" encoding="utf-8"?>
-<p:sldLayout xmlns:a="http://schemas.openxmlformats.org/drawingml/2006/main" xmlns:p="http://schemas.openxmlformats.org/presentationml/2006/main" xmlns:r="http://schemas.openxmlformats.org/officeDocument/2006/relationships" xmlns:p14="http://schemas.microsoft.com/office/powerpoint/2010/main" xmlns:p15="http://schemas.microsoft.com/office/powerpoint/2012/main" xmlns:mc="http://schemas.openxmlformats.org/markup-compatibility/2006" type="titleOnly" preserve="1">
+<p:sldLayout xmlns:a="http://schemas.openxmlformats.org/drawingml/2006/main" xmlns:r="http://schemas.openxmlformats.org/officeDocument/2006/relationships" xmlns:p="http://schemas.openxmlformats.org/presentationml/2006/main" type="titleOnly" preserve="1">
   <p:cSld name="Title Only">
     <p:spTree>
       <p:nvGrpSpPr>
@@ -2382,11 +2592,12 @@
           </a:prstGeom>
         </p:spPr>
         <p:txBody>
-          <a:bodyPr lIns="0" rIns="0" tIns="0" bIns="0" anchor="ctr">
+          <a:bodyPr lIns="0" tIns="0" rIns="0" bIns="0" anchor="ctr">
             <a:noAutofit/>
           </a:bodyPr>
-          <a:p>
-            <a:endParaRPr b="0" lang="en-US" sz="2800" spc="-1" strike="noStrike">
+          <a:lstStyle/>
+          <a:p>
+            <a:endParaRPr lang="en-US" sz="2800" b="0" strike="noStrike" spc="-1">
               <a:solidFill>
                 <a:srgbClr val="000000"/>
               </a:solidFill>
@@ -2397,11 +2608,14 @@
       </p:sp>
     </p:spTree>
   </p:cSld>
+  <p:clrMapOvr>
+    <a:masterClrMapping/>
+  </p:clrMapOvr>
 </p:sldLayout>
 </file>
 
 <file path=ppt/slideLayouts/slideLayout6.xml><?xml version="1.0" encoding="utf-8"?>
-<p:sldLayout xmlns:a="http://schemas.openxmlformats.org/drawingml/2006/main" xmlns:p="http://schemas.openxmlformats.org/presentationml/2006/main" xmlns:r="http://schemas.openxmlformats.org/officeDocument/2006/relationships" xmlns:p14="http://schemas.microsoft.com/office/powerpoint/2010/main" xmlns:p15="http://schemas.microsoft.com/office/powerpoint/2012/main" xmlns:mc="http://schemas.openxmlformats.org/markup-compatibility/2006" type="objOnly" preserve="1">
+<p:sldLayout xmlns:a="http://schemas.openxmlformats.org/drawingml/2006/main" xmlns:r="http://schemas.openxmlformats.org/officeDocument/2006/relationships" xmlns:p="http://schemas.openxmlformats.org/presentationml/2006/main" type="objOnly" preserve="1">
   <p:cSld name="Centered Text">
     <p:spTree>
       <p:nvGrpSpPr>
@@ -2437,12 +2651,13 @@
           </a:prstGeom>
         </p:spPr>
         <p:txBody>
-          <a:bodyPr lIns="0" rIns="0" tIns="0" bIns="0" anchor="ctr">
+          <a:bodyPr lIns="0" tIns="0" rIns="0" bIns="0" anchor="ctr">
             <a:noAutofit/>
           </a:bodyPr>
+          <a:lstStyle/>
           <a:p>
             <a:pPr algn="ctr"/>
-            <a:endParaRPr b="0" lang="en-US" sz="3200" spc="-1" strike="noStrike">
+            <a:endParaRPr lang="en-US" sz="3200" b="0" strike="noStrike" spc="-1">
               <a:latin typeface="Arial"/>
             </a:endParaRPr>
           </a:p>
@@ -2450,11 +2665,14 @@
       </p:sp>
     </p:spTree>
   </p:cSld>
+  <p:clrMapOvr>
+    <a:masterClrMapping/>
+  </p:clrMapOvr>
 </p:sldLayout>
 </file>
 
 <file path=ppt/slideLayouts/slideLayout7.xml><?xml version="1.0" encoding="utf-8"?>
-<p:sldLayout xmlns:a="http://schemas.openxmlformats.org/drawingml/2006/main" xmlns:p="http://schemas.openxmlformats.org/presentationml/2006/main" xmlns:r="http://schemas.openxmlformats.org/officeDocument/2006/relationships" xmlns:p14="http://schemas.microsoft.com/office/powerpoint/2010/main" xmlns:p15="http://schemas.microsoft.com/office/powerpoint/2012/main" xmlns:mc="http://schemas.openxmlformats.org/markup-compatibility/2006" type="twoObjAndObj" preserve="1">
+<p:sldLayout xmlns:a="http://schemas.openxmlformats.org/drawingml/2006/main" xmlns:r="http://schemas.openxmlformats.org/officeDocument/2006/relationships" xmlns:p="http://schemas.openxmlformats.org/presentationml/2006/main" type="twoObjAndObj" preserve="1">
   <p:cSld name="Title, 2 Content and Content">
     <p:spTree>
       <p:nvGrpSpPr>
@@ -2490,11 +2708,12 @@
           </a:prstGeom>
         </p:spPr>
         <p:txBody>
-          <a:bodyPr lIns="0" rIns="0" tIns="0" bIns="0" anchor="ctr">
+          <a:bodyPr lIns="0" tIns="0" rIns="0" bIns="0" anchor="ctr">
             <a:noAutofit/>
           </a:bodyPr>
-          <a:p>
-            <a:endParaRPr b="0" lang="en-US" sz="2800" spc="-1" strike="noStrike">
+          <a:lstStyle/>
+          <a:p>
+            <a:endParaRPr lang="en-US" sz="2800" b="0" strike="noStrike" spc="-1">
               <a:solidFill>
                 <a:srgbClr val="000000"/>
               </a:solidFill>
@@ -2523,11 +2742,12 @@
           </a:prstGeom>
         </p:spPr>
         <p:txBody>
-          <a:bodyPr lIns="0" rIns="0" tIns="0" bIns="0">
+          <a:bodyPr lIns="0" tIns="0" rIns="0" bIns="0">
             <a:normAutofit/>
           </a:bodyPr>
-          <a:p>
-            <a:endParaRPr b="0" lang="en-US" sz="2800" spc="-1" strike="noStrike">
+          <a:lstStyle/>
+          <a:p>
+            <a:endParaRPr lang="en-US" sz="2800" b="0" strike="noStrike" spc="-1">
               <a:solidFill>
                 <a:srgbClr val="000000"/>
               </a:solidFill>
@@ -2556,11 +2776,12 @@
           </a:prstGeom>
         </p:spPr>
         <p:txBody>
-          <a:bodyPr lIns="0" rIns="0" tIns="0" bIns="0">
+          <a:bodyPr lIns="0" tIns="0" rIns="0" bIns="0">
             <a:normAutofit/>
           </a:bodyPr>
-          <a:p>
-            <a:endParaRPr b="0" lang="en-US" sz="2800" spc="-1" strike="noStrike">
+          <a:lstStyle/>
+          <a:p>
+            <a:endParaRPr lang="en-US" sz="2800" b="0" strike="noStrike" spc="-1">
               <a:solidFill>
                 <a:srgbClr val="000000"/>
               </a:solidFill>
@@ -2589,11 +2810,12 @@
           </a:prstGeom>
         </p:spPr>
         <p:txBody>
-          <a:bodyPr lIns="0" rIns="0" tIns="0" bIns="0">
+          <a:bodyPr lIns="0" tIns="0" rIns="0" bIns="0">
             <a:normAutofit/>
           </a:bodyPr>
-          <a:p>
-            <a:endParaRPr b="0" lang="en-US" sz="2800" spc="-1" strike="noStrike">
+          <a:lstStyle/>
+          <a:p>
+            <a:endParaRPr lang="en-US" sz="2800" b="0" strike="noStrike" spc="-1">
               <a:solidFill>
                 <a:srgbClr val="000000"/>
               </a:solidFill>
@@ -2604,11 +2826,14 @@
       </p:sp>
     </p:spTree>
   </p:cSld>
+  <p:clrMapOvr>
+    <a:masterClrMapping/>
+  </p:clrMapOvr>
 </p:sldLayout>
 </file>
 
 <file path=ppt/slideLayouts/slideLayout8.xml><?xml version="1.0" encoding="utf-8"?>
-<p:sldLayout xmlns:a="http://schemas.openxmlformats.org/drawingml/2006/main" xmlns:p="http://schemas.openxmlformats.org/presentationml/2006/main" xmlns:r="http://schemas.openxmlformats.org/officeDocument/2006/relationships" xmlns:p14="http://schemas.microsoft.com/office/powerpoint/2010/main" xmlns:p15="http://schemas.microsoft.com/office/powerpoint/2012/main" xmlns:mc="http://schemas.openxmlformats.org/markup-compatibility/2006" type="objAndTwoObj" preserve="1">
+<p:sldLayout xmlns:a="http://schemas.openxmlformats.org/drawingml/2006/main" xmlns:r="http://schemas.openxmlformats.org/officeDocument/2006/relationships" xmlns:p="http://schemas.openxmlformats.org/presentationml/2006/main" type="objAndTwoObj" preserve="1">
   <p:cSld name="Title Content and 2 Content">
     <p:spTree>
       <p:nvGrpSpPr>
@@ -2644,11 +2869,12 @@
           </a:prstGeom>
         </p:spPr>
         <p:txBody>
-          <a:bodyPr lIns="0" rIns="0" tIns="0" bIns="0" anchor="ctr">
+          <a:bodyPr lIns="0" tIns="0" rIns="0" bIns="0" anchor="ctr">
             <a:noAutofit/>
           </a:bodyPr>
-          <a:p>
-            <a:endParaRPr b="0" lang="en-US" sz="2800" spc="-1" strike="noStrike">
+          <a:lstStyle/>
+          <a:p>
+            <a:endParaRPr lang="en-US" sz="2800" b="0" strike="noStrike" spc="-1">
               <a:solidFill>
                 <a:srgbClr val="000000"/>
               </a:solidFill>
@@ -2677,11 +2903,12 @@
           </a:prstGeom>
         </p:spPr>
         <p:txBody>
-          <a:bodyPr lIns="0" rIns="0" tIns="0" bIns="0">
+          <a:bodyPr lIns="0" tIns="0" rIns="0" bIns="0">
             <a:normAutofit/>
           </a:bodyPr>
-          <a:p>
-            <a:endParaRPr b="0" lang="en-US" sz="2800" spc="-1" strike="noStrike">
+          <a:lstStyle/>
+          <a:p>
+            <a:endParaRPr lang="en-US" sz="2800" b="0" strike="noStrike" spc="-1">
               <a:solidFill>
                 <a:srgbClr val="000000"/>
               </a:solidFill>
@@ -2710,11 +2937,12 @@
           </a:prstGeom>
         </p:spPr>
         <p:txBody>
-          <a:bodyPr lIns="0" rIns="0" tIns="0" bIns="0">
+          <a:bodyPr lIns="0" tIns="0" rIns="0" bIns="0">
             <a:normAutofit/>
           </a:bodyPr>
-          <a:p>
-            <a:endParaRPr b="0" lang="en-US" sz="2800" spc="-1" strike="noStrike">
+          <a:lstStyle/>
+          <a:p>
+            <a:endParaRPr lang="en-US" sz="2800" b="0" strike="noStrike" spc="-1">
               <a:solidFill>
                 <a:srgbClr val="000000"/>
               </a:solidFill>
@@ -2743,11 +2971,12 @@
           </a:prstGeom>
         </p:spPr>
         <p:txBody>
-          <a:bodyPr lIns="0" rIns="0" tIns="0" bIns="0">
+          <a:bodyPr lIns="0" tIns="0" rIns="0" bIns="0">
             <a:normAutofit/>
           </a:bodyPr>
-          <a:p>
-            <a:endParaRPr b="0" lang="en-US" sz="2800" spc="-1" strike="noStrike">
+          <a:lstStyle/>
+          <a:p>
+            <a:endParaRPr lang="en-US" sz="2800" b="0" strike="noStrike" spc="-1">
               <a:solidFill>
                 <a:srgbClr val="000000"/>
               </a:solidFill>
@@ -2758,11 +2987,14 @@
       </p:sp>
     </p:spTree>
   </p:cSld>
+  <p:clrMapOvr>
+    <a:masterClrMapping/>
+  </p:clrMapOvr>
 </p:sldLayout>
 </file>
 
 <file path=ppt/slideLayouts/slideLayout9.xml><?xml version="1.0" encoding="utf-8"?>
-<p:sldLayout xmlns:a="http://schemas.openxmlformats.org/drawingml/2006/main" xmlns:p="http://schemas.openxmlformats.org/presentationml/2006/main" xmlns:r="http://schemas.openxmlformats.org/officeDocument/2006/relationships" xmlns:p14="http://schemas.microsoft.com/office/powerpoint/2010/main" xmlns:p15="http://schemas.microsoft.com/office/powerpoint/2012/main" xmlns:mc="http://schemas.openxmlformats.org/markup-compatibility/2006" type="twoObjOverTx" preserve="1">
+<p:sldLayout xmlns:a="http://schemas.openxmlformats.org/drawingml/2006/main" xmlns:r="http://schemas.openxmlformats.org/officeDocument/2006/relationships" xmlns:p="http://schemas.openxmlformats.org/presentationml/2006/main" type="twoObjOverTx" preserve="1">
   <p:cSld name="Title, 2 Content over Content">
     <p:spTree>
       <p:nvGrpSpPr>
@@ -2798,11 +3030,12 @@
           </a:prstGeom>
         </p:spPr>
         <p:txBody>
-          <a:bodyPr lIns="0" rIns="0" tIns="0" bIns="0" anchor="ctr">
+          <a:bodyPr lIns="0" tIns="0" rIns="0" bIns="0" anchor="ctr">
             <a:noAutofit/>
           </a:bodyPr>
-          <a:p>
-            <a:endParaRPr b="0" lang="en-US" sz="2800" spc="-1" strike="noStrike">
+          <a:lstStyle/>
+          <a:p>
+            <a:endParaRPr lang="en-US" sz="2800" b="0" strike="noStrike" spc="-1">
               <a:solidFill>
                 <a:srgbClr val="000000"/>
               </a:solidFill>
@@ -2831,11 +3064,12 @@
           </a:prstGeom>
         </p:spPr>
         <p:txBody>
-          <a:bodyPr lIns="0" rIns="0" tIns="0" bIns="0">
+          <a:bodyPr lIns="0" tIns="0" rIns="0" bIns="0">
             <a:normAutofit/>
           </a:bodyPr>
-          <a:p>
-            <a:endParaRPr b="0" lang="en-US" sz="2800" spc="-1" strike="noStrike">
+          <a:lstStyle/>
+          <a:p>
+            <a:endParaRPr lang="en-US" sz="2800" b="0" strike="noStrike" spc="-1">
               <a:solidFill>
                 <a:srgbClr val="000000"/>
               </a:solidFill>
@@ -2864,11 +3098,12 @@
           </a:prstGeom>
         </p:spPr>
         <p:txBody>
-          <a:bodyPr lIns="0" rIns="0" tIns="0" bIns="0">
+          <a:bodyPr lIns="0" tIns="0" rIns="0" bIns="0">
             <a:normAutofit/>
           </a:bodyPr>
-          <a:p>
-            <a:endParaRPr b="0" lang="en-US" sz="2800" spc="-1" strike="noStrike">
+          <a:lstStyle/>
+          <a:p>
+            <a:endParaRPr lang="en-US" sz="2800" b="0" strike="noStrike" spc="-1">
               <a:solidFill>
                 <a:srgbClr val="000000"/>
               </a:solidFill>
@@ -2897,11 +3132,12 @@
           </a:prstGeom>
         </p:spPr>
         <p:txBody>
-          <a:bodyPr lIns="0" rIns="0" tIns="0" bIns="0">
+          <a:bodyPr lIns="0" tIns="0" rIns="0" bIns="0">
             <a:normAutofit/>
           </a:bodyPr>
-          <a:p>
-            <a:endParaRPr b="0" lang="en-US" sz="2800" spc="-1" strike="noStrike">
+          <a:lstStyle/>
+          <a:p>
+            <a:endParaRPr lang="en-US" sz="2800" b="0" strike="noStrike" spc="-1">
               <a:solidFill>
                 <a:srgbClr val="000000"/>
               </a:solidFill>
@@ -2912,17 +3148,21 @@
       </p:sp>
     </p:spTree>
   </p:cSld>
+  <p:clrMapOvr>
+    <a:masterClrMapping/>
+  </p:clrMapOvr>
 </p:sldLayout>
 </file>
 
 <file path=ppt/slideMasters/slideMaster1.xml><?xml version="1.0" encoding="utf-8"?>
-<p:sldMaster xmlns:a="http://schemas.openxmlformats.org/drawingml/2006/main" xmlns:p="http://schemas.openxmlformats.org/presentationml/2006/main" xmlns:r="http://schemas.openxmlformats.org/officeDocument/2006/relationships" xmlns:p14="http://schemas.microsoft.com/office/powerpoint/2010/main" xmlns:p15="http://schemas.microsoft.com/office/powerpoint/2012/main" xmlns:mc="http://schemas.openxmlformats.org/markup-compatibility/2006">
+<p:sldMaster xmlns:a="http://schemas.openxmlformats.org/drawingml/2006/main" xmlns:r="http://schemas.openxmlformats.org/officeDocument/2006/relationships" xmlns:p="http://schemas.openxmlformats.org/presentationml/2006/main">
   <p:cSld>
     <p:bg>
       <p:bgPr>
         <a:solidFill>
-          <a:srgbClr val="ffffff"/>
+          <a:srgbClr val="FFFFFF"/>
         </a:solidFill>
+        <a:effectLst/>
       </p:bgPr>
     </p:bg>
     <p:spTree>
@@ -2941,7 +3181,7 @@
       </p:grpSpPr>
       <p:sp>
         <p:nvSpPr>
-          <p:cNvPr id="0" name="PlaceHolder 1"/>
+          <p:cNvPr id="5" name="PlaceHolder 1"/>
           <p:cNvSpPr>
             <a:spLocks noGrp="1"/>
           </p:cNvSpPr>
@@ -2962,6 +3202,7 @@
           <a:bodyPr anchor="b">
             <a:noAutofit/>
           </a:bodyPr>
+          <a:lstStyle/>
           <a:p>
             <a:pPr algn="ctr">
               <a:lnSpc>
@@ -2969,7 +3210,7 @@
               </a:lnSpc>
             </a:pPr>
             <a:r>
-              <a:rPr b="0" lang="en-US" sz="6000" spc="-1" strike="noStrike">
+              <a:rPr lang="en-US" sz="6000" b="0" strike="noStrike" spc="-1">
                 <a:solidFill>
                   <a:srgbClr val="000000"/>
                 </a:solidFill>
@@ -2977,18 +3218,18 @@
               </a:rPr>
               <a:t>Click to edit Master title style</a:t>
             </a:r>
-            <a:endParaRPr b="0" lang="en-US" sz="6000" spc="-1" strike="noStrike">
-              <a:solidFill>
-                <a:srgbClr val="000000"/>
-              </a:solidFill>
-              <a:latin typeface="Calibri"/>
-            </a:endParaRPr>
-          </a:p>
-        </p:txBody>
-      </p:sp>
-      <p:sp>
-        <p:nvSpPr>
-          <p:cNvPr id="1" name="PlaceHolder 2"/>
+            <a:endParaRPr lang="en-US" sz="6000" b="0" strike="noStrike" spc="-1">
+              <a:solidFill>
+                <a:srgbClr val="000000"/>
+              </a:solidFill>
+              <a:latin typeface="Calibri"/>
+            </a:endParaRPr>
+          </a:p>
+        </p:txBody>
+      </p:sp>
+      <p:sp>
+        <p:nvSpPr>
+          <p:cNvPr id="6" name="PlaceHolder 2"/>
           <p:cNvSpPr>
             <a:spLocks noGrp="1"/>
           </p:cNvSpPr>
@@ -3009,6 +3250,7 @@
           <a:bodyPr anchor="ctr">
             <a:noAutofit/>
           </a:bodyPr>
+          <a:lstStyle/>
           <a:p>
             <a:pPr>
               <a:lnSpc>
@@ -3016,15 +3258,15 @@
               </a:lnSpc>
             </a:pPr>
             <a:fld id="{AF84D526-14E5-4AB9-8E81-C752A801458C}" type="datetime">
-              <a:rPr b="0" lang="en-US" sz="1200" spc="-1" strike="noStrike">
-                <a:solidFill>
-                  <a:srgbClr val="8b8b8b"/>
-                </a:solidFill>
-                <a:latin typeface="Calibri"/>
-              </a:rPr>
-              <a:t>6/11/21</a:t>
+              <a:rPr lang="en-US" sz="1200" b="0" strike="noStrike" spc="-1">
+                <a:solidFill>
+                  <a:srgbClr val="8B8B8B"/>
+                </a:solidFill>
+                <a:latin typeface="Calibri"/>
+              </a:rPr>
+              <a:t>6/11/2021</a:t>
             </a:fld>
-            <a:endParaRPr b="0" lang="en-US" sz="1200" spc="-1" strike="noStrike">
+            <a:endParaRPr lang="en-US" sz="1200" b="0" strike="noStrike" spc="-1">
               <a:latin typeface="Times New Roman"/>
             </a:endParaRPr>
           </a:p>
@@ -3053,8 +3295,9 @@
           <a:bodyPr anchor="ctr">
             <a:noAutofit/>
           </a:bodyPr>
-          <a:p>
-            <a:endParaRPr b="0" lang="en-US" sz="2400" spc="-1" strike="noStrike">
+          <a:lstStyle/>
+          <a:p>
+            <a:endParaRPr lang="en-US" sz="2400" b="0" strike="noStrike" spc="-1">
               <a:latin typeface="Times New Roman"/>
             </a:endParaRPr>
           </a:p>
@@ -3083,6 +3326,7 @@
           <a:bodyPr anchor="ctr">
             <a:noAutofit/>
           </a:bodyPr>
+          <a:lstStyle/>
           <a:p>
             <a:pPr algn="r">
               <a:lnSpc>
@@ -3090,15 +3334,15 @@
               </a:lnSpc>
             </a:pPr>
             <a:fld id="{322F58CE-4D5E-48B8-84F3-F90334480A33}" type="slidenum">
-              <a:rPr b="0" lang="en-US" sz="1200" spc="-1" strike="noStrike">
-                <a:solidFill>
-                  <a:srgbClr val="8b8b8b"/>
-                </a:solidFill>
-                <a:latin typeface="Calibri"/>
-              </a:rPr>
-              <a:t>&lt;number&gt;</a:t>
+              <a:rPr lang="en-US" sz="1200" b="0" strike="noStrike" spc="-1">
+                <a:solidFill>
+                  <a:srgbClr val="8B8B8B"/>
+                </a:solidFill>
+                <a:latin typeface="Calibri"/>
+              </a:rPr>
+              <a:t>‹#›</a:t>
             </a:fld>
-            <a:endParaRPr b="0" lang="en-US" sz="1200" spc="-1" strike="noStrike">
+            <a:endParaRPr lang="en-US" sz="1200" b="0" strike="noStrike" spc="-1">
               <a:latin typeface="Times New Roman"/>
             </a:endParaRPr>
           </a:p>
@@ -3124,9 +3368,10 @@
           </a:prstGeom>
         </p:spPr>
         <p:txBody>
-          <a:bodyPr lIns="0" rIns="0" tIns="0" bIns="0">
+          <a:bodyPr lIns="0" tIns="0" rIns="0" bIns="0">
             <a:normAutofit/>
           </a:bodyPr>
+          <a:lstStyle/>
           <a:p>
             <a:pPr marL="432000" indent="-324000">
               <a:spcBef>
@@ -3140,7 +3385,7 @@
               <a:buChar char=""/>
             </a:pPr>
             <a:r>
-              <a:rPr b="0" lang="en-US" sz="2800" spc="-1" strike="noStrike">
+              <a:rPr lang="en-US" sz="2800" b="0" strike="noStrike" spc="-1">
                 <a:solidFill>
                   <a:srgbClr val="000000"/>
                 </a:solidFill>
@@ -3148,15 +3393,9 @@
               </a:rPr>
               <a:t>Click to edit the outline text format</a:t>
             </a:r>
-            <a:endParaRPr b="0" lang="en-US" sz="2800" spc="-1" strike="noStrike">
-              <a:solidFill>
-                <a:srgbClr val="000000"/>
-              </a:solidFill>
-              <a:latin typeface="Calibri"/>
-            </a:endParaRPr>
-          </a:p>
-          <a:p>
-            <a:pPr lvl="1" marL="864000" indent="-324000">
+          </a:p>
+          <a:p>
+            <a:pPr marL="864000" lvl="1" indent="-324000">
               <a:spcBef>
                 <a:spcPts val="1134"/>
               </a:spcBef>
@@ -3168,7 +3407,7 @@
               <a:buChar char=""/>
             </a:pPr>
             <a:r>
-              <a:rPr b="0" lang="en-US" sz="2000" spc="-1" strike="noStrike">
+              <a:rPr lang="en-US" sz="2000" b="0" strike="noStrike" spc="-1">
                 <a:solidFill>
                   <a:srgbClr val="000000"/>
                 </a:solidFill>
@@ -3176,15 +3415,9 @@
               </a:rPr>
               <a:t>Second Outline Level</a:t>
             </a:r>
-            <a:endParaRPr b="0" lang="en-US" sz="2000" spc="-1" strike="noStrike">
-              <a:solidFill>
-                <a:srgbClr val="000000"/>
-              </a:solidFill>
-              <a:latin typeface="Calibri"/>
-            </a:endParaRPr>
-          </a:p>
-          <a:p>
-            <a:pPr lvl="2" marL="1296000" indent="-288000">
+          </a:p>
+          <a:p>
+            <a:pPr marL="1296000" lvl="2" indent="-288000">
               <a:spcBef>
                 <a:spcPts val="850"/>
               </a:spcBef>
@@ -3196,7 +3429,7 @@
               <a:buChar char=""/>
             </a:pPr>
             <a:r>
-              <a:rPr b="0" lang="en-US" sz="1800" spc="-1" strike="noStrike">
+              <a:rPr lang="en-US" sz="1800" b="0" strike="noStrike" spc="-1">
                 <a:solidFill>
                   <a:srgbClr val="000000"/>
                 </a:solidFill>
@@ -3204,15 +3437,9 @@
               </a:rPr>
               <a:t>Third Outline Level</a:t>
             </a:r>
-            <a:endParaRPr b="0" lang="en-US" sz="1800" spc="-1" strike="noStrike">
-              <a:solidFill>
-                <a:srgbClr val="000000"/>
-              </a:solidFill>
-              <a:latin typeface="Calibri"/>
-            </a:endParaRPr>
-          </a:p>
-          <a:p>
-            <a:pPr lvl="3" marL="1728000" indent="-216000">
+          </a:p>
+          <a:p>
+            <a:pPr marL="1728000" lvl="3" indent="-216000">
               <a:spcBef>
                 <a:spcPts val="567"/>
               </a:spcBef>
@@ -3224,7 +3451,7 @@
               <a:buChar char=""/>
             </a:pPr>
             <a:r>
-              <a:rPr b="0" lang="en-US" sz="1800" spc="-1" strike="noStrike">
+              <a:rPr lang="en-US" sz="1800" b="0" strike="noStrike" spc="-1">
                 <a:solidFill>
                   <a:srgbClr val="000000"/>
                 </a:solidFill>
@@ -3232,15 +3459,9 @@
               </a:rPr>
               <a:t>Fourth Outline Level</a:t>
             </a:r>
-            <a:endParaRPr b="0" lang="en-US" sz="1800" spc="-1" strike="noStrike">
-              <a:solidFill>
-                <a:srgbClr val="000000"/>
-              </a:solidFill>
-              <a:latin typeface="Calibri"/>
-            </a:endParaRPr>
-          </a:p>
-          <a:p>
-            <a:pPr lvl="4" marL="2160000" indent="-216000">
+          </a:p>
+          <a:p>
+            <a:pPr marL="2160000" lvl="4" indent="-216000">
               <a:spcBef>
                 <a:spcPts val="283"/>
               </a:spcBef>
@@ -3252,7 +3473,7 @@
               <a:buChar char=""/>
             </a:pPr>
             <a:r>
-              <a:rPr b="0" lang="en-US" sz="2000" spc="-1" strike="noStrike">
+              <a:rPr lang="en-US" sz="2000" b="0" strike="noStrike" spc="-1">
                 <a:solidFill>
                   <a:srgbClr val="000000"/>
                 </a:solidFill>
@@ -3260,15 +3481,9 @@
               </a:rPr>
               <a:t>Fifth Outline Level</a:t>
             </a:r>
-            <a:endParaRPr b="0" lang="en-US" sz="2000" spc="-1" strike="noStrike">
-              <a:solidFill>
-                <a:srgbClr val="000000"/>
-              </a:solidFill>
-              <a:latin typeface="Calibri"/>
-            </a:endParaRPr>
-          </a:p>
-          <a:p>
-            <a:pPr lvl="5" marL="2592000" indent="-216000">
+          </a:p>
+          <a:p>
+            <a:pPr marL="2592000" lvl="5" indent="-216000">
               <a:spcBef>
                 <a:spcPts val="283"/>
               </a:spcBef>
@@ -3280,7 +3495,7 @@
               <a:buChar char=""/>
             </a:pPr>
             <a:r>
-              <a:rPr b="0" lang="en-US" sz="2000" spc="-1" strike="noStrike">
+              <a:rPr lang="en-US" sz="2000" b="0" strike="noStrike" spc="-1">
                 <a:solidFill>
                   <a:srgbClr val="000000"/>
                 </a:solidFill>
@@ -3288,15 +3503,9 @@
               </a:rPr>
               <a:t>Sixth Outline Level</a:t>
             </a:r>
-            <a:endParaRPr b="0" lang="en-US" sz="2000" spc="-1" strike="noStrike">
-              <a:solidFill>
-                <a:srgbClr val="000000"/>
-              </a:solidFill>
-              <a:latin typeface="Calibri"/>
-            </a:endParaRPr>
-          </a:p>
-          <a:p>
-            <a:pPr lvl="6" marL="3024000" indent="-216000">
+          </a:p>
+          <a:p>
+            <a:pPr marL="3024000" lvl="6" indent="-216000">
               <a:spcBef>
                 <a:spcPts val="283"/>
               </a:spcBef>
@@ -3308,7 +3517,7 @@
               <a:buChar char=""/>
             </a:pPr>
             <a:r>
-              <a:rPr b="0" lang="en-US" sz="2000" spc="-1" strike="noStrike">
+              <a:rPr lang="en-US" sz="2000" b="0" strike="noStrike" spc="-1">
                 <a:solidFill>
                   <a:srgbClr val="000000"/>
                 </a:solidFill>
@@ -3316,43 +3525,318 @@
               </a:rPr>
               <a:t>Seventh Outline Level</a:t>
             </a:r>
-            <a:endParaRPr b="0" lang="en-US" sz="2000" spc="-1" strike="noStrike">
-              <a:solidFill>
-                <a:srgbClr val="000000"/>
-              </a:solidFill>
-              <a:latin typeface="Calibri"/>
-            </a:endParaRPr>
           </a:p>
         </p:txBody>
       </p:sp>
     </p:spTree>
   </p:cSld>
-  <p:clrMap bg1="lt1" bg2="lt2" tx1="dk1" tx2="dk2" accent1="accent1" accent2="accent2" accent3="accent3" accent4="accent4" accent5="accent5" accent6="accent6" hlink="hlink" folHlink="folHlink"/>
+  <p:clrMap bg1="lt1" tx1="dk1" bg2="lt2" tx2="dk2" accent1="accent1" accent2="accent2" accent3="accent3" accent4="accent4" accent5="accent5" accent6="accent6" hlink="hlink" folHlink="folHlink"/>
   <p:sldLayoutIdLst>
-    <p:sldLayoutId id="2147483649" r:id="rId2"/>
-    <p:sldLayoutId id="2147483650" r:id="rId3"/>
-    <p:sldLayoutId id="2147483651" r:id="rId4"/>
-    <p:sldLayoutId id="2147483652" r:id="rId5"/>
-    <p:sldLayoutId id="2147483653" r:id="rId6"/>
-    <p:sldLayoutId id="2147483654" r:id="rId7"/>
-    <p:sldLayoutId id="2147483655" r:id="rId8"/>
-    <p:sldLayoutId id="2147483656" r:id="rId9"/>
-    <p:sldLayoutId id="2147483657" r:id="rId10"/>
-    <p:sldLayoutId id="2147483658" r:id="rId11"/>
-    <p:sldLayoutId id="2147483659" r:id="rId12"/>
-    <p:sldLayoutId id="2147483660" r:id="rId13"/>
+    <p:sldLayoutId id="2147483649" r:id="rId1"/>
+    <p:sldLayoutId id="2147483650" r:id="rId2"/>
+    <p:sldLayoutId id="2147483651" r:id="rId3"/>
+    <p:sldLayoutId id="2147483652" r:id="rId4"/>
+    <p:sldLayoutId id="2147483653" r:id="rId5"/>
+    <p:sldLayoutId id="2147483654" r:id="rId6"/>
+    <p:sldLayoutId id="2147483655" r:id="rId7"/>
+    <p:sldLayoutId id="2147483656" r:id="rId8"/>
+    <p:sldLayoutId id="2147483657" r:id="rId9"/>
+    <p:sldLayoutId id="2147483658" r:id="rId10"/>
+    <p:sldLayoutId id="2147483659" r:id="rId11"/>
+    <p:sldLayoutId id="2147483660" r:id="rId12"/>
   </p:sldLayoutIdLst>
+  <p:txStyles>
+    <p:titleStyle>
+      <a:lvl1pPr algn="l" defTabSz="914400" rtl="0" eaLnBrk="1" latinLnBrk="0" hangingPunct="1">
+        <a:lnSpc>
+          <a:spcPct val="90000"/>
+        </a:lnSpc>
+        <a:spcBef>
+          <a:spcPct val="0"/>
+        </a:spcBef>
+        <a:buNone/>
+        <a:defRPr sz="4400" kern="1200">
+          <a:solidFill>
+            <a:schemeClr val="tx1"/>
+          </a:solidFill>
+          <a:latin typeface="+mj-lt"/>
+          <a:ea typeface="+mj-ea"/>
+          <a:cs typeface="+mj-cs"/>
+        </a:defRPr>
+      </a:lvl1pPr>
+    </p:titleStyle>
+    <p:bodyStyle>
+      <a:lvl1pPr marL="228600" indent="-228600" algn="l" defTabSz="914400" rtl="0" eaLnBrk="1" latinLnBrk="0" hangingPunct="1">
+        <a:lnSpc>
+          <a:spcPct val="90000"/>
+        </a:lnSpc>
+        <a:spcBef>
+          <a:spcPts val="1000"/>
+        </a:spcBef>
+        <a:buFont typeface="Arial" panose="020B0604020202020204" pitchFamily="34" charset="0"/>
+        <a:buChar char="•"/>
+        <a:defRPr sz="2800" kern="1200">
+          <a:solidFill>
+            <a:schemeClr val="tx1"/>
+          </a:solidFill>
+          <a:latin typeface="+mn-lt"/>
+          <a:ea typeface="+mn-ea"/>
+          <a:cs typeface="+mn-cs"/>
+        </a:defRPr>
+      </a:lvl1pPr>
+      <a:lvl2pPr marL="685800" indent="-228600" algn="l" defTabSz="914400" rtl="0" eaLnBrk="1" latinLnBrk="0" hangingPunct="1">
+        <a:lnSpc>
+          <a:spcPct val="90000"/>
+        </a:lnSpc>
+        <a:spcBef>
+          <a:spcPts val="500"/>
+        </a:spcBef>
+        <a:buFont typeface="Arial" panose="020B0604020202020204" pitchFamily="34" charset="0"/>
+        <a:buChar char="•"/>
+        <a:defRPr sz="2400" kern="1200">
+          <a:solidFill>
+            <a:schemeClr val="tx1"/>
+          </a:solidFill>
+          <a:latin typeface="+mn-lt"/>
+          <a:ea typeface="+mn-ea"/>
+          <a:cs typeface="+mn-cs"/>
+        </a:defRPr>
+      </a:lvl2pPr>
+      <a:lvl3pPr marL="1143000" indent="-228600" algn="l" defTabSz="914400" rtl="0" eaLnBrk="1" latinLnBrk="0" hangingPunct="1">
+        <a:lnSpc>
+          <a:spcPct val="90000"/>
+        </a:lnSpc>
+        <a:spcBef>
+          <a:spcPts val="500"/>
+        </a:spcBef>
+        <a:buFont typeface="Arial" panose="020B0604020202020204" pitchFamily="34" charset="0"/>
+        <a:buChar char="•"/>
+        <a:defRPr sz="2000" kern="1200">
+          <a:solidFill>
+            <a:schemeClr val="tx1"/>
+          </a:solidFill>
+          <a:latin typeface="+mn-lt"/>
+          <a:ea typeface="+mn-ea"/>
+          <a:cs typeface="+mn-cs"/>
+        </a:defRPr>
+      </a:lvl3pPr>
+      <a:lvl4pPr marL="1600200" indent="-228600" algn="l" defTabSz="914400" rtl="0" eaLnBrk="1" latinLnBrk="0" hangingPunct="1">
+        <a:lnSpc>
+          <a:spcPct val="90000"/>
+        </a:lnSpc>
+        <a:spcBef>
+          <a:spcPts val="500"/>
+        </a:spcBef>
+        <a:buFont typeface="Arial" panose="020B0604020202020204" pitchFamily="34" charset="0"/>
+        <a:buChar char="•"/>
+        <a:defRPr sz="1800" kern="1200">
+          <a:solidFill>
+            <a:schemeClr val="tx1"/>
+          </a:solidFill>
+          <a:latin typeface="+mn-lt"/>
+          <a:ea typeface="+mn-ea"/>
+          <a:cs typeface="+mn-cs"/>
+        </a:defRPr>
+      </a:lvl4pPr>
+      <a:lvl5pPr marL="2057400" indent="-228600" algn="l" defTabSz="914400" rtl="0" eaLnBrk="1" latinLnBrk="0" hangingPunct="1">
+        <a:lnSpc>
+          <a:spcPct val="90000"/>
+        </a:lnSpc>
+        <a:spcBef>
+          <a:spcPts val="500"/>
+        </a:spcBef>
+        <a:buFont typeface="Arial" panose="020B0604020202020204" pitchFamily="34" charset="0"/>
+        <a:buChar char="•"/>
+        <a:defRPr sz="1800" kern="1200">
+          <a:solidFill>
+            <a:schemeClr val="tx1"/>
+          </a:solidFill>
+          <a:latin typeface="+mn-lt"/>
+          <a:ea typeface="+mn-ea"/>
+          <a:cs typeface="+mn-cs"/>
+        </a:defRPr>
+      </a:lvl5pPr>
+      <a:lvl6pPr marL="2514600" indent="-228600" algn="l" defTabSz="914400" rtl="0" eaLnBrk="1" latinLnBrk="0" hangingPunct="1">
+        <a:lnSpc>
+          <a:spcPct val="90000"/>
+        </a:lnSpc>
+        <a:spcBef>
+          <a:spcPts val="500"/>
+        </a:spcBef>
+        <a:buFont typeface="Arial" panose="020B0604020202020204" pitchFamily="34" charset="0"/>
+        <a:buChar char="•"/>
+        <a:defRPr sz="1800" kern="1200">
+          <a:solidFill>
+            <a:schemeClr val="tx1"/>
+          </a:solidFill>
+          <a:latin typeface="+mn-lt"/>
+          <a:ea typeface="+mn-ea"/>
+          <a:cs typeface="+mn-cs"/>
+        </a:defRPr>
+      </a:lvl6pPr>
+      <a:lvl7pPr marL="2971800" indent="-228600" algn="l" defTabSz="914400" rtl="0" eaLnBrk="1" latinLnBrk="0" hangingPunct="1">
+        <a:lnSpc>
+          <a:spcPct val="90000"/>
+        </a:lnSpc>
+        <a:spcBef>
+          <a:spcPts val="500"/>
+        </a:spcBef>
+        <a:buFont typeface="Arial" panose="020B0604020202020204" pitchFamily="34" charset="0"/>
+        <a:buChar char="•"/>
+        <a:defRPr sz="1800" kern="1200">
+          <a:solidFill>
+            <a:schemeClr val="tx1"/>
+          </a:solidFill>
+          <a:latin typeface="+mn-lt"/>
+          <a:ea typeface="+mn-ea"/>
+          <a:cs typeface="+mn-cs"/>
+        </a:defRPr>
+      </a:lvl7pPr>
+      <a:lvl8pPr marL="3429000" indent="-228600" algn="l" defTabSz="914400" rtl="0" eaLnBrk="1" latinLnBrk="0" hangingPunct="1">
+        <a:lnSpc>
+          <a:spcPct val="90000"/>
+        </a:lnSpc>
+        <a:spcBef>
+          <a:spcPts val="500"/>
+        </a:spcBef>
+        <a:buFont typeface="Arial" panose="020B0604020202020204" pitchFamily="34" charset="0"/>
+        <a:buChar char="•"/>
+        <a:defRPr sz="1800" kern="1200">
+          <a:solidFill>
+            <a:schemeClr val="tx1"/>
+          </a:solidFill>
+          <a:latin typeface="+mn-lt"/>
+          <a:ea typeface="+mn-ea"/>
+          <a:cs typeface="+mn-cs"/>
+        </a:defRPr>
+      </a:lvl8pPr>
+      <a:lvl9pPr marL="3886200" indent="-228600" algn="l" defTabSz="914400" rtl="0" eaLnBrk="1" latinLnBrk="0" hangingPunct="1">
+        <a:lnSpc>
+          <a:spcPct val="90000"/>
+        </a:lnSpc>
+        <a:spcBef>
+          <a:spcPts val="500"/>
+        </a:spcBef>
+        <a:buFont typeface="Arial" panose="020B0604020202020204" pitchFamily="34" charset="0"/>
+        <a:buChar char="•"/>
+        <a:defRPr sz="1800" kern="1200">
+          <a:solidFill>
+            <a:schemeClr val="tx1"/>
+          </a:solidFill>
+          <a:latin typeface="+mn-lt"/>
+          <a:ea typeface="+mn-ea"/>
+          <a:cs typeface="+mn-cs"/>
+        </a:defRPr>
+      </a:lvl9pPr>
+    </p:bodyStyle>
+    <p:otherStyle>
+      <a:defPPr>
+        <a:defRPr lang="th-TH"/>
+      </a:defPPr>
+      <a:lvl1pPr marL="0" algn="l" defTabSz="914400" rtl="0" eaLnBrk="1" latinLnBrk="0" hangingPunct="1">
+        <a:defRPr sz="2800" kern="1200">
+          <a:solidFill>
+            <a:schemeClr val="tx1"/>
+          </a:solidFill>
+          <a:latin typeface="+mn-lt"/>
+          <a:ea typeface="+mn-ea"/>
+          <a:cs typeface="+mn-cs"/>
+        </a:defRPr>
+      </a:lvl1pPr>
+      <a:lvl2pPr marL="457200" algn="l" defTabSz="914400" rtl="0" eaLnBrk="1" latinLnBrk="0" hangingPunct="1">
+        <a:defRPr sz="2800" kern="1200">
+          <a:solidFill>
+            <a:schemeClr val="tx1"/>
+          </a:solidFill>
+          <a:latin typeface="+mn-lt"/>
+          <a:ea typeface="+mn-ea"/>
+          <a:cs typeface="+mn-cs"/>
+        </a:defRPr>
+      </a:lvl2pPr>
+      <a:lvl3pPr marL="914400" algn="l" defTabSz="914400" rtl="0" eaLnBrk="1" latinLnBrk="0" hangingPunct="1">
+        <a:defRPr sz="2800" kern="1200">
+          <a:solidFill>
+            <a:schemeClr val="tx1"/>
+          </a:solidFill>
+          <a:latin typeface="+mn-lt"/>
+          <a:ea typeface="+mn-ea"/>
+          <a:cs typeface="+mn-cs"/>
+        </a:defRPr>
+      </a:lvl3pPr>
+      <a:lvl4pPr marL="1371600" algn="l" defTabSz="914400" rtl="0" eaLnBrk="1" latinLnBrk="0" hangingPunct="1">
+        <a:defRPr sz="2800" kern="1200">
+          <a:solidFill>
+            <a:schemeClr val="tx1"/>
+          </a:solidFill>
+          <a:latin typeface="+mn-lt"/>
+          <a:ea typeface="+mn-ea"/>
+          <a:cs typeface="+mn-cs"/>
+        </a:defRPr>
+      </a:lvl4pPr>
+      <a:lvl5pPr marL="1828800" algn="l" defTabSz="914400" rtl="0" eaLnBrk="1" latinLnBrk="0" hangingPunct="1">
+        <a:defRPr sz="2800" kern="1200">
+          <a:solidFill>
+            <a:schemeClr val="tx1"/>
+          </a:solidFill>
+          <a:latin typeface="+mn-lt"/>
+          <a:ea typeface="+mn-ea"/>
+          <a:cs typeface="+mn-cs"/>
+        </a:defRPr>
+      </a:lvl5pPr>
+      <a:lvl6pPr marL="2286000" algn="l" defTabSz="914400" rtl="0" eaLnBrk="1" latinLnBrk="0" hangingPunct="1">
+        <a:defRPr sz="2800" kern="1200">
+          <a:solidFill>
+            <a:schemeClr val="tx1"/>
+          </a:solidFill>
+          <a:latin typeface="+mn-lt"/>
+          <a:ea typeface="+mn-ea"/>
+          <a:cs typeface="+mn-cs"/>
+        </a:defRPr>
+      </a:lvl6pPr>
+      <a:lvl7pPr marL="2743200" algn="l" defTabSz="914400" rtl="0" eaLnBrk="1" latinLnBrk="0" hangingPunct="1">
+        <a:defRPr sz="2800" kern="1200">
+          <a:solidFill>
+            <a:schemeClr val="tx1"/>
+          </a:solidFill>
+          <a:latin typeface="+mn-lt"/>
+          <a:ea typeface="+mn-ea"/>
+          <a:cs typeface="+mn-cs"/>
+        </a:defRPr>
+      </a:lvl7pPr>
+      <a:lvl8pPr marL="3200400" algn="l" defTabSz="914400" rtl="0" eaLnBrk="1" latinLnBrk="0" hangingPunct="1">
+        <a:defRPr sz="2800" kern="1200">
+          <a:solidFill>
+            <a:schemeClr val="tx1"/>
+          </a:solidFill>
+          <a:latin typeface="+mn-lt"/>
+          <a:ea typeface="+mn-ea"/>
+          <a:cs typeface="+mn-cs"/>
+        </a:defRPr>
+      </a:lvl8pPr>
+      <a:lvl9pPr marL="3657600" algn="l" defTabSz="914400" rtl="0" eaLnBrk="1" latinLnBrk="0" hangingPunct="1">
+        <a:defRPr sz="2800" kern="1200">
+          <a:solidFill>
+            <a:schemeClr val="tx1"/>
+          </a:solidFill>
+          <a:latin typeface="+mn-lt"/>
+          <a:ea typeface="+mn-ea"/>
+          <a:cs typeface="+mn-cs"/>
+        </a:defRPr>
+      </a:lvl9pPr>
+    </p:otherStyle>
+  </p:txStyles>
 </p:sldMaster>
 </file>
 
 <file path=ppt/slideMasters/slideMaster2.xml><?xml version="1.0" encoding="utf-8"?>
-<p:sldMaster xmlns:a="http://schemas.openxmlformats.org/drawingml/2006/main" xmlns:p="http://schemas.openxmlformats.org/presentationml/2006/main" xmlns:r="http://schemas.openxmlformats.org/officeDocument/2006/relationships" xmlns:p14="http://schemas.microsoft.com/office/powerpoint/2010/main" xmlns:p15="http://schemas.microsoft.com/office/powerpoint/2012/main" xmlns:mc="http://schemas.openxmlformats.org/markup-compatibility/2006">
+<p:sldMaster xmlns:a="http://schemas.openxmlformats.org/drawingml/2006/main" xmlns:r="http://schemas.openxmlformats.org/officeDocument/2006/relationships" xmlns:p="http://schemas.openxmlformats.org/presentationml/2006/main">
   <p:cSld>
     <p:bg>
       <p:bgPr>
         <a:solidFill>
-          <a:srgbClr val="ffffff"/>
+          <a:srgbClr val="FFFFFF"/>
         </a:solidFill>
+        <a:effectLst/>
       </p:bgPr>
     </p:bg>
     <p:spTree>
@@ -3392,6 +3876,7 @@
           <a:bodyPr anchor="ctr">
             <a:noAutofit/>
           </a:bodyPr>
+          <a:lstStyle/>
           <a:p>
             <a:pPr>
               <a:lnSpc>
@@ -3399,7 +3884,7 @@
               </a:lnSpc>
             </a:pPr>
             <a:r>
-              <a:rPr b="0" lang="en-US" sz="4400" spc="-1" strike="noStrike">
+              <a:rPr lang="en-US" sz="4400" b="0" strike="noStrike" spc="-1">
                 <a:solidFill>
                   <a:srgbClr val="000000"/>
                 </a:solidFill>
@@ -3407,7 +3892,7 @@
               </a:rPr>
               <a:t>Click to edit Master title style</a:t>
             </a:r>
-            <a:endParaRPr b="0" lang="en-US" sz="4400" spc="-1" strike="noStrike">
+            <a:endParaRPr lang="en-US" sz="4400" b="0" strike="noStrike" spc="-1">
               <a:solidFill>
                 <a:srgbClr val="000000"/>
               </a:solidFill>
@@ -3439,6 +3924,7 @@
           <a:bodyPr>
             <a:noAutofit/>
           </a:bodyPr>
+          <a:lstStyle/>
           <a:p>
             <a:pPr marL="228600" indent="-228240">
               <a:lnSpc>
@@ -3454,7 +3940,7 @@
               <a:buChar char="•"/>
             </a:pPr>
             <a:r>
-              <a:rPr b="0" lang="en-US" sz="2800" spc="-1" strike="noStrike">
+              <a:rPr lang="en-US" sz="2800" b="0" strike="noStrike" spc="-1">
                 <a:solidFill>
                   <a:srgbClr val="000000"/>
                 </a:solidFill>
@@ -3462,15 +3948,9 @@
               </a:rPr>
               <a:t>Click to edit Master text styles</a:t>
             </a:r>
-            <a:endParaRPr b="0" lang="en-US" sz="2800" spc="-1" strike="noStrike">
-              <a:solidFill>
-                <a:srgbClr val="000000"/>
-              </a:solidFill>
-              <a:latin typeface="Calibri"/>
-            </a:endParaRPr>
-          </a:p>
-          <a:p>
-            <a:pPr lvl="1" marL="685800" indent="-228240">
+          </a:p>
+          <a:p>
+            <a:pPr marL="685800" lvl="1" indent="-228240">
               <a:lnSpc>
                 <a:spcPct val="90000"/>
               </a:lnSpc>
@@ -3484,7 +3964,7 @@
               <a:buChar char="•"/>
             </a:pPr>
             <a:r>
-              <a:rPr b="0" lang="en-US" sz="2400" spc="-1" strike="noStrike">
+              <a:rPr lang="en-US" sz="2400" b="0" strike="noStrike" spc="-1">
                 <a:solidFill>
                   <a:srgbClr val="000000"/>
                 </a:solidFill>
@@ -3492,15 +3972,9 @@
               </a:rPr>
               <a:t>Second level</a:t>
             </a:r>
-            <a:endParaRPr b="0" lang="en-US" sz="2400" spc="-1" strike="noStrike">
-              <a:solidFill>
-                <a:srgbClr val="000000"/>
-              </a:solidFill>
-              <a:latin typeface="Calibri"/>
-            </a:endParaRPr>
-          </a:p>
-          <a:p>
-            <a:pPr lvl="2" marL="1143000" indent="-228240">
+          </a:p>
+          <a:p>
+            <a:pPr marL="1143000" lvl="2" indent="-228240">
               <a:lnSpc>
                 <a:spcPct val="90000"/>
               </a:lnSpc>
@@ -3514,7 +3988,7 @@
               <a:buChar char="•"/>
             </a:pPr>
             <a:r>
-              <a:rPr b="0" lang="en-US" sz="2000" spc="-1" strike="noStrike">
+              <a:rPr lang="en-US" sz="2000" b="0" strike="noStrike" spc="-1">
                 <a:solidFill>
                   <a:srgbClr val="000000"/>
                 </a:solidFill>
@@ -3522,15 +3996,9 @@
               </a:rPr>
               <a:t>Third level</a:t>
             </a:r>
-            <a:endParaRPr b="0" lang="en-US" sz="2000" spc="-1" strike="noStrike">
-              <a:solidFill>
-                <a:srgbClr val="000000"/>
-              </a:solidFill>
-              <a:latin typeface="Calibri"/>
-            </a:endParaRPr>
-          </a:p>
-          <a:p>
-            <a:pPr lvl="3" marL="1600200" indent="-228240">
+          </a:p>
+          <a:p>
+            <a:pPr marL="1600200" lvl="3" indent="-228240">
               <a:lnSpc>
                 <a:spcPct val="90000"/>
               </a:lnSpc>
@@ -3544,7 +4012,7 @@
               <a:buChar char="•"/>
             </a:pPr>
             <a:r>
-              <a:rPr b="0" lang="en-US" sz="1800" spc="-1" strike="noStrike">
+              <a:rPr lang="en-US" sz="1800" b="0" strike="noStrike" spc="-1">
                 <a:solidFill>
                   <a:srgbClr val="000000"/>
                 </a:solidFill>
@@ -3552,15 +4020,9 @@
               </a:rPr>
               <a:t>Fourth level</a:t>
             </a:r>
-            <a:endParaRPr b="0" lang="en-US" sz="1800" spc="-1" strike="noStrike">
-              <a:solidFill>
-                <a:srgbClr val="000000"/>
-              </a:solidFill>
-              <a:latin typeface="Calibri"/>
-            </a:endParaRPr>
-          </a:p>
-          <a:p>
-            <a:pPr lvl="4" marL="2057400" indent="-228240">
+          </a:p>
+          <a:p>
+            <a:pPr marL="2057400" lvl="4" indent="-228240">
               <a:lnSpc>
                 <a:spcPct val="90000"/>
               </a:lnSpc>
@@ -3574,7 +4036,7 @@
               <a:buChar char="•"/>
             </a:pPr>
             <a:r>
-              <a:rPr b="0" lang="en-US" sz="1800" spc="-1" strike="noStrike">
+              <a:rPr lang="en-US" sz="1800" b="0" strike="noStrike" spc="-1">
                 <a:solidFill>
                   <a:srgbClr val="000000"/>
                 </a:solidFill>
@@ -3582,12 +4044,6 @@
               </a:rPr>
               <a:t>Fifth level</a:t>
             </a:r>
-            <a:endParaRPr b="0" lang="en-US" sz="1800" spc="-1" strike="noStrike">
-              <a:solidFill>
-                <a:srgbClr val="000000"/>
-              </a:solidFill>
-              <a:latin typeface="Calibri"/>
-            </a:endParaRPr>
           </a:p>
         </p:txBody>
       </p:sp>
@@ -3614,6 +4070,7 @@
           <a:bodyPr anchor="ctr">
             <a:noAutofit/>
           </a:bodyPr>
+          <a:lstStyle/>
           <a:p>
             <a:pPr>
               <a:lnSpc>
@@ -3621,15 +4078,15 @@
               </a:lnSpc>
             </a:pPr>
             <a:fld id="{D50FFAC9-321B-4537-B89C-7EA29B025966}" type="datetime">
-              <a:rPr b="0" lang="en-US" sz="1200" spc="-1" strike="noStrike">
-                <a:solidFill>
-                  <a:srgbClr val="8b8b8b"/>
-                </a:solidFill>
-                <a:latin typeface="Calibri"/>
-              </a:rPr>
-              <a:t>6/11/21</a:t>
+              <a:rPr lang="en-US" sz="1200" b="0" strike="noStrike" spc="-1">
+                <a:solidFill>
+                  <a:srgbClr val="8B8B8B"/>
+                </a:solidFill>
+                <a:latin typeface="Calibri"/>
+              </a:rPr>
+              <a:t>6/11/2021</a:t>
             </a:fld>
-            <a:endParaRPr b="0" lang="en-US" sz="1200" spc="-1" strike="noStrike">
+            <a:endParaRPr lang="en-US" sz="1200" b="0" strike="noStrike" spc="-1">
               <a:latin typeface="Times New Roman"/>
             </a:endParaRPr>
           </a:p>
@@ -3658,8 +4115,9 @@
           <a:bodyPr anchor="ctr">
             <a:noAutofit/>
           </a:bodyPr>
-          <a:p>
-            <a:endParaRPr b="0" lang="en-US" sz="2400" spc="-1" strike="noStrike">
+          <a:lstStyle/>
+          <a:p>
+            <a:endParaRPr lang="en-US" sz="2400" b="0" strike="noStrike" spc="-1">
               <a:latin typeface="Times New Roman"/>
             </a:endParaRPr>
           </a:p>
@@ -3688,6 +4146,7 @@
           <a:bodyPr anchor="ctr">
             <a:noAutofit/>
           </a:bodyPr>
+          <a:lstStyle/>
           <a:p>
             <a:pPr algn="r">
               <a:lnSpc>
@@ -3695,15 +4154,15 @@
               </a:lnSpc>
             </a:pPr>
             <a:fld id="{4FFD9A6F-AFA0-49B9-BBAA-145085D65C09}" type="slidenum">
-              <a:rPr b="0" lang="en-US" sz="1200" spc="-1" strike="noStrike">
-                <a:solidFill>
-                  <a:srgbClr val="8b8b8b"/>
-                </a:solidFill>
-                <a:latin typeface="Calibri"/>
-              </a:rPr>
-              <a:t>&lt;number&gt;</a:t>
+              <a:rPr lang="en-US" sz="1200" b="0" strike="noStrike" spc="-1">
+                <a:solidFill>
+                  <a:srgbClr val="8B8B8B"/>
+                </a:solidFill>
+                <a:latin typeface="Calibri"/>
+              </a:rPr>
+              <a:t>‹#›</a:t>
             </a:fld>
-            <a:endParaRPr b="0" lang="en-US" sz="1200" spc="-1" strike="noStrike">
+            <a:endParaRPr lang="en-US" sz="1200" b="0" strike="noStrike" spc="-1">
               <a:latin typeface="Times New Roman"/>
             </a:endParaRPr>
           </a:p>
@@ -3711,26 +4170,306 @@
       </p:sp>
     </p:spTree>
   </p:cSld>
-  <p:clrMap bg1="lt1" bg2="lt2" tx1="dk1" tx2="dk2" accent1="accent1" accent2="accent2" accent3="accent3" accent4="accent4" accent5="accent5" accent6="accent6" hlink="hlink" folHlink="folHlink"/>
+  <p:clrMap bg1="lt1" tx1="dk1" bg2="lt2" tx2="dk2" accent1="accent1" accent2="accent2" accent3="accent3" accent4="accent4" accent5="accent5" accent6="accent6" hlink="hlink" folHlink="folHlink"/>
   <p:sldLayoutIdLst>
-    <p:sldLayoutId id="2147483662" r:id="rId2"/>
-    <p:sldLayoutId id="2147483663" r:id="rId3"/>
-    <p:sldLayoutId id="2147483664" r:id="rId4"/>
-    <p:sldLayoutId id="2147483665" r:id="rId5"/>
-    <p:sldLayoutId id="2147483666" r:id="rId6"/>
-    <p:sldLayoutId id="2147483667" r:id="rId7"/>
-    <p:sldLayoutId id="2147483668" r:id="rId8"/>
-    <p:sldLayoutId id="2147483669" r:id="rId9"/>
-    <p:sldLayoutId id="2147483670" r:id="rId10"/>
-    <p:sldLayoutId id="2147483671" r:id="rId11"/>
-    <p:sldLayoutId id="2147483672" r:id="rId12"/>
-    <p:sldLayoutId id="2147483673" r:id="rId13"/>
+    <p:sldLayoutId id="2147483662" r:id="rId1"/>
+    <p:sldLayoutId id="2147483663" r:id="rId2"/>
+    <p:sldLayoutId id="2147483664" r:id="rId3"/>
+    <p:sldLayoutId id="2147483665" r:id="rId4"/>
+    <p:sldLayoutId id="2147483666" r:id="rId5"/>
+    <p:sldLayoutId id="2147483667" r:id="rId6"/>
+    <p:sldLayoutId id="2147483668" r:id="rId7"/>
+    <p:sldLayoutId id="2147483669" r:id="rId8"/>
+    <p:sldLayoutId id="2147483670" r:id="rId9"/>
+    <p:sldLayoutId id="2147483671" r:id="rId10"/>
+    <p:sldLayoutId id="2147483672" r:id="rId11"/>
+    <p:sldLayoutId id="2147483673" r:id="rId12"/>
   </p:sldLayoutIdLst>
+  <p:txStyles>
+    <p:titleStyle>
+      <a:lvl1pPr algn="l" defTabSz="914400" rtl="0" eaLnBrk="1" latinLnBrk="0" hangingPunct="1">
+        <a:lnSpc>
+          <a:spcPct val="90000"/>
+        </a:lnSpc>
+        <a:spcBef>
+          <a:spcPct val="0"/>
+        </a:spcBef>
+        <a:buNone/>
+        <a:defRPr sz="4400" kern="1200">
+          <a:solidFill>
+            <a:schemeClr val="tx1"/>
+          </a:solidFill>
+          <a:latin typeface="+mj-lt"/>
+          <a:ea typeface="+mj-ea"/>
+          <a:cs typeface="+mj-cs"/>
+        </a:defRPr>
+      </a:lvl1pPr>
+    </p:titleStyle>
+    <p:bodyStyle>
+      <a:lvl1pPr marL="228600" indent="-228600" algn="l" defTabSz="914400" rtl="0" eaLnBrk="1" latinLnBrk="0" hangingPunct="1">
+        <a:lnSpc>
+          <a:spcPct val="90000"/>
+        </a:lnSpc>
+        <a:spcBef>
+          <a:spcPts val="1000"/>
+        </a:spcBef>
+        <a:buFont typeface="Arial" panose="020B0604020202020204" pitchFamily="34" charset="0"/>
+        <a:buChar char="•"/>
+        <a:defRPr sz="2800" kern="1200">
+          <a:solidFill>
+            <a:schemeClr val="tx1"/>
+          </a:solidFill>
+          <a:latin typeface="+mn-lt"/>
+          <a:ea typeface="+mn-ea"/>
+          <a:cs typeface="+mn-cs"/>
+        </a:defRPr>
+      </a:lvl1pPr>
+      <a:lvl2pPr marL="685800" indent="-228600" algn="l" defTabSz="914400" rtl="0" eaLnBrk="1" latinLnBrk="0" hangingPunct="1">
+        <a:lnSpc>
+          <a:spcPct val="90000"/>
+        </a:lnSpc>
+        <a:spcBef>
+          <a:spcPts val="500"/>
+        </a:spcBef>
+        <a:buFont typeface="Arial" panose="020B0604020202020204" pitchFamily="34" charset="0"/>
+        <a:buChar char="•"/>
+        <a:defRPr sz="2400" kern="1200">
+          <a:solidFill>
+            <a:schemeClr val="tx1"/>
+          </a:solidFill>
+          <a:latin typeface="+mn-lt"/>
+          <a:ea typeface="+mn-ea"/>
+          <a:cs typeface="+mn-cs"/>
+        </a:defRPr>
+      </a:lvl2pPr>
+      <a:lvl3pPr marL="1143000" indent="-228600" algn="l" defTabSz="914400" rtl="0" eaLnBrk="1" latinLnBrk="0" hangingPunct="1">
+        <a:lnSpc>
+          <a:spcPct val="90000"/>
+        </a:lnSpc>
+        <a:spcBef>
+          <a:spcPts val="500"/>
+        </a:spcBef>
+        <a:buFont typeface="Arial" panose="020B0604020202020204" pitchFamily="34" charset="0"/>
+        <a:buChar char="•"/>
+        <a:defRPr sz="2000" kern="1200">
+          <a:solidFill>
+            <a:schemeClr val="tx1"/>
+          </a:solidFill>
+          <a:latin typeface="+mn-lt"/>
+          <a:ea typeface="+mn-ea"/>
+          <a:cs typeface="+mn-cs"/>
+        </a:defRPr>
+      </a:lvl3pPr>
+      <a:lvl4pPr marL="1600200" indent="-228600" algn="l" defTabSz="914400" rtl="0" eaLnBrk="1" latinLnBrk="0" hangingPunct="1">
+        <a:lnSpc>
+          <a:spcPct val="90000"/>
+        </a:lnSpc>
+        <a:spcBef>
+          <a:spcPts val="500"/>
+        </a:spcBef>
+        <a:buFont typeface="Arial" panose="020B0604020202020204" pitchFamily="34" charset="0"/>
+        <a:buChar char="•"/>
+        <a:defRPr sz="1800" kern="1200">
+          <a:solidFill>
+            <a:schemeClr val="tx1"/>
+          </a:solidFill>
+          <a:latin typeface="+mn-lt"/>
+          <a:ea typeface="+mn-ea"/>
+          <a:cs typeface="+mn-cs"/>
+        </a:defRPr>
+      </a:lvl4pPr>
+      <a:lvl5pPr marL="2057400" indent="-228600" algn="l" defTabSz="914400" rtl="0" eaLnBrk="1" latinLnBrk="0" hangingPunct="1">
+        <a:lnSpc>
+          <a:spcPct val="90000"/>
+        </a:lnSpc>
+        <a:spcBef>
+          <a:spcPts val="500"/>
+        </a:spcBef>
+        <a:buFont typeface="Arial" panose="020B0604020202020204" pitchFamily="34" charset="0"/>
+        <a:buChar char="•"/>
+        <a:defRPr sz="1800" kern="1200">
+          <a:solidFill>
+            <a:schemeClr val="tx1"/>
+          </a:solidFill>
+          <a:latin typeface="+mn-lt"/>
+          <a:ea typeface="+mn-ea"/>
+          <a:cs typeface="+mn-cs"/>
+        </a:defRPr>
+      </a:lvl5pPr>
+      <a:lvl6pPr marL="2514600" indent="-228600" algn="l" defTabSz="914400" rtl="0" eaLnBrk="1" latinLnBrk="0" hangingPunct="1">
+        <a:lnSpc>
+          <a:spcPct val="90000"/>
+        </a:lnSpc>
+        <a:spcBef>
+          <a:spcPts val="500"/>
+        </a:spcBef>
+        <a:buFont typeface="Arial" panose="020B0604020202020204" pitchFamily="34" charset="0"/>
+        <a:buChar char="•"/>
+        <a:defRPr sz="1800" kern="1200">
+          <a:solidFill>
+            <a:schemeClr val="tx1"/>
+          </a:solidFill>
+          <a:latin typeface="+mn-lt"/>
+          <a:ea typeface="+mn-ea"/>
+          <a:cs typeface="+mn-cs"/>
+        </a:defRPr>
+      </a:lvl6pPr>
+      <a:lvl7pPr marL="2971800" indent="-228600" algn="l" defTabSz="914400" rtl="0" eaLnBrk="1" latinLnBrk="0" hangingPunct="1">
+        <a:lnSpc>
+          <a:spcPct val="90000"/>
+        </a:lnSpc>
+        <a:spcBef>
+          <a:spcPts val="500"/>
+        </a:spcBef>
+        <a:buFont typeface="Arial" panose="020B0604020202020204" pitchFamily="34" charset="0"/>
+        <a:buChar char="•"/>
+        <a:defRPr sz="1800" kern="1200">
+          <a:solidFill>
+            <a:schemeClr val="tx1"/>
+          </a:solidFill>
+          <a:latin typeface="+mn-lt"/>
+          <a:ea typeface="+mn-ea"/>
+          <a:cs typeface="+mn-cs"/>
+        </a:defRPr>
+      </a:lvl7pPr>
+      <a:lvl8pPr marL="3429000" indent="-228600" algn="l" defTabSz="914400" rtl="0" eaLnBrk="1" latinLnBrk="0" hangingPunct="1">
+        <a:lnSpc>
+          <a:spcPct val="90000"/>
+        </a:lnSpc>
+        <a:spcBef>
+          <a:spcPts val="500"/>
+        </a:spcBef>
+        <a:buFont typeface="Arial" panose="020B0604020202020204" pitchFamily="34" charset="0"/>
+        <a:buChar char="•"/>
+        <a:defRPr sz="1800" kern="1200">
+          <a:solidFill>
+            <a:schemeClr val="tx1"/>
+          </a:solidFill>
+          <a:latin typeface="+mn-lt"/>
+          <a:ea typeface="+mn-ea"/>
+          <a:cs typeface="+mn-cs"/>
+        </a:defRPr>
+      </a:lvl8pPr>
+      <a:lvl9pPr marL="3886200" indent="-228600" algn="l" defTabSz="914400" rtl="0" eaLnBrk="1" latinLnBrk="0" hangingPunct="1">
+        <a:lnSpc>
+          <a:spcPct val="90000"/>
+        </a:lnSpc>
+        <a:spcBef>
+          <a:spcPts val="500"/>
+        </a:spcBef>
+        <a:buFont typeface="Arial" panose="020B0604020202020204" pitchFamily="34" charset="0"/>
+        <a:buChar char="•"/>
+        <a:defRPr sz="1800" kern="1200">
+          <a:solidFill>
+            <a:schemeClr val="tx1"/>
+          </a:solidFill>
+          <a:latin typeface="+mn-lt"/>
+          <a:ea typeface="+mn-ea"/>
+          <a:cs typeface="+mn-cs"/>
+        </a:defRPr>
+      </a:lvl9pPr>
+    </p:bodyStyle>
+    <p:otherStyle>
+      <a:defPPr>
+        <a:defRPr lang="th-TH"/>
+      </a:defPPr>
+      <a:lvl1pPr marL="0" algn="l" defTabSz="914400" rtl="0" eaLnBrk="1" latinLnBrk="0" hangingPunct="1">
+        <a:defRPr sz="2800" kern="1200">
+          <a:solidFill>
+            <a:schemeClr val="tx1"/>
+          </a:solidFill>
+          <a:latin typeface="+mn-lt"/>
+          <a:ea typeface="+mn-ea"/>
+          <a:cs typeface="+mn-cs"/>
+        </a:defRPr>
+      </a:lvl1pPr>
+      <a:lvl2pPr marL="457200" algn="l" defTabSz="914400" rtl="0" eaLnBrk="1" latinLnBrk="0" hangingPunct="1">
+        <a:defRPr sz="2800" kern="1200">
+          <a:solidFill>
+            <a:schemeClr val="tx1"/>
+          </a:solidFill>
+          <a:latin typeface="+mn-lt"/>
+          <a:ea typeface="+mn-ea"/>
+          <a:cs typeface="+mn-cs"/>
+        </a:defRPr>
+      </a:lvl2pPr>
+      <a:lvl3pPr marL="914400" algn="l" defTabSz="914400" rtl="0" eaLnBrk="1" latinLnBrk="0" hangingPunct="1">
+        <a:defRPr sz="2800" kern="1200">
+          <a:solidFill>
+            <a:schemeClr val="tx1"/>
+          </a:solidFill>
+          <a:latin typeface="+mn-lt"/>
+          <a:ea typeface="+mn-ea"/>
+          <a:cs typeface="+mn-cs"/>
+        </a:defRPr>
+      </a:lvl3pPr>
+      <a:lvl4pPr marL="1371600" algn="l" defTabSz="914400" rtl="0" eaLnBrk="1" latinLnBrk="0" hangingPunct="1">
+        <a:defRPr sz="2800" kern="1200">
+          <a:solidFill>
+            <a:schemeClr val="tx1"/>
+          </a:solidFill>
+          <a:latin typeface="+mn-lt"/>
+          <a:ea typeface="+mn-ea"/>
+          <a:cs typeface="+mn-cs"/>
+        </a:defRPr>
+      </a:lvl4pPr>
+      <a:lvl5pPr marL="1828800" algn="l" defTabSz="914400" rtl="0" eaLnBrk="1" latinLnBrk="0" hangingPunct="1">
+        <a:defRPr sz="2800" kern="1200">
+          <a:solidFill>
+            <a:schemeClr val="tx1"/>
+          </a:solidFill>
+          <a:latin typeface="+mn-lt"/>
+          <a:ea typeface="+mn-ea"/>
+          <a:cs typeface="+mn-cs"/>
+        </a:defRPr>
+      </a:lvl5pPr>
+      <a:lvl6pPr marL="2286000" algn="l" defTabSz="914400" rtl="0" eaLnBrk="1" latinLnBrk="0" hangingPunct="1">
+        <a:defRPr sz="2800" kern="1200">
+          <a:solidFill>
+            <a:schemeClr val="tx1"/>
+          </a:solidFill>
+          <a:latin typeface="+mn-lt"/>
+          <a:ea typeface="+mn-ea"/>
+          <a:cs typeface="+mn-cs"/>
+        </a:defRPr>
+      </a:lvl6pPr>
+      <a:lvl7pPr marL="2743200" algn="l" defTabSz="914400" rtl="0" eaLnBrk="1" latinLnBrk="0" hangingPunct="1">
+        <a:defRPr sz="2800" kern="1200">
+          <a:solidFill>
+            <a:schemeClr val="tx1"/>
+          </a:solidFill>
+          <a:latin typeface="+mn-lt"/>
+          <a:ea typeface="+mn-ea"/>
+          <a:cs typeface="+mn-cs"/>
+        </a:defRPr>
+      </a:lvl7pPr>
+      <a:lvl8pPr marL="3200400" algn="l" defTabSz="914400" rtl="0" eaLnBrk="1" latinLnBrk="0" hangingPunct="1">
+        <a:defRPr sz="2800" kern="1200">
+          <a:solidFill>
+            <a:schemeClr val="tx1"/>
+          </a:solidFill>
+          <a:latin typeface="+mn-lt"/>
+          <a:ea typeface="+mn-ea"/>
+          <a:cs typeface="+mn-cs"/>
+        </a:defRPr>
+      </a:lvl8pPr>
+      <a:lvl9pPr marL="3657600" algn="l" defTabSz="914400" rtl="0" eaLnBrk="1" latinLnBrk="0" hangingPunct="1">
+        <a:defRPr sz="2800" kern="1200">
+          <a:solidFill>
+            <a:schemeClr val="tx1"/>
+          </a:solidFill>
+          <a:latin typeface="+mn-lt"/>
+          <a:ea typeface="+mn-ea"/>
+          <a:cs typeface="+mn-cs"/>
+        </a:defRPr>
+      </a:lvl9pPr>
+    </p:otherStyle>
+  </p:txStyles>
 </p:sldMaster>
 </file>
 
 <file path=ppt/slides/slide1.xml><?xml version="1.0" encoding="utf-8"?>
-<p:sld xmlns:a="http://schemas.openxmlformats.org/drawingml/2006/main" xmlns:p="http://schemas.openxmlformats.org/presentationml/2006/main" xmlns:r="http://schemas.openxmlformats.org/officeDocument/2006/relationships" xmlns:p14="http://schemas.microsoft.com/office/powerpoint/2010/main" xmlns:p15="http://schemas.microsoft.com/office/powerpoint/2012/main" xmlns:mc="http://schemas.openxmlformats.org/markup-compatibility/2006">
+<p:sld xmlns:a="http://schemas.openxmlformats.org/drawingml/2006/main" xmlns:r="http://schemas.openxmlformats.org/officeDocument/2006/relationships" xmlns:p="http://schemas.openxmlformats.org/presentationml/2006/main">
   <p:cSld>
     <p:spTree>
       <p:nvGrpSpPr>
@@ -3766,15 +4505,22 @@
           </a:ln>
         </p:spPr>
         <p:style>
-          <a:lnRef idx="0"/>
-          <a:fillRef idx="0"/>
-          <a:effectRef idx="0"/>
+          <a:lnRef idx="0">
+            <a:scrgbClr r="0" g="0" b="0"/>
+          </a:lnRef>
+          <a:fillRef idx="0">
+            <a:scrgbClr r="0" g="0" b="0"/>
+          </a:fillRef>
+          <a:effectRef idx="0">
+            <a:scrgbClr r="0" g="0" b="0"/>
+          </a:effectRef>
           <a:fontRef idx="minor"/>
         </p:style>
         <p:txBody>
-          <a:bodyPr wrap="none" lIns="90000" rIns="90000" tIns="45000" bIns="45000">
+          <a:bodyPr wrap="none" lIns="90000" tIns="45000" rIns="90000" bIns="45000">
             <a:spAutoFit/>
           </a:bodyPr>
+          <a:lstStyle/>
           <a:p>
             <a:pPr>
               <a:lnSpc>
@@ -3782,7 +4528,7 @@
               </a:lnSpc>
             </a:pPr>
             <a:r>
-              <a:rPr b="0" lang="en-US" sz="2800" spc="-1" strike="noStrike">
+              <a:rPr lang="en-US" sz="2800" b="0" strike="noStrike" spc="-1">
                 <a:solidFill>
                   <a:srgbClr val="000000"/>
                 </a:solidFill>
@@ -3791,7 +4537,7 @@
               <a:t>Auto system </a:t>
             </a:r>
             <a:r>
-              <a:rPr b="0" lang="th-TH" sz="2800" spc="-1" strike="noStrike">
+              <a:rPr lang="th-TH" sz="2800" b="0" strike="noStrike" spc="-1">
                 <a:solidFill>
                   <a:srgbClr val="000000"/>
                 </a:solidFill>
@@ -3800,7 +4546,7 @@
               <a:t>พยายามให้ระบบเป็น </a:t>
             </a:r>
             <a:r>
-              <a:rPr b="0" lang="en-US" sz="2800" spc="-1" strike="noStrike">
+              <a:rPr lang="en-US" sz="2800" b="0" strike="noStrike" spc="-1">
                 <a:solidFill>
                   <a:srgbClr val="000000"/>
                 </a:solidFill>
@@ -3809,7 +4555,7 @@
               <a:t>auto </a:t>
             </a:r>
             <a:r>
-              <a:rPr b="0" lang="th-TH" sz="2800" spc="-1" strike="noStrike">
+              <a:rPr lang="th-TH" sz="2800" b="0" strike="noStrike" spc="-1">
                 <a:solidFill>
                   <a:srgbClr val="000000"/>
                 </a:solidFill>
@@ -3818,7 +4564,7 @@
               <a:t>เพื่อให้ง่ายต่อ </a:t>
             </a:r>
             <a:r>
-              <a:rPr b="0" lang="en-US" sz="2800" spc="-1" strike="noStrike">
+              <a:rPr lang="en-US" sz="2800" b="0" strike="noStrike" spc="-1">
                 <a:solidFill>
                   <a:srgbClr val="000000"/>
                 </a:solidFill>
@@ -3826,7 +4572,7 @@
               </a:rPr>
               <a:t>user</a:t>
             </a:r>
-            <a:endParaRPr b="0" lang="en-US" sz="2800" spc="-1" strike="noStrike">
+            <a:endParaRPr lang="en-US" sz="2800" b="0" strike="noStrike" spc="-1">
               <a:latin typeface="Arial"/>
             </a:endParaRPr>
           </a:p>
@@ -3864,9 +4610,10 @@
           <a:fontRef idx="minor"/>
         </p:style>
         <p:txBody>
-          <a:bodyPr lIns="90000" rIns="90000" tIns="45000" bIns="45000" anchor="ctr">
+          <a:bodyPr lIns="90000" tIns="45000" rIns="90000" bIns="45000" anchor="ctr">
             <a:noAutofit/>
           </a:bodyPr>
+          <a:lstStyle/>
           <a:p>
             <a:pPr algn="ctr">
               <a:lnSpc>
@@ -3874,7 +4621,7 @@
               </a:lnSpc>
             </a:pPr>
             <a:r>
-              <a:rPr b="0" lang="th-TH" sz="2800" spc="-1" strike="noStrike">
+              <a:rPr lang="th-TH" sz="2800" b="0" strike="noStrike" spc="-1">
                 <a:solidFill>
                   <a:srgbClr val="000000"/>
                 </a:solidFill>
@@ -3882,7 +4629,7 @@
               </a:rPr>
               <a:t>กล้อง</a:t>
             </a:r>
-            <a:endParaRPr b="0" lang="en-US" sz="2800" spc="-1" strike="noStrike">
+            <a:endParaRPr lang="en-US" sz="2800" b="0" strike="noStrike" spc="-1">
               <a:latin typeface="Arial"/>
             </a:endParaRPr>
           </a:p>
@@ -3893,7 +4640,7 @@
               </a:lnSpc>
             </a:pPr>
             <a:r>
-              <a:rPr b="0" lang="en-US" sz="2800" spc="-1" strike="noStrike">
+              <a:rPr lang="en-US" sz="2800" b="0" strike="noStrike" spc="-1">
                 <a:solidFill>
                   <a:srgbClr val="000000"/>
                 </a:solidFill>
@@ -3901,7 +4648,7 @@
               </a:rPr>
               <a:t>pir sensor</a:t>
             </a:r>
-            <a:endParaRPr b="0" lang="en-US" sz="2800" spc="-1" strike="noStrike">
+            <a:endParaRPr lang="en-US" sz="2800" b="0" strike="noStrike" spc="-1">
               <a:latin typeface="Arial"/>
             </a:endParaRPr>
           </a:p>
@@ -3912,7 +4659,7 @@
               </a:lnSpc>
             </a:pPr>
             <a:r>
-              <a:rPr b="0" lang="en-US" sz="2800" spc="-1" strike="noStrike">
+              <a:rPr lang="en-US" sz="2800" b="0" strike="noStrike" spc="-1">
                 <a:solidFill>
                   <a:srgbClr val="000000"/>
                 </a:solidFill>
@@ -3920,7 +4667,7 @@
               </a:rPr>
               <a:t>processor</a:t>
             </a:r>
-            <a:endParaRPr b="0" lang="en-US" sz="2800" spc="-1" strike="noStrike">
+            <a:endParaRPr lang="en-US" sz="2800" b="0" strike="noStrike" spc="-1">
               <a:latin typeface="Arial"/>
             </a:endParaRPr>
           </a:p>
@@ -3975,15 +4722,22 @@
           </a:ln>
         </p:spPr>
         <p:style>
-          <a:lnRef idx="0"/>
-          <a:fillRef idx="0"/>
-          <a:effectRef idx="0"/>
+          <a:lnRef idx="0">
+            <a:scrgbClr r="0" g="0" b="0"/>
+          </a:lnRef>
+          <a:fillRef idx="0">
+            <a:scrgbClr r="0" g="0" b="0"/>
+          </a:fillRef>
+          <a:effectRef idx="0">
+            <a:scrgbClr r="0" g="0" b="0"/>
+          </a:effectRef>
           <a:fontRef idx="minor"/>
         </p:style>
         <p:txBody>
-          <a:bodyPr wrap="none" lIns="90000" rIns="90000" tIns="45000" bIns="45000">
+          <a:bodyPr wrap="none" lIns="90000" tIns="45000" rIns="90000" bIns="45000">
             <a:spAutoFit/>
           </a:bodyPr>
+          <a:lstStyle/>
           <a:p>
             <a:pPr>
               <a:lnSpc>
@@ -3991,7 +4745,7 @@
               </a:lnSpc>
             </a:pPr>
             <a:r>
-              <a:rPr b="0" lang="en-US" sz="2800" spc="-1" strike="noStrike">
+              <a:rPr lang="en-US" sz="2800" b="0" strike="noStrike" spc="-1">
                 <a:solidFill>
                   <a:srgbClr val="000000"/>
                 </a:solidFill>
@@ -3999,7 +4753,7 @@
               </a:rPr>
               <a:t>floor</a:t>
             </a:r>
-            <a:endParaRPr b="0" lang="en-US" sz="2800" spc="-1" strike="noStrike">
+            <a:endParaRPr lang="en-US" sz="2800" b="0" strike="noStrike" spc="-1">
               <a:latin typeface="Arial"/>
             </a:endParaRPr>
           </a:p>
@@ -4056,15 +4810,22 @@
           </a:ln>
         </p:spPr>
         <p:style>
-          <a:lnRef idx="0"/>
-          <a:fillRef idx="0"/>
-          <a:effectRef idx="0"/>
+          <a:lnRef idx="0">
+            <a:scrgbClr r="0" g="0" b="0"/>
+          </a:lnRef>
+          <a:fillRef idx="0">
+            <a:scrgbClr r="0" g="0" b="0"/>
+          </a:fillRef>
+          <a:effectRef idx="0">
+            <a:scrgbClr r="0" g="0" b="0"/>
+          </a:effectRef>
           <a:fontRef idx="minor"/>
         </p:style>
         <p:txBody>
-          <a:bodyPr wrap="none" lIns="90000" rIns="90000" tIns="45000" bIns="45000">
+          <a:bodyPr wrap="none" lIns="90000" tIns="45000" rIns="90000" bIns="45000">
             <a:spAutoFit/>
           </a:bodyPr>
+          <a:lstStyle/>
           <a:p>
             <a:pPr>
               <a:lnSpc>
@@ -4072,7 +4833,7 @@
               </a:lnSpc>
             </a:pPr>
             <a:r>
-              <a:rPr b="0" lang="th-TH" sz="2800" spc="-1" strike="noStrike">
+              <a:rPr lang="th-TH" sz="2800" b="0" strike="noStrike" spc="-1">
                 <a:solidFill>
                   <a:srgbClr val="000000"/>
                 </a:solidFill>
@@ -4080,7 +4841,7 @@
               </a:rPr>
               <a:t>เสาตั้ง</a:t>
             </a:r>
-            <a:endParaRPr b="0" lang="en-US" sz="2800" spc="-1" strike="noStrike">
+            <a:endParaRPr lang="en-US" sz="2800" b="0" strike="noStrike" spc="-1">
               <a:latin typeface="Arial"/>
             </a:endParaRPr>
           </a:p>
@@ -4123,9 +4884,10 @@
           <a:fontRef idx="minor"/>
         </p:style>
         <p:txBody>
-          <a:bodyPr lIns="90000" rIns="90000" tIns="45000" bIns="45000" anchor="ctr">
+          <a:bodyPr lIns="90000" tIns="45000" rIns="90000" bIns="45000" anchor="ctr">
             <a:noAutofit/>
           </a:bodyPr>
+          <a:lstStyle/>
           <a:p>
             <a:pPr algn="ctr">
               <a:lnSpc>
@@ -4133,7 +4895,7 @@
               </a:lnSpc>
             </a:pPr>
             <a:r>
-              <a:rPr b="0" lang="en-US" sz="2800" spc="-1" strike="noStrike">
+              <a:rPr lang="en-US" sz="2800" b="0" strike="noStrike" spc="-1">
                 <a:solidFill>
                   <a:srgbClr val="000000"/>
                 </a:solidFill>
@@ -4141,7 +4903,7 @@
               </a:rPr>
               <a:t>WALL</a:t>
             </a:r>
-            <a:endParaRPr b="0" lang="en-US" sz="2800" spc="-1" strike="noStrike">
+            <a:endParaRPr lang="en-US" sz="2800" b="0" strike="noStrike" spc="-1">
               <a:latin typeface="Arial"/>
             </a:endParaRPr>
           </a:p>
@@ -4289,9 +5051,10 @@
           <a:fontRef idx="minor"/>
         </p:style>
         <p:txBody>
-          <a:bodyPr lIns="90000" rIns="90000" tIns="45000" bIns="45000" anchor="ctr">
+          <a:bodyPr lIns="90000" tIns="45000" rIns="90000" bIns="45000" anchor="ctr">
             <a:noAutofit/>
           </a:bodyPr>
+          <a:lstStyle/>
           <a:p>
             <a:pPr algn="ctr">
               <a:lnSpc>
@@ -4299,7 +5062,7 @@
               </a:lnSpc>
             </a:pPr>
             <a:r>
-              <a:rPr b="0" lang="en-US" sz="2800" spc="-1" strike="noStrike">
+              <a:rPr lang="en-US" sz="2800" b="0" strike="noStrike" spc="-1">
                 <a:solidFill>
                   <a:srgbClr val="000000"/>
                 </a:solidFill>
@@ -4307,7 +5070,7 @@
               </a:rPr>
               <a:t>human</a:t>
             </a:r>
-            <a:endParaRPr b="0" lang="en-US" sz="2800" spc="-1" strike="noStrike">
+            <a:endParaRPr lang="en-US" sz="2800" b="0" strike="noStrike" spc="-1">
               <a:latin typeface="Arial"/>
             </a:endParaRPr>
           </a:p>
@@ -4328,6 +5091,7 @@
             <a:avLst/>
             <a:gdLst/>
             <a:ahLst/>
+            <a:cxnLst/>
             <a:rect l="l" t="t" r="r" b="b"/>
             <a:pathLst>
               <a:path w="21600" h="21600">
@@ -4342,7 +5106,7 @@
           </a:custGeom>
           <a:noFill/>
           <a:ln>
-            <a:tailEnd len="med" type="triangle" w="med"/>
+            <a:tailEnd type="triangle" w="med" len="med"/>
           </a:ln>
         </p:spPr>
         <p:style>
@@ -4373,6 +5137,7 @@
             <a:avLst/>
             <a:gdLst/>
             <a:ahLst/>
+            <a:cxnLst/>
             <a:rect l="l" t="t" r="r" b="b"/>
             <a:pathLst>
               <a:path w="21600" h="21600">
@@ -4387,7 +5152,7 @@
           </a:custGeom>
           <a:noFill/>
           <a:ln>
-            <a:tailEnd len="med" type="triangle" w="med"/>
+            <a:tailEnd type="triangle" w="med" len="med"/>
           </a:ln>
         </p:spPr>
         <p:style>
@@ -4423,15 +5188,22 @@
           </a:ln>
         </p:spPr>
         <p:style>
-          <a:lnRef idx="0"/>
-          <a:fillRef idx="0"/>
-          <a:effectRef idx="0"/>
+          <a:lnRef idx="0">
+            <a:scrgbClr r="0" g="0" b="0"/>
+          </a:lnRef>
+          <a:fillRef idx="0">
+            <a:scrgbClr r="0" g="0" b="0"/>
+          </a:fillRef>
+          <a:effectRef idx="0">
+            <a:scrgbClr r="0" g="0" b="0"/>
+          </a:effectRef>
           <a:fontRef idx="minor"/>
         </p:style>
         <p:txBody>
-          <a:bodyPr wrap="none" lIns="90000" rIns="90000" tIns="45000" bIns="45000">
+          <a:bodyPr wrap="none" lIns="90000" tIns="45000" rIns="90000" bIns="45000">
             <a:spAutoFit/>
           </a:bodyPr>
+          <a:lstStyle/>
           <a:p>
             <a:pPr>
               <a:lnSpc>
@@ -4439,7 +5211,7 @@
               </a:lnSpc>
             </a:pPr>
             <a:r>
-              <a:rPr b="0" lang="th-TH" sz="2800" spc="-1" strike="noStrike">
+              <a:rPr lang="th-TH" sz="2800" b="0" strike="noStrike" spc="-1">
                 <a:solidFill>
                   <a:srgbClr val="000000"/>
                 </a:solidFill>
@@ -4447,7 +5219,7 @@
               </a:rPr>
               <a:t>มุมระนาบ</a:t>
             </a:r>
-            <a:endParaRPr b="0" lang="en-US" sz="2800" spc="-1" strike="noStrike">
+            <a:endParaRPr lang="en-US" sz="2800" b="0" strike="noStrike" spc="-1">
               <a:latin typeface="Arial"/>
             </a:endParaRPr>
           </a:p>
@@ -4455,19 +5227,14 @@
       </p:sp>
     </p:spTree>
   </p:cSld>
-  <mc:AlternateContent>
-    <mc:Choice Requires="p14">
-      <p:transition spd="slow" p14:dur="2000"/>
-    </mc:Choice>
-    <mc:Fallback>
-      <p:transition spd="slow"/>
-    </mc:Fallback>
-  </mc:AlternateContent>
+  <p:clrMapOvr>
+    <a:masterClrMapping/>
+  </p:clrMapOvr>
 </p:sld>
 </file>
 
 <file path=ppt/slides/slide2.xml><?xml version="1.0" encoding="utf-8"?>
-<p:sld xmlns:a="http://schemas.openxmlformats.org/drawingml/2006/main" xmlns:p="http://schemas.openxmlformats.org/presentationml/2006/main" xmlns:r="http://schemas.openxmlformats.org/officeDocument/2006/relationships" xmlns:p14="http://schemas.microsoft.com/office/powerpoint/2010/main" xmlns:p15="http://schemas.microsoft.com/office/powerpoint/2012/main" xmlns:mc="http://schemas.openxmlformats.org/markup-compatibility/2006">
+<p:sld xmlns:a="http://schemas.openxmlformats.org/drawingml/2006/main" xmlns:r="http://schemas.openxmlformats.org/officeDocument/2006/relationships" xmlns:p="http://schemas.openxmlformats.org/presentationml/2006/main">
   <p:cSld>
     <p:spTree>
       <p:nvGrpSpPr>
@@ -4503,15 +5270,22 @@
           </a:ln>
         </p:spPr>
         <p:style>
-          <a:lnRef idx="0"/>
-          <a:fillRef idx="0"/>
-          <a:effectRef idx="0"/>
+          <a:lnRef idx="0">
+            <a:scrgbClr r="0" g="0" b="0"/>
+          </a:lnRef>
+          <a:fillRef idx="0">
+            <a:scrgbClr r="0" g="0" b="0"/>
+          </a:fillRef>
+          <a:effectRef idx="0">
+            <a:scrgbClr r="0" g="0" b="0"/>
+          </a:effectRef>
           <a:fontRef idx="minor"/>
         </p:style>
         <p:txBody>
-          <a:bodyPr wrap="none" lIns="90000" rIns="90000" tIns="45000" bIns="45000">
+          <a:bodyPr wrap="none" lIns="90000" tIns="45000" rIns="90000" bIns="45000">
             <a:spAutoFit/>
           </a:bodyPr>
+          <a:lstStyle/>
           <a:p>
             <a:pPr>
               <a:lnSpc>
@@ -4519,7 +5293,7 @@
               </a:lnSpc>
             </a:pPr>
             <a:r>
-              <a:rPr b="0" lang="en-US" sz="2800" spc="-1" strike="noStrike">
+              <a:rPr lang="en-US" sz="2800" b="0" strike="noStrike" spc="-1">
                 <a:solidFill>
                   <a:srgbClr val="000000"/>
                 </a:solidFill>
@@ -4527,7 +5301,7 @@
               </a:rPr>
               <a:t>Auto system</a:t>
             </a:r>
-            <a:endParaRPr b="0" lang="en-US" sz="2800" spc="-1" strike="noStrike">
+            <a:endParaRPr lang="en-US" sz="2800" b="0" strike="noStrike" spc="-1">
               <a:latin typeface="Arial"/>
             </a:endParaRPr>
           </a:p>
@@ -4565,9 +5339,10 @@
           <a:fontRef idx="minor"/>
         </p:style>
         <p:txBody>
-          <a:bodyPr lIns="90000" rIns="90000" tIns="45000" bIns="45000" anchor="ctr">
+          <a:bodyPr lIns="90000" tIns="45000" rIns="90000" bIns="45000" anchor="ctr">
             <a:noAutofit/>
           </a:bodyPr>
+          <a:lstStyle/>
           <a:p>
             <a:pPr algn="ctr">
               <a:lnSpc>
@@ -4575,7 +5350,7 @@
               </a:lnSpc>
             </a:pPr>
             <a:r>
-              <a:rPr b="0" lang="th-TH" sz="2800" spc="-1" strike="noStrike">
+              <a:rPr lang="th-TH" sz="2800" b="0" strike="noStrike" spc="-1">
                 <a:solidFill>
                   <a:srgbClr val="000000"/>
                 </a:solidFill>
@@ -4583,7 +5358,7 @@
               </a:rPr>
               <a:t>กล้อง</a:t>
             </a:r>
-            <a:endParaRPr b="0" lang="en-US" sz="2800" spc="-1" strike="noStrike">
+            <a:endParaRPr lang="en-US" sz="2800" b="0" strike="noStrike" spc="-1">
               <a:latin typeface="Arial"/>
             </a:endParaRPr>
           </a:p>
@@ -4594,7 +5369,7 @@
               </a:lnSpc>
             </a:pPr>
             <a:r>
-              <a:rPr b="0" lang="en-US" sz="2800" spc="-1" strike="noStrike">
+              <a:rPr lang="en-US" sz="2800" b="0" strike="noStrike" spc="-1">
                 <a:solidFill>
                   <a:srgbClr val="000000"/>
                 </a:solidFill>
@@ -4602,7 +5377,7 @@
               </a:rPr>
               <a:t>pir sensor</a:t>
             </a:r>
-            <a:endParaRPr b="0" lang="en-US" sz="2800" spc="-1" strike="noStrike">
+            <a:endParaRPr lang="en-US" sz="2800" b="0" strike="noStrike" spc="-1">
               <a:latin typeface="Arial"/>
             </a:endParaRPr>
           </a:p>
@@ -4613,7 +5388,7 @@
               </a:lnSpc>
             </a:pPr>
             <a:r>
-              <a:rPr b="0" lang="en-US" sz="2800" spc="-1" strike="noStrike">
+              <a:rPr lang="en-US" sz="2800" b="0" strike="noStrike" spc="-1">
                 <a:solidFill>
                   <a:srgbClr val="000000"/>
                 </a:solidFill>
@@ -4621,7 +5396,7 @@
               </a:rPr>
               <a:t>processor</a:t>
             </a:r>
-            <a:endParaRPr b="0" lang="en-US" sz="2800" spc="-1" strike="noStrike">
+            <a:endParaRPr lang="en-US" sz="2800" b="0" strike="noStrike" spc="-1">
               <a:latin typeface="Arial"/>
             </a:endParaRPr>
           </a:p>
@@ -4676,15 +5451,22 @@
           </a:ln>
         </p:spPr>
         <p:style>
-          <a:lnRef idx="0"/>
-          <a:fillRef idx="0"/>
-          <a:effectRef idx="0"/>
+          <a:lnRef idx="0">
+            <a:scrgbClr r="0" g="0" b="0"/>
+          </a:lnRef>
+          <a:fillRef idx="0">
+            <a:scrgbClr r="0" g="0" b="0"/>
+          </a:fillRef>
+          <a:effectRef idx="0">
+            <a:scrgbClr r="0" g="0" b="0"/>
+          </a:effectRef>
           <a:fontRef idx="minor"/>
         </p:style>
         <p:txBody>
-          <a:bodyPr wrap="none" lIns="90000" rIns="90000" tIns="45000" bIns="45000">
+          <a:bodyPr wrap="none" lIns="90000" tIns="45000" rIns="90000" bIns="45000">
             <a:spAutoFit/>
           </a:bodyPr>
+          <a:lstStyle/>
           <a:p>
             <a:pPr>
               <a:lnSpc>
@@ -4692,7 +5474,7 @@
               </a:lnSpc>
             </a:pPr>
             <a:r>
-              <a:rPr b="0" lang="en-US" sz="2800" spc="-1" strike="noStrike">
+              <a:rPr lang="en-US" sz="2800" b="0" strike="noStrike" spc="-1">
                 <a:solidFill>
                   <a:srgbClr val="000000"/>
                 </a:solidFill>
@@ -4700,7 +5482,7 @@
               </a:rPr>
               <a:t>floor</a:t>
             </a:r>
-            <a:endParaRPr b="0" lang="en-US" sz="2800" spc="-1" strike="noStrike">
+            <a:endParaRPr lang="en-US" sz="2800" b="0" strike="noStrike" spc="-1">
               <a:latin typeface="Arial"/>
             </a:endParaRPr>
           </a:p>
@@ -4726,15 +5508,22 @@
           </a:ln>
         </p:spPr>
         <p:style>
-          <a:lnRef idx="0"/>
-          <a:fillRef idx="0"/>
-          <a:effectRef idx="0"/>
+          <a:lnRef idx="0">
+            <a:scrgbClr r="0" g="0" b="0"/>
+          </a:lnRef>
+          <a:fillRef idx="0">
+            <a:scrgbClr r="0" g="0" b="0"/>
+          </a:fillRef>
+          <a:effectRef idx="0">
+            <a:scrgbClr r="0" g="0" b="0"/>
+          </a:effectRef>
           <a:fontRef idx="minor"/>
         </p:style>
         <p:txBody>
-          <a:bodyPr wrap="none" lIns="90000" rIns="90000" tIns="45000" bIns="45000">
+          <a:bodyPr wrap="none" lIns="90000" tIns="45000" rIns="90000" bIns="45000">
             <a:spAutoFit/>
           </a:bodyPr>
+          <a:lstStyle/>
           <a:p>
             <a:pPr>
               <a:lnSpc>
@@ -4742,7 +5531,7 @@
               </a:lnSpc>
             </a:pPr>
             <a:r>
-              <a:rPr b="0" lang="th-TH" sz="2800" spc="-1" strike="noStrike">
+              <a:rPr lang="th-TH" sz="2800" b="0" strike="noStrike" spc="-1">
                 <a:solidFill>
                   <a:srgbClr val="000000"/>
                 </a:solidFill>
@@ -4750,7 +5539,7 @@
               </a:rPr>
               <a:t>เสาตั้ง</a:t>
             </a:r>
-            <a:endParaRPr b="0" lang="en-US" sz="2800" spc="-1" strike="noStrike">
+            <a:endParaRPr lang="en-US" sz="2800" b="0" strike="noStrike" spc="-1">
               <a:latin typeface="Arial"/>
             </a:endParaRPr>
           </a:p>
@@ -4898,9 +5687,10 @@
           <a:fontRef idx="minor"/>
         </p:style>
         <p:txBody>
-          <a:bodyPr lIns="90000" rIns="90000" tIns="45000" bIns="45000" anchor="ctr">
+          <a:bodyPr lIns="90000" tIns="45000" rIns="90000" bIns="45000" anchor="ctr">
             <a:noAutofit/>
           </a:bodyPr>
+          <a:lstStyle/>
           <a:p>
             <a:pPr algn="ctr">
               <a:lnSpc>
@@ -4908,7 +5698,7 @@
               </a:lnSpc>
             </a:pPr>
             <a:r>
-              <a:rPr b="0" lang="en-US" sz="2800" spc="-1" strike="noStrike">
+              <a:rPr lang="en-US" sz="2800" b="0" strike="noStrike" spc="-1">
                 <a:solidFill>
                   <a:srgbClr val="000000"/>
                 </a:solidFill>
@@ -4916,7 +5706,7 @@
               </a:rPr>
               <a:t>human</a:t>
             </a:r>
-            <a:endParaRPr b="0" lang="en-US" sz="2800" spc="-1" strike="noStrike">
+            <a:endParaRPr lang="en-US" sz="2800" b="0" strike="noStrike" spc="-1">
               <a:latin typeface="Arial"/>
             </a:endParaRPr>
           </a:p>
@@ -4937,6 +5727,7 @@
             <a:avLst/>
             <a:gdLst/>
             <a:ahLst/>
+            <a:cxnLst/>
             <a:rect l="l" t="t" r="r" b="b"/>
             <a:pathLst>
               <a:path w="21600" h="21600">
@@ -4951,7 +5742,7 @@
           </a:custGeom>
           <a:noFill/>
           <a:ln>
-            <a:tailEnd len="med" type="triangle" w="med"/>
+            <a:tailEnd type="triangle" w="med" len="med"/>
           </a:ln>
         </p:spPr>
         <p:style>
@@ -4982,6 +5773,7 @@
             <a:avLst/>
             <a:gdLst/>
             <a:ahLst/>
+            <a:cxnLst/>
             <a:rect l="l" t="t" r="r" b="b"/>
             <a:pathLst>
               <a:path w="21600" h="21600">
@@ -4996,7 +5788,7 @@
           </a:custGeom>
           <a:noFill/>
           <a:ln>
-            <a:tailEnd len="med" type="triangle" w="med"/>
+            <a:tailEnd type="triangle" w="med" len="med"/>
           </a:ln>
         </p:spPr>
         <p:style>
@@ -5094,15 +5886,22 @@
           </a:ln>
         </p:spPr>
         <p:style>
-          <a:lnRef idx="0"/>
-          <a:fillRef idx="0"/>
-          <a:effectRef idx="0"/>
+          <a:lnRef idx="0">
+            <a:scrgbClr r="0" g="0" b="0"/>
+          </a:lnRef>
+          <a:fillRef idx="0">
+            <a:scrgbClr r="0" g="0" b="0"/>
+          </a:fillRef>
+          <a:effectRef idx="0">
+            <a:scrgbClr r="0" g="0" b="0"/>
+          </a:effectRef>
           <a:fontRef idx="minor"/>
         </p:style>
         <p:txBody>
-          <a:bodyPr wrap="none" lIns="90000" rIns="90000" tIns="45000" bIns="45000">
+          <a:bodyPr wrap="none" lIns="90000" tIns="45000" rIns="90000" bIns="45000">
             <a:spAutoFit/>
           </a:bodyPr>
+          <a:lstStyle/>
           <a:p>
             <a:pPr>
               <a:lnSpc>
@@ -5110,7 +5909,7 @@
               </a:lnSpc>
             </a:pPr>
             <a:r>
-              <a:rPr b="0" lang="th-TH" sz="2800" spc="-1" strike="noStrike">
+              <a:rPr lang="th-TH" sz="2800" b="0" strike="noStrike" spc="-1">
                 <a:solidFill>
                   <a:srgbClr val="000000"/>
                 </a:solidFill>
@@ -5118,7 +5917,7 @@
               </a:rPr>
               <a:t>มุมสูง</a:t>
             </a:r>
-            <a:endParaRPr b="0" lang="en-US" sz="2800" spc="-1" strike="noStrike">
+            <a:endParaRPr lang="en-US" sz="2800" b="0" strike="noStrike" spc="-1">
               <a:latin typeface="Arial"/>
             </a:endParaRPr>
           </a:p>
@@ -5126,19 +5925,14 @@
       </p:sp>
     </p:spTree>
   </p:cSld>
-  <mc:AlternateContent>
-    <mc:Choice Requires="p14">
-      <p:transition spd="slow" p14:dur="2000"/>
-    </mc:Choice>
-    <mc:Fallback>
-      <p:transition spd="slow"/>
-    </mc:Fallback>
-  </mc:AlternateContent>
+  <p:clrMapOvr>
+    <a:masterClrMapping/>
+  </p:clrMapOvr>
 </p:sld>
 </file>
 
 <file path=ppt/slides/slide3.xml><?xml version="1.0" encoding="utf-8"?>
-<p:sld xmlns:a="http://schemas.openxmlformats.org/drawingml/2006/main" xmlns:p="http://schemas.openxmlformats.org/presentationml/2006/main" xmlns:r="http://schemas.openxmlformats.org/officeDocument/2006/relationships" xmlns:p14="http://schemas.microsoft.com/office/powerpoint/2010/main" xmlns:p15="http://schemas.microsoft.com/office/powerpoint/2012/main" xmlns:mc="http://schemas.openxmlformats.org/markup-compatibility/2006">
+<p:sld xmlns:a="http://schemas.openxmlformats.org/drawingml/2006/main" xmlns:r="http://schemas.openxmlformats.org/officeDocument/2006/relationships" xmlns:p="http://schemas.openxmlformats.org/presentationml/2006/main">
   <p:cSld>
     <p:spTree>
       <p:nvGrpSpPr>
@@ -5177,6 +5971,7 @@
           <a:bodyPr anchor="ctr">
             <a:noAutofit/>
           </a:bodyPr>
+          <a:lstStyle/>
           <a:p>
             <a:pPr>
               <a:lnSpc>
@@ -5184,7 +5979,7 @@
               </a:lnSpc>
             </a:pPr>
             <a:r>
-              <a:rPr b="0" lang="en-US" sz="4400" spc="-1" strike="noStrike">
+              <a:rPr lang="en-US" sz="4400" b="0" strike="noStrike" spc="-1">
                 <a:solidFill>
                   <a:srgbClr val="000000"/>
                 </a:solidFill>
@@ -5192,7 +5987,7 @@
               </a:rPr>
               <a:t>Spec background</a:t>
             </a:r>
-            <a:endParaRPr b="0" lang="en-US" sz="4400" spc="-1" strike="noStrike">
+            <a:endParaRPr lang="en-US" sz="4400" b="0" strike="noStrike" spc="-1">
               <a:solidFill>
                 <a:srgbClr val="000000"/>
               </a:solidFill>
@@ -5224,6 +6019,7 @@
           <a:bodyPr>
             <a:normAutofit/>
           </a:bodyPr>
+          <a:lstStyle/>
           <a:p>
             <a:pPr marL="228600" indent="-228240">
               <a:lnSpc>
@@ -5239,7 +6035,7 @@
               <a:buChar char="•"/>
             </a:pPr>
             <a:r>
-              <a:rPr b="0" lang="th-TH" sz="2400" spc="-1" strike="noStrike">
+              <a:rPr lang="th-TH" sz="1800" b="0" strike="noStrike" spc="-1" dirty="0">
                 <a:solidFill>
                   <a:srgbClr val="000000"/>
                 </a:solidFill>
@@ -5247,7 +6043,7 @@
               </a:rPr>
               <a:t>เป็นพื้นหลังแบบไหนก็ได้</a:t>
             </a:r>
-            <a:endParaRPr b="0" lang="en-US" sz="2400" spc="-1" strike="noStrike">
+            <a:endParaRPr lang="en-US" sz="1800" b="0" strike="noStrike" spc="-1" dirty="0">
               <a:solidFill>
                 <a:srgbClr val="000000"/>
               </a:solidFill>
@@ -5269,7 +6065,7 @@
               <a:buChar char="•"/>
             </a:pPr>
             <a:r>
-              <a:rPr b="0" lang="th-TH" sz="2400" spc="-1" strike="noStrike">
+              <a:rPr lang="th-TH" sz="1800" b="0" strike="noStrike" spc="-1" dirty="0">
                 <a:solidFill>
                   <a:srgbClr val="000000"/>
                 </a:solidFill>
@@ -5277,7 +6073,7 @@
               </a:rPr>
               <a:t>ต้องยึดให้แน่น ต้องไม่มีการเปลี่ยนแปลง</a:t>
             </a:r>
-            <a:endParaRPr b="0" lang="en-US" sz="2400" spc="-1" strike="noStrike">
+            <a:endParaRPr lang="en-US" sz="1800" b="0" strike="noStrike" spc="-1" dirty="0">
               <a:solidFill>
                 <a:srgbClr val="000000"/>
               </a:solidFill>
@@ -5299,7 +6095,7 @@
               <a:buChar char="•"/>
             </a:pPr>
             <a:r>
-              <a:rPr b="0" lang="th-TH" sz="2400" spc="-1" strike="noStrike">
+              <a:rPr lang="th-TH" sz="1800" b="0" strike="noStrike" spc="-1" dirty="0">
                 <a:solidFill>
                   <a:srgbClr val="000000"/>
                 </a:solidFill>
@@ -5307,7 +6103,7 @@
               </a:rPr>
               <a:t>เช่นกล้องมุมระนาบ พื้นหลังเป็นกำแพงหรือฉากที่ไม่มีของวาง ไม่มีการขยับในพื้นหลัง</a:t>
             </a:r>
-            <a:endParaRPr b="0" lang="en-US" sz="2400" spc="-1" strike="noStrike">
+            <a:endParaRPr lang="en-US" sz="1800" b="0" strike="noStrike" spc="-1" dirty="0">
               <a:solidFill>
                 <a:srgbClr val="000000"/>
               </a:solidFill>
@@ -5329,7 +6125,7 @@
               <a:buChar char="•"/>
             </a:pPr>
             <a:r>
-              <a:rPr b="0" lang="th-TH" sz="2400" spc="-1" strike="noStrike">
+              <a:rPr lang="th-TH" sz="1800" b="0" strike="noStrike" spc="-1" dirty="0">
                 <a:solidFill>
                   <a:srgbClr val="000000"/>
                 </a:solidFill>
@@ -5337,7 +6133,7 @@
               </a:rPr>
               <a:t>หรือกล้องมุมสูง ถ่ายลงมาที่พื้นต้องตีกรอบเป็นพื้นที่ไว้ว่า ห้ามเอาของมาวางหรือทำให้ พื้นที่เป็นฉากมีการเปลี่ยนแปลง</a:t>
             </a:r>
-            <a:endParaRPr b="0" lang="en-US" sz="2400" spc="-1" strike="noStrike">
+            <a:endParaRPr lang="en-US" sz="1800" b="0" strike="noStrike" spc="-1" dirty="0">
               <a:solidFill>
                 <a:srgbClr val="000000"/>
               </a:solidFill>
@@ -5353,7 +6149,7 @@
                 <a:spcPts val="1001"/>
               </a:spcBef>
             </a:pPr>
-            <a:endParaRPr b="0" lang="en-US" sz="2400" spc="-1" strike="noStrike">
+            <a:endParaRPr lang="en-US" sz="1800" b="0" strike="noStrike" spc="-1" dirty="0">
               <a:solidFill>
                 <a:srgbClr val="000000"/>
               </a:solidFill>
@@ -5369,11 +6165,11 @@
                 <a:spcPts val="1001"/>
               </a:spcBef>
               <a:tabLst>
-                <a:tab algn="l" pos="0"/>
+                <a:tab pos="0" algn="l"/>
               </a:tabLst>
             </a:pPr>
             <a:r>
-              <a:rPr b="0" lang="en-US" sz="2400" spc="-1" strike="noStrike">
+              <a:rPr lang="en-US" sz="1800" b="0" strike="noStrike" spc="-1" dirty="0">
                 <a:solidFill>
                   <a:srgbClr val="000000"/>
                 </a:solidFill>
@@ -5382,7 +6178,7 @@
               <a:t>*** </a:t>
             </a:r>
             <a:r>
-              <a:rPr b="0" lang="th-TH" sz="2400" spc="-1" strike="noStrike">
+              <a:rPr lang="th-TH" sz="1800" b="0" strike="noStrike" spc="-1" dirty="0">
                 <a:solidFill>
                   <a:srgbClr val="000000"/>
                 </a:solidFill>
@@ -5391,7 +6187,7 @@
               <a:t>การเตรียม </a:t>
             </a:r>
             <a:r>
-              <a:rPr b="0" lang="en-US" sz="2400" spc="-1" strike="noStrike">
+              <a:rPr lang="en-US" sz="1800" b="0" strike="noStrike" spc="-1" dirty="0">
                 <a:solidFill>
                   <a:srgbClr val="000000"/>
                 </a:solidFill>
@@ -5400,7 +6196,7 @@
               <a:t>background </a:t>
             </a:r>
             <a:r>
-              <a:rPr b="0" lang="th-TH" sz="2400" spc="-1" strike="noStrike">
+              <a:rPr lang="th-TH" sz="1800" b="0" strike="noStrike" spc="-1" dirty="0">
                 <a:solidFill>
                   <a:srgbClr val="000000"/>
                 </a:solidFill>
@@ -5409,7 +6205,7 @@
               <a:t>เมื่อเปิดการทำงาน </a:t>
             </a:r>
             <a:r>
-              <a:rPr b="0" lang="en-US" sz="2400" spc="-1" strike="noStrike">
+              <a:rPr lang="en-US" sz="1800" b="0" strike="noStrike" spc="-1" dirty="0">
                 <a:solidFill>
                   <a:srgbClr val="000000"/>
                 </a:solidFill>
@@ -5418,7 +6214,7 @@
               <a:t>raspberry pi </a:t>
             </a:r>
             <a:r>
-              <a:rPr b="0" lang="th-TH" sz="2400" spc="-1" strike="noStrike">
+              <a:rPr lang="th-TH" sz="1800" b="0" strike="noStrike" spc="-1" dirty="0">
                 <a:solidFill>
                   <a:srgbClr val="000000"/>
                 </a:solidFill>
@@ -5427,7 +6223,7 @@
               <a:t>ต้องไม่มีคนอยู่ในเฟรมภาพ ในกระบวนการนี้จะให้ </a:t>
             </a:r>
             <a:r>
-              <a:rPr b="0" lang="en-US" sz="2400" spc="-1" strike="noStrike">
+              <a:rPr lang="en-US" sz="1800" b="0" strike="noStrike" spc="-1" dirty="0">
                 <a:solidFill>
                   <a:srgbClr val="000000"/>
                 </a:solidFill>
@@ -5436,7 +6232,7 @@
               <a:t>led </a:t>
             </a:r>
             <a:r>
-              <a:rPr b="0" lang="th-TH" sz="2400" spc="-1" strike="noStrike">
+              <a:rPr lang="th-TH" sz="1800" b="0" strike="noStrike" spc="-1" dirty="0">
                 <a:solidFill>
                   <a:srgbClr val="000000"/>
                 </a:solidFill>
@@ -5445,7 +6241,7 @@
               <a:t>สีแดงติด เพื่อบอกว่าอยู่ใน </a:t>
             </a:r>
             <a:r>
-              <a:rPr b="0" lang="en-US" sz="2400" spc="-1" strike="noStrike">
+              <a:rPr lang="en-US" sz="1800" b="0" strike="noStrike" spc="-1" dirty="0">
                 <a:solidFill>
                   <a:srgbClr val="000000"/>
                 </a:solidFill>
@@ -5454,7 +6250,7 @@
               <a:t>process </a:t>
             </a:r>
             <a:r>
-              <a:rPr b="0" lang="th-TH" sz="2400" spc="-1" strike="noStrike">
+              <a:rPr lang="th-TH" sz="1800" b="0" strike="noStrike" spc="-1" dirty="0">
                 <a:solidFill>
                   <a:srgbClr val="000000"/>
                 </a:solidFill>
@@ -5463,7 +6259,7 @@
               <a:t>เมื่อไฟดับหมดก็ถือว่าพร้อมใช้งานในโหมด </a:t>
             </a:r>
             <a:r>
-              <a:rPr b="0" lang="en-US" sz="2400" spc="-1" strike="noStrike">
+              <a:rPr lang="en-US" sz="1800" b="0" strike="noStrike" spc="-1" dirty="0">
                 <a:solidFill>
                   <a:srgbClr val="000000"/>
                 </a:solidFill>
@@ -5471,30 +6267,19 @@
               </a:rPr>
               <a:t>standby</a:t>
             </a:r>
-            <a:endParaRPr b="0" lang="en-US" sz="2400" spc="-1" strike="noStrike">
-              <a:solidFill>
-                <a:srgbClr val="000000"/>
-              </a:solidFill>
-              <a:latin typeface="Calibri"/>
-            </a:endParaRPr>
           </a:p>
         </p:txBody>
       </p:sp>
     </p:spTree>
   </p:cSld>
-  <mc:AlternateContent>
-    <mc:Choice Requires="p14">
-      <p:transition spd="slow" p14:dur="2000"/>
-    </mc:Choice>
-    <mc:Fallback>
-      <p:transition spd="slow"/>
-    </mc:Fallback>
-  </mc:AlternateContent>
+  <p:clrMapOvr>
+    <a:masterClrMapping/>
+  </p:clrMapOvr>
 </p:sld>
 </file>
 
 <file path=ppt/slides/slide4.xml><?xml version="1.0" encoding="utf-8"?>
-<p:sld xmlns:a="http://schemas.openxmlformats.org/drawingml/2006/main" xmlns:p="http://schemas.openxmlformats.org/presentationml/2006/main" xmlns:r="http://schemas.openxmlformats.org/officeDocument/2006/relationships" xmlns:p14="http://schemas.microsoft.com/office/powerpoint/2010/main" xmlns:p15="http://schemas.microsoft.com/office/powerpoint/2012/main" xmlns:mc="http://schemas.openxmlformats.org/markup-compatibility/2006">
+<p:sld xmlns:a="http://schemas.openxmlformats.org/drawingml/2006/main" xmlns:r="http://schemas.openxmlformats.org/officeDocument/2006/relationships" xmlns:p="http://schemas.openxmlformats.org/presentationml/2006/main">
   <p:cSld>
     <p:spTree>
       <p:nvGrpSpPr>
@@ -5533,6 +6318,7 @@
           <a:bodyPr anchor="ctr">
             <a:noAutofit/>
           </a:bodyPr>
+          <a:lstStyle/>
           <a:p>
             <a:pPr>
               <a:lnSpc>
@@ -5540,7 +6326,7 @@
               </a:lnSpc>
             </a:pPr>
             <a:r>
-              <a:rPr b="0" lang="en-US" sz="4400" spc="-1" strike="noStrike">
+              <a:rPr lang="en-US" sz="4400" b="0" strike="noStrike" spc="-1">
                 <a:solidFill>
                   <a:srgbClr val="000000"/>
                 </a:solidFill>
@@ -5548,7 +6334,7 @@
               </a:rPr>
               <a:t>step</a:t>
             </a:r>
-            <a:endParaRPr b="0" lang="en-US" sz="4400" spc="-1" strike="noStrike">
+            <a:endParaRPr lang="en-US" sz="4400" b="0" strike="noStrike" spc="-1">
               <a:solidFill>
                 <a:srgbClr val="000000"/>
               </a:solidFill>
@@ -5578,8 +6364,9 @@
         </p:spPr>
         <p:txBody>
           <a:bodyPr>
-            <a:normAutofit fontScale="44000"/>
-          </a:bodyPr>
+            <a:normAutofit fontScale="96500"/>
+          </a:bodyPr>
+          <a:lstStyle/>
           <a:p>
             <a:pPr marL="228600" indent="-228240">
               <a:lnSpc>
@@ -5595,7 +6382,7 @@
               <a:buChar char="•"/>
             </a:pPr>
             <a:r>
-              <a:rPr b="0" lang="th-TH" sz="2400" spc="-1" strike="noStrike">
+              <a:rPr lang="th-TH" sz="1800" b="0" strike="noStrike" spc="-1" dirty="0">
                 <a:solidFill>
                   <a:srgbClr val="000000"/>
                 </a:solidFill>
@@ -5604,7 +6391,7 @@
               <a:t>ระบบเป็นระบบ </a:t>
             </a:r>
             <a:r>
-              <a:rPr b="0" lang="en-US" sz="2400" spc="-1" strike="noStrike">
+              <a:rPr lang="en-US" sz="1800" b="0" strike="noStrike" spc="-1" dirty="0">
                 <a:solidFill>
                   <a:srgbClr val="000000"/>
                 </a:solidFill>
@@ -5613,7 +6400,7 @@
               <a:t>auto </a:t>
             </a:r>
             <a:r>
-              <a:rPr b="0" lang="th-TH" sz="2400" spc="-1" strike="noStrike">
+              <a:rPr lang="th-TH" sz="1800" b="0" strike="noStrike" spc="-1" dirty="0">
                 <a:solidFill>
                   <a:srgbClr val="000000"/>
                 </a:solidFill>
@@ -5621,7 +6408,7 @@
               </a:rPr>
               <a:t>ทั้งหมด</a:t>
             </a:r>
-            <a:endParaRPr b="0" lang="en-US" sz="2400" spc="-1" strike="noStrike">
+            <a:endParaRPr lang="en-US" sz="1800" b="0" strike="noStrike" spc="-1" dirty="0">
               <a:solidFill>
                 <a:srgbClr val="000000"/>
               </a:solidFill>
@@ -5643,7 +6430,7 @@
               <a:buChar char="•"/>
             </a:pPr>
             <a:r>
-              <a:rPr b="0" lang="th-TH" sz="2400" spc="-1" strike="noStrike">
+              <a:rPr lang="th-TH" sz="1800" b="0" strike="noStrike" spc="-1" dirty="0">
                 <a:solidFill>
                   <a:srgbClr val="000000"/>
                 </a:solidFill>
@@ -5652,7 +6439,7 @@
               <a:t>พื้นที่ยังไงก็ได้ กล้องมุมไหนก็ได้ แต่ต้องเป็นมุมเดิมที่ไม่มีการเปลี่ยน </a:t>
             </a:r>
             <a:r>
-              <a:rPr b="0" lang="en-US" sz="2400" spc="-1" strike="noStrike">
+              <a:rPr lang="en-US" sz="1800" b="0" strike="noStrike" spc="-1" dirty="0">
                 <a:solidFill>
                   <a:srgbClr val="000000"/>
                 </a:solidFill>
@@ -5660,12 +6447,6 @@
               </a:rPr>
               <a:t>background</a:t>
             </a:r>
-            <a:endParaRPr b="0" lang="en-US" sz="2400" spc="-1" strike="noStrike">
-              <a:solidFill>
-                <a:srgbClr val="000000"/>
-              </a:solidFill>
-              <a:latin typeface="Calibri"/>
-            </a:endParaRPr>
           </a:p>
           <a:p>
             <a:pPr marL="228600" indent="-228240">
@@ -5682,7 +6463,7 @@
               <a:buChar char="•"/>
             </a:pPr>
             <a:r>
-              <a:rPr b="0" lang="th-TH" sz="2400" spc="-1" strike="noStrike">
+              <a:rPr lang="th-TH" sz="1800" b="0" strike="noStrike" spc="-1" dirty="0">
                 <a:solidFill>
                   <a:srgbClr val="000000"/>
                 </a:solidFill>
@@ -5691,7 +6472,7 @@
               <a:t>เปิดระบบ </a:t>
             </a:r>
             <a:r>
-              <a:rPr b="0" lang="en-US" sz="2400" spc="-1" strike="noStrike">
+              <a:rPr lang="en-US" sz="1800" b="0" strike="noStrike" spc="-1" dirty="0">
                 <a:solidFill>
                   <a:srgbClr val="000000"/>
                 </a:solidFill>
@@ -5700,7 +6481,7 @@
               <a:t>raspberry </a:t>
             </a:r>
             <a:r>
-              <a:rPr b="0" lang="th-TH" sz="2400" spc="-1" strike="noStrike">
+              <a:rPr lang="th-TH" sz="1800" b="0" strike="noStrike" spc="-1" dirty="0">
                 <a:solidFill>
                   <a:srgbClr val="000000"/>
                 </a:solidFill>
@@ -5709,7 +6490,7 @@
               <a:t>ครั้งแรกจะมี </a:t>
             </a:r>
             <a:r>
-              <a:rPr b="0" lang="en-US" sz="2400" spc="-1" strike="noStrike">
+              <a:rPr lang="en-US" sz="1800" b="0" strike="noStrike" spc="-1" dirty="0">
                 <a:solidFill>
                   <a:srgbClr val="000000"/>
                 </a:solidFill>
@@ -5718,7 +6499,7 @@
               <a:t>process </a:t>
             </a:r>
             <a:r>
-              <a:rPr b="0" lang="th-TH" sz="2400" spc="-1" strike="noStrike">
+              <a:rPr lang="th-TH" sz="1800" b="0" strike="noStrike" spc="-1" dirty="0">
                 <a:solidFill>
                   <a:srgbClr val="000000"/>
                 </a:solidFill>
@@ -5727,7 +6508,7 @@
               <a:t>ซักครู่โดยจะมีไฟสถานะเป็นสีแดงบอก ก่อนจะรอ </a:t>
             </a:r>
             <a:r>
-              <a:rPr b="0" lang="en-US" sz="2400" spc="-1" strike="noStrike">
+              <a:rPr lang="en-US" sz="1800" b="0" strike="noStrike" spc="-1" dirty="0">
                 <a:solidFill>
                   <a:srgbClr val="000000"/>
                 </a:solidFill>
@@ -5736,7 +6517,7 @@
               <a:t>input </a:t>
             </a:r>
             <a:r>
-              <a:rPr b="0" lang="th-TH" sz="2400" spc="-1" strike="noStrike">
+              <a:rPr lang="th-TH" sz="1800" b="0" strike="noStrike" spc="-1" dirty="0">
                 <a:solidFill>
                   <a:srgbClr val="000000"/>
                 </a:solidFill>
@@ -5745,16 +6526,25 @@
               <a:t>จาก </a:t>
             </a:r>
             <a:r>
-              <a:rPr b="0" lang="en-US" sz="2400" spc="-1" strike="noStrike">
-                <a:solidFill>
-                  <a:srgbClr val="000000"/>
-                </a:solidFill>
-                <a:latin typeface="Calibri"/>
-              </a:rPr>
-              <a:t>pir </a:t>
-            </a:r>
-            <a:r>
-              <a:rPr b="0" lang="th-TH" sz="2400" spc="-1" strike="noStrike">
+              <a:rPr lang="en-US" sz="1800" b="0" strike="noStrike" spc="-1" dirty="0" err="1">
+                <a:solidFill>
+                  <a:srgbClr val="000000"/>
+                </a:solidFill>
+                <a:latin typeface="Calibri"/>
+              </a:rPr>
+              <a:t>pir</a:t>
+            </a:r>
+            <a:r>
+              <a:rPr lang="en-US" sz="1800" b="0" strike="noStrike" spc="-1" dirty="0">
+                <a:solidFill>
+                  <a:srgbClr val="000000"/>
+                </a:solidFill>
+                <a:latin typeface="Calibri"/>
+              </a:rPr>
+              <a:t> </a:t>
+            </a:r>
+            <a:r>
+              <a:rPr lang="th-TH" sz="1800" b="0" strike="noStrike" spc="-1" dirty="0">
                 <a:solidFill>
                   <a:srgbClr val="000000"/>
                 </a:solidFill>
@@ -5762,7 +6552,7 @@
               </a:rPr>
               <a:t>ตรงนี้ไฟสถานะจะติดทั้งเขียวและแดง</a:t>
             </a:r>
-            <a:endParaRPr b="0" lang="en-US" sz="2400" spc="-1" strike="noStrike">
+            <a:endParaRPr lang="en-US" sz="1800" b="0" strike="noStrike" spc="-1" dirty="0">
               <a:solidFill>
                 <a:srgbClr val="000000"/>
               </a:solidFill>
@@ -5784,7 +6574,7 @@
               <a:buChar char="•"/>
             </a:pPr>
             <a:r>
-              <a:rPr b="0" lang="th-TH" sz="2400" spc="-1" strike="noStrike">
+              <a:rPr lang="th-TH" sz="1800" b="0" strike="noStrike" spc="-1" dirty="0">
                 <a:solidFill>
                   <a:srgbClr val="000000"/>
                 </a:solidFill>
@@ -5793,7 +6583,7 @@
               <a:t>คนแพ็คของเดินเข้ามาอยู่หน้ากล้อง </a:t>
             </a:r>
             <a:r>
-              <a:rPr b="0" lang="en-US" sz="2400" spc="-1" strike="noStrike">
+              <a:rPr lang="en-US" sz="1800" b="0" strike="noStrike" spc="-1" dirty="0">
                 <a:solidFill>
                   <a:srgbClr val="000000"/>
                 </a:solidFill>
@@ -5802,7 +6592,7 @@
               <a:t>PIR </a:t>
             </a:r>
             <a:r>
-              <a:rPr b="0" lang="th-TH" sz="2400" spc="-1" strike="noStrike">
+              <a:rPr lang="th-TH" sz="1800" b="0" strike="noStrike" spc="-1" dirty="0">
                 <a:solidFill>
                   <a:srgbClr val="000000"/>
                 </a:solidFill>
@@ -5811,7 +6601,7 @@
               <a:t>จะ </a:t>
             </a:r>
             <a:r>
-              <a:rPr b="0" lang="en-US" sz="2400" spc="-1" strike="noStrike">
+              <a:rPr lang="en-US" sz="1800" b="0" strike="noStrike" spc="-1" dirty="0">
                 <a:solidFill>
                   <a:srgbClr val="000000"/>
                 </a:solidFill>
@@ -5820,7 +6610,7 @@
               <a:t>detect </a:t>
             </a:r>
             <a:r>
-              <a:rPr b="0" lang="th-TH" sz="2400" spc="-1" strike="noStrike">
+              <a:rPr lang="th-TH" sz="1800" b="0" strike="noStrike" spc="-1" dirty="0">
                 <a:solidFill>
                   <a:srgbClr val="000000"/>
                 </a:solidFill>
@@ -5829,7 +6619,7 @@
               <a:t>แล้วทำการเปิดกล้อง ไฟแสดงสถานะสีเขียวกล้องเปิด กล้องจะรอ </a:t>
             </a:r>
             <a:r>
-              <a:rPr b="0" lang="en-US" sz="2400" spc="-1" strike="noStrike">
+              <a:rPr lang="en-US" sz="1800" b="0" strike="noStrike" spc="-1" dirty="0">
                 <a:solidFill>
                   <a:srgbClr val="000000"/>
                 </a:solidFill>
@@ -5838,7 +6628,7 @@
               <a:t>QR code </a:t>
             </a:r>
             <a:r>
-              <a:rPr b="0" lang="th-TH" sz="2400" spc="-1" strike="noStrike">
+              <a:rPr lang="th-TH" sz="1800" b="0" strike="noStrike" spc="-1" dirty="0">
                 <a:solidFill>
                   <a:srgbClr val="000000"/>
                 </a:solidFill>
@@ -5847,7 +6637,7 @@
               <a:t>กรณีที่มีใครเข้ามาในพื้นที่โดยบังเอิญ กล้องจะเปิดขึ้นมา แต่ถ้าไม่มีการ </a:t>
             </a:r>
             <a:r>
-              <a:rPr b="0" lang="en-US" sz="2400" spc="-1" strike="noStrike">
+              <a:rPr lang="en-US" sz="1800" b="0" strike="noStrike" spc="-1" dirty="0">
                 <a:solidFill>
                   <a:srgbClr val="000000"/>
                 </a:solidFill>
@@ -5856,7 +6646,7 @@
               <a:t>scan QR </a:t>
             </a:r>
             <a:r>
-              <a:rPr b="0" lang="th-TH" sz="2400" spc="-1" strike="noStrike">
+              <a:rPr lang="th-TH" sz="1800" b="0" strike="noStrike" spc="-1" dirty="0">
                 <a:solidFill>
                   <a:srgbClr val="000000"/>
                 </a:solidFill>
@@ -5865,7 +6655,7 @@
               <a:t>ใน</a:t>
             </a:r>
             <a:r>
-              <a:rPr b="0" lang="en-US" sz="2400" spc="-1" strike="noStrike">
+              <a:rPr lang="en-US" sz="1800" b="0" strike="noStrike" spc="-1" dirty="0">
                 <a:solidFill>
                   <a:srgbClr val="000000"/>
                 </a:solidFill>
@@ -5874,7 +6664,7 @@
               <a:t>30 </a:t>
             </a:r>
             <a:r>
-              <a:rPr b="0" lang="th-TH" sz="2400" spc="-1" strike="noStrike">
+              <a:rPr lang="th-TH" sz="1800" b="0" strike="noStrike" spc="-1" dirty="0">
                 <a:solidFill>
                   <a:srgbClr val="000000"/>
                 </a:solidFill>
@@ -5882,7 +6672,7 @@
               </a:rPr>
               <a:t>วินาที กล้องก็จะปิดไป</a:t>
             </a:r>
-            <a:endParaRPr b="0" lang="en-US" sz="2400" spc="-1" strike="noStrike">
+            <a:endParaRPr lang="en-US" sz="1800" b="0" strike="noStrike" spc="-1" dirty="0">
               <a:solidFill>
                 <a:srgbClr val="000000"/>
               </a:solidFill>
@@ -5904,7 +6694,7 @@
               <a:buChar char="•"/>
             </a:pPr>
             <a:r>
-              <a:rPr b="0" lang="th-TH" sz="2400" spc="-1" strike="noStrike">
+              <a:rPr lang="th-TH" sz="1800" b="0" strike="noStrike" spc="-1" dirty="0">
                 <a:solidFill>
                   <a:srgbClr val="000000"/>
                 </a:solidFill>
@@ -5913,7 +6703,7 @@
               <a:t>คนแพ็คของโชว์ </a:t>
             </a:r>
             <a:r>
-              <a:rPr b="0" lang="en-US" sz="2400" spc="-1" strike="noStrike">
+              <a:rPr lang="en-US" sz="1800" b="0" strike="noStrike" spc="-1" dirty="0">
                 <a:solidFill>
                   <a:srgbClr val="000000"/>
                 </a:solidFill>
@@ -5922,7 +6712,7 @@
               <a:t>QR code </a:t>
             </a:r>
             <a:r>
-              <a:rPr b="0" lang="th-TH" sz="2400" spc="-1" strike="noStrike">
+              <a:rPr lang="th-TH" sz="1800" b="0" strike="noStrike" spc="-1" dirty="0">
                 <a:solidFill>
                   <a:srgbClr val="000000"/>
                 </a:solidFill>
@@ -5931,7 +6721,7 @@
               <a:t>ไปที่กล้อง จะมีการบันทึก </a:t>
             </a:r>
             <a:r>
-              <a:rPr b="0" lang="en-US" sz="2400" spc="-1" strike="noStrike">
+              <a:rPr lang="en-US" sz="1800" b="0" strike="noStrike" spc="-1" dirty="0">
                 <a:solidFill>
                   <a:srgbClr val="000000"/>
                 </a:solidFill>
@@ -5940,7 +6730,7 @@
               <a:t>QR code </a:t>
             </a:r>
             <a:r>
-              <a:rPr b="0" lang="th-TH" sz="2400" spc="-1" strike="noStrike">
+              <a:rPr lang="th-TH" sz="1800" b="0" strike="noStrike" spc="-1" dirty="0">
                 <a:solidFill>
                   <a:srgbClr val="000000"/>
                 </a:solidFill>
@@ -5948,7 +6738,7 @@
               </a:rPr>
               <a:t>รอจนไฟสถานะเป็นสีแดง กล้องจะเริ่มอัดวิดิโอ เริ่มแพ็คของได้</a:t>
             </a:r>
-            <a:endParaRPr b="0" lang="en-US" sz="2400" spc="-1" strike="noStrike">
+            <a:endParaRPr lang="en-US" sz="1800" b="0" strike="noStrike" spc="-1" dirty="0">
               <a:solidFill>
                 <a:srgbClr val="000000"/>
               </a:solidFill>
@@ -5970,7 +6760,7 @@
               <a:buChar char="•"/>
             </a:pPr>
             <a:r>
-              <a:rPr b="0" lang="th-TH" sz="2400" spc="-1" strike="noStrike">
+              <a:rPr lang="th-TH" sz="1800" b="0" strike="noStrike" spc="-1" dirty="0">
                 <a:solidFill>
                   <a:srgbClr val="000000"/>
                 </a:solidFill>
@@ -5978,7 +6768,7 @@
               </a:rPr>
               <a:t>เมื่อแพ็คเสร็จสามารถเดินออกมาได้เลย  โดยเมื่อเดินออกมาจากกล้อง กล้องจะจบการบันทึกวิดิโอ</a:t>
             </a:r>
-            <a:endParaRPr b="0" lang="en-US" sz="2400" spc="-1" strike="noStrike">
+            <a:endParaRPr lang="en-US" sz="1800" b="0" strike="noStrike" spc="-1" dirty="0">
               <a:solidFill>
                 <a:srgbClr val="000000"/>
               </a:solidFill>
@@ -6000,7 +6790,7 @@
               <a:buChar char="•"/>
             </a:pPr>
             <a:r>
-              <a:rPr b="0" lang="th-TH" sz="2400" spc="-1" strike="noStrike">
+              <a:rPr lang="th-TH" sz="1800" b="0" strike="noStrike" spc="-1" dirty="0">
                 <a:solidFill>
                   <a:srgbClr val="000000"/>
                 </a:solidFill>
@@ -6009,7 +6799,7 @@
               <a:t>และในขณะไฟเป็น สีแดงจะเป็นขั้นตอนของ  </a:t>
             </a:r>
             <a:r>
-              <a:rPr b="0" lang="en-US" sz="2400" spc="-1" strike="noStrike">
+              <a:rPr lang="en-US" sz="1800" b="0" strike="noStrike" spc="-1" dirty="0">
                 <a:solidFill>
                   <a:srgbClr val="000000"/>
                 </a:solidFill>
@@ -6018,7 +6808,7 @@
               <a:t>process </a:t>
             </a:r>
             <a:r>
-              <a:rPr b="0" lang="th-TH" sz="2400" spc="-1" strike="noStrike">
+              <a:rPr lang="th-TH" sz="1800" b="0" strike="noStrike" spc="-1" dirty="0">
                 <a:solidFill>
                   <a:srgbClr val="000000"/>
                 </a:solidFill>
@@ -6027,7 +6817,7 @@
               <a:t>ทั้ง </a:t>
             </a:r>
             <a:r>
-              <a:rPr b="0" lang="en-US" sz="2400" spc="-1" strike="noStrike">
+              <a:rPr lang="en-US" sz="1800" b="0" strike="noStrike" spc="-1" dirty="0">
                 <a:solidFill>
                   <a:srgbClr val="000000"/>
                 </a:solidFill>
@@ -6035,12 +6825,6 @@
               </a:rPr>
               <a:t>edit video, post </a:t>
             </a:r>
-            <a:endParaRPr b="0" lang="en-US" sz="2400" spc="-1" strike="noStrike">
-              <a:solidFill>
-                <a:srgbClr val="000000"/>
-              </a:solidFill>
-              <a:latin typeface="Calibri"/>
-            </a:endParaRPr>
           </a:p>
           <a:p>
             <a:pPr>
@@ -6051,29 +6835,20 @@
                 <a:spcPts val="1001"/>
               </a:spcBef>
               <a:tabLst>
-                <a:tab algn="l" pos="0"/>
+                <a:tab pos="0" algn="l"/>
               </a:tabLst>
             </a:pPr>
             <a:r>
-              <a:rPr b="0" lang="en-US" sz="2400" spc="-1" strike="noStrike">
-                <a:solidFill>
-                  <a:srgbClr val="000000"/>
-                </a:solidFill>
-                <a:latin typeface="Calibri"/>
-              </a:rPr>
-              <a:t>	</a:t>
-            </a:r>
-            <a:r>
-              <a:rPr b="0" lang="en-US" sz="2400" spc="-1" strike="noStrike">
-                <a:solidFill>
-                  <a:srgbClr val="000000"/>
-                </a:solidFill>
-                <a:latin typeface="Calibri"/>
-              </a:rPr>
-              <a:t>** </a:t>
-            </a:r>
-            <a:r>
-              <a:rPr b="0" lang="th-TH" sz="2400" spc="-1" strike="noStrike">
+              <a:rPr lang="en-US" sz="1800" b="0" strike="noStrike" spc="-1" dirty="0">
+                <a:solidFill>
+                  <a:srgbClr val="000000"/>
+                </a:solidFill>
+                <a:latin typeface="Calibri"/>
+              </a:rPr>
+              <a:t>		** </a:t>
+            </a:r>
+            <a:r>
+              <a:rPr lang="th-TH" sz="1800" b="0" strike="noStrike" spc="-1" dirty="0">
                 <a:solidFill>
                   <a:srgbClr val="000000"/>
                 </a:solidFill>
@@ -6082,7 +6857,7 @@
               <a:t>การ </a:t>
             </a:r>
             <a:r>
-              <a:rPr b="0" lang="en-US" sz="2400" spc="-1" strike="noStrike">
+              <a:rPr lang="en-US" sz="1800" b="0" strike="noStrike" spc="-1" dirty="0">
                 <a:solidFill>
                   <a:srgbClr val="000000"/>
                 </a:solidFill>
@@ -6091,7 +6866,7 @@
               <a:t>edit video </a:t>
             </a:r>
             <a:r>
-              <a:rPr b="0" lang="th-TH" sz="2400" spc="-1" strike="noStrike">
+              <a:rPr lang="th-TH" sz="1800" b="0" strike="noStrike" spc="-1" dirty="0">
                 <a:solidFill>
                   <a:srgbClr val="000000"/>
                 </a:solidFill>
@@ -6100,7 +6875,7 @@
               <a:t>สำหรับคนที่ของน้อยใช้เวลาแพ็คไม่ถึง </a:t>
             </a:r>
             <a:r>
-              <a:rPr b="0" lang="en-US" sz="2400" spc="-1" strike="noStrike">
+              <a:rPr lang="en-US" sz="1800" b="0" strike="noStrike" spc="-1" dirty="0">
                 <a:solidFill>
                   <a:srgbClr val="000000"/>
                 </a:solidFill>
@@ -6109,7 +6884,7 @@
               <a:t>3 </a:t>
             </a:r>
             <a:r>
-              <a:rPr b="0" lang="th-TH" sz="2400" spc="-1" strike="noStrike">
+              <a:rPr lang="th-TH" sz="1800" b="0" strike="noStrike" spc="-1" dirty="0">
                 <a:solidFill>
                   <a:srgbClr val="000000"/>
                 </a:solidFill>
@@ -6117,7 +6892,7 @@
               </a:rPr>
               <a:t>นาที อาจจะใช้ คลิปเต็มที่ความเร็วปกติ</a:t>
             </a:r>
-            <a:endParaRPr b="0" lang="en-US" sz="2400" spc="-1" strike="noStrike">
+            <a:endParaRPr lang="en-US" sz="1800" b="0" strike="noStrike" spc="-1" dirty="0">
               <a:solidFill>
                 <a:srgbClr val="000000"/>
               </a:solidFill>
@@ -6133,11 +6908,11 @@
                 <a:spcPts val="1001"/>
               </a:spcBef>
               <a:tabLst>
-                <a:tab algn="l" pos="0"/>
+                <a:tab pos="0" algn="l"/>
               </a:tabLst>
             </a:pPr>
             <a:r>
-              <a:rPr b="0" lang="en-US" sz="2400" spc="-1" strike="noStrike">
+              <a:rPr lang="en-US" sz="1800" b="0" strike="noStrike" spc="-1" dirty="0">
                 <a:solidFill>
                   <a:srgbClr val="000000"/>
                 </a:solidFill>
@@ -6146,16 +6921,16 @@
               <a:t>	</a:t>
             </a:r>
             <a:r>
-              <a:rPr b="0" lang="th-TH" sz="2400" spc="-1" strike="noStrike">
-                <a:solidFill>
-                  <a:srgbClr val="000000"/>
-                </a:solidFill>
-                <a:latin typeface="Calibri"/>
-              </a:rPr>
-              <a:t>แต่ถ้าการแพ็คใช้เวลามากกว่า </a:t>
-            </a:r>
-            <a:r>
-              <a:rPr b="0" lang="en-US" sz="2400" spc="-1" strike="noStrike">
+              <a:rPr lang="th-TH" sz="1800" b="0" strike="noStrike" spc="-1" dirty="0">
+                <a:solidFill>
+                  <a:srgbClr val="000000"/>
+                </a:solidFill>
+                <a:latin typeface="Calibri"/>
+              </a:rPr>
+              <a:t>	แต่ถ้าการแพ็คใช้เวลามากกว่า </a:t>
+            </a:r>
+            <a:r>
+              <a:rPr lang="en-US" sz="1800" b="0" strike="noStrike" spc="-1" dirty="0">
                 <a:solidFill>
                   <a:srgbClr val="000000"/>
                 </a:solidFill>
@@ -6164,7 +6939,7 @@
               <a:t>3 </a:t>
             </a:r>
             <a:r>
-              <a:rPr b="0" lang="th-TH" sz="2400" spc="-1" strike="noStrike">
+              <a:rPr lang="th-TH" sz="1800" b="0" strike="noStrike" spc="-1" dirty="0">
                 <a:solidFill>
                   <a:srgbClr val="000000"/>
                 </a:solidFill>
@@ -6173,7 +6948,7 @@
               <a:t>นาที จะ </a:t>
             </a:r>
             <a:r>
-              <a:rPr b="0" lang="en-US" sz="2400" spc="-1" strike="noStrike">
+              <a:rPr lang="en-US" sz="1800" b="0" strike="noStrike" spc="-1" dirty="0">
                 <a:solidFill>
                   <a:srgbClr val="000000"/>
                 </a:solidFill>
@@ -6182,7 +6957,7 @@
               <a:t>timelapse </a:t>
             </a:r>
             <a:r>
-              <a:rPr b="0" lang="th-TH" sz="2400" spc="-1" strike="noStrike">
+              <a:rPr lang="th-TH" sz="1800" b="0" strike="noStrike" spc="-1" dirty="0">
                 <a:solidFill>
                   <a:srgbClr val="000000"/>
                 </a:solidFill>
@@ -6191,7 +6966,7 @@
               <a:t>ให้คลิปทั้งหมดลงมาอยู่ใน </a:t>
             </a:r>
             <a:r>
-              <a:rPr b="0" lang="en-US" sz="2400" spc="-1" strike="noStrike">
+              <a:rPr lang="en-US" sz="1800" b="0" strike="noStrike" spc="-1" dirty="0">
                 <a:solidFill>
                   <a:srgbClr val="000000"/>
                 </a:solidFill>
@@ -6200,15 +6975,75 @@
               <a:t>3 </a:t>
             </a:r>
             <a:r>
-              <a:rPr b="0" lang="th-TH" sz="2400" spc="-1" strike="noStrike">
-                <a:solidFill>
-                  <a:srgbClr val="000000"/>
-                </a:solidFill>
-                <a:latin typeface="Calibri"/>
-              </a:rPr>
-              <a:t>นาที </a:t>
-            </a:r>
-            <a:endParaRPr b="0" lang="en-US" sz="2400" spc="-1" strike="noStrike">
+              <a:rPr lang="th-TH" sz="1800" b="0" strike="noStrike" spc="-1" dirty="0">
+                <a:solidFill>
+                  <a:srgbClr val="000000"/>
+                </a:solidFill>
+                <a:latin typeface="Calibri"/>
+              </a:rPr>
+              <a:t>นาที ในกรณีที่</a:t>
+            </a:r>
+            <a:endParaRPr lang="en-US" sz="1800" b="0" strike="noStrike" spc="-1" dirty="0">
+              <a:solidFill>
+                <a:srgbClr val="000000"/>
+              </a:solidFill>
+              <a:latin typeface="Calibri"/>
+            </a:endParaRPr>
+          </a:p>
+          <a:p>
+            <a:pPr marL="285750" indent="-285750">
+              <a:lnSpc>
+                <a:spcPct val="90000"/>
+              </a:lnSpc>
+              <a:spcBef>
+                <a:spcPts val="1001"/>
+              </a:spcBef>
+              <a:buFont typeface="Arial" panose="020B0604020202020204" pitchFamily="34" charset="0"/>
+              <a:buChar char="•"/>
+              <a:tabLst>
+                <a:tab pos="0" algn="l"/>
+              </a:tabLst>
+            </a:pPr>
+            <a:r>
+              <a:rPr lang="th-TH" sz="1800" b="0" strike="noStrike" spc="-1" dirty="0">
+                <a:solidFill>
+                  <a:srgbClr val="000000"/>
+                </a:solidFill>
+                <a:latin typeface="Calibri"/>
+                <a:cs typeface="Lucida Sans"/>
+              </a:rPr>
+              <a:t>เมื่อ </a:t>
+            </a:r>
+            <a:r>
+              <a:rPr lang="en-US" sz="1800" b="0" strike="noStrike" spc="-1" dirty="0">
+                <a:solidFill>
+                  <a:srgbClr val="000000"/>
+                </a:solidFill>
+                <a:latin typeface="Calibri"/>
+                <a:ea typeface="Microsoft YaHei"/>
+              </a:rPr>
+              <a:t>process </a:t>
+            </a:r>
+            <a:r>
+              <a:rPr lang="th-TH" sz="1800" b="0" strike="noStrike" spc="-1" dirty="0">
+                <a:solidFill>
+                  <a:srgbClr val="000000"/>
+                </a:solidFill>
+                <a:latin typeface="Calibri"/>
+                <a:cs typeface="Lucida Sans"/>
+              </a:rPr>
+              <a:t>เสร็จ </a:t>
+            </a:r>
+            <a:r>
+              <a:rPr lang="th-TH" sz="1800" b="0" strike="noStrike" spc="-1" dirty="0">
+                <a:solidFill>
+                  <a:srgbClr val="000000"/>
+                </a:solidFill>
+                <a:latin typeface="Calibri"/>
+              </a:rPr>
+              <a:t>ไฟสถานะจะติดทั้งเขียวและแดง แล้วเข้าสู่ลูปเดิม</a:t>
+            </a:r>
+            <a:endParaRPr lang="en-US" sz="1800" b="0" strike="noStrike" spc="-1" dirty="0">
               <a:solidFill>
                 <a:srgbClr val="000000"/>
               </a:solidFill>
@@ -6224,105 +7059,10 @@
                 <a:spcPts val="1001"/>
               </a:spcBef>
               <a:tabLst>
-                <a:tab algn="l" pos="0"/>
+                <a:tab pos="0" algn="l"/>
               </a:tabLst>
             </a:pPr>
-            <a:r>
-              <a:rPr b="0" lang="en-US" sz="2400" spc="-1" strike="noStrike">
-                <a:solidFill>
-                  <a:srgbClr val="000000"/>
-                </a:solidFill>
-                <a:latin typeface="Calibri"/>
-              </a:rPr>
-              <a:t>	</a:t>
-            </a:r>
-            <a:r>
-              <a:rPr b="0" lang="th-TH" sz="2400" spc="-1" strike="noStrike">
-                <a:solidFill>
-                  <a:srgbClr val="000000"/>
-                </a:solidFill>
-                <a:latin typeface="Calibri"/>
-              </a:rPr>
-              <a:t>ในกรณีที่</a:t>
-            </a:r>
-            <a:endParaRPr b="0" lang="en-US" sz="2400" spc="-1" strike="noStrike">
-              <a:solidFill>
-                <a:srgbClr val="000000"/>
-              </a:solidFill>
-              <a:latin typeface="Calibri"/>
-            </a:endParaRPr>
-          </a:p>
-          <a:p>
-            <a:pPr>
-              <a:lnSpc>
-                <a:spcPct val="90000"/>
-              </a:lnSpc>
-              <a:spcBef>
-                <a:spcPts val="1001"/>
-              </a:spcBef>
-              <a:tabLst>
-                <a:tab algn="l" pos="0"/>
-              </a:tabLst>
-            </a:pPr>
-            <a:r>
-              <a:rPr b="0" lang="th-TH" sz="2400" spc="-1" strike="noStrike">
-                <a:solidFill>
-                  <a:srgbClr val="000000"/>
-                </a:solidFill>
-                <a:latin typeface="Calibri"/>
-                <a:cs typeface="Lucida Sans"/>
-              </a:rPr>
-              <a:t>เมื่อ </a:t>
-            </a:r>
-            <a:r>
-              <a:rPr b="0" lang="en-US" sz="2400" spc="-1" strike="noStrike">
-                <a:solidFill>
-                  <a:srgbClr val="000000"/>
-                </a:solidFill>
-                <a:latin typeface="Calibri"/>
-                <a:ea typeface="Microsoft YaHei"/>
-              </a:rPr>
-              <a:t>process </a:t>
-            </a:r>
-            <a:r>
-              <a:rPr b="0" lang="th-TH" sz="2400" spc="-1" strike="noStrike">
-                <a:solidFill>
-                  <a:srgbClr val="000000"/>
-                </a:solidFill>
-                <a:latin typeface="Calibri"/>
-                <a:cs typeface="Lucida Sans"/>
-              </a:rPr>
-              <a:t>เสร็จ </a:t>
-            </a:r>
-            <a:r>
-              <a:rPr b="0" lang="th-TH" sz="2400" spc="-1" strike="noStrike">
-                <a:solidFill>
-                  <a:srgbClr val="000000"/>
-                </a:solidFill>
-                <a:latin typeface="Calibri"/>
-              </a:rPr>
-              <a:t>ไฟสถานะจะติดทั้งเขียวและแดง แล้วเข้าสู่ลูปเดิม</a:t>
-            </a:r>
-            <a:endParaRPr b="0" lang="en-US" sz="2400" spc="-1" strike="noStrike">
-              <a:solidFill>
-                <a:srgbClr val="000000"/>
-              </a:solidFill>
-              <a:latin typeface="Calibri"/>
-            </a:endParaRPr>
-          </a:p>
-          <a:p>
-            <a:pPr>
-              <a:lnSpc>
-                <a:spcPct val="90000"/>
-              </a:lnSpc>
-              <a:spcBef>
-                <a:spcPts val="1001"/>
-              </a:spcBef>
-              <a:tabLst>
-                <a:tab algn="l" pos="0"/>
-              </a:tabLst>
-            </a:pPr>
-            <a:endParaRPr b="0" lang="en-US" sz="2400" spc="-1" strike="noStrike">
+            <a:endParaRPr lang="en-US" sz="2400" b="0" strike="noStrike" spc="-1" dirty="0">
               <a:solidFill>
                 <a:srgbClr val="000000"/>
               </a:solidFill>
@@ -6333,19 +7073,14 @@
       </p:sp>
     </p:spTree>
   </p:cSld>
-  <mc:AlternateContent>
-    <mc:Choice Requires="p14">
-      <p:transition spd="slow" p14:dur="2000"/>
-    </mc:Choice>
-    <mc:Fallback>
-      <p:transition spd="slow"/>
-    </mc:Fallback>
-  </mc:AlternateContent>
+  <p:clrMapOvr>
+    <a:masterClrMapping/>
+  </p:clrMapOvr>
 </p:sld>
 </file>
 
 <file path=ppt/slides/slide5.xml><?xml version="1.0" encoding="utf-8"?>
-<p:sld xmlns:a="http://schemas.openxmlformats.org/drawingml/2006/main" xmlns:p="http://schemas.openxmlformats.org/presentationml/2006/main" xmlns:r="http://schemas.openxmlformats.org/officeDocument/2006/relationships" xmlns:p14="http://schemas.microsoft.com/office/powerpoint/2010/main" xmlns:p15="http://schemas.microsoft.com/office/powerpoint/2012/main" xmlns:mc="http://schemas.openxmlformats.org/markup-compatibility/2006">
+<p:sld xmlns:a="http://schemas.openxmlformats.org/drawingml/2006/main" xmlns:r="http://schemas.openxmlformats.org/officeDocument/2006/relationships" xmlns:p="http://schemas.openxmlformats.org/presentationml/2006/main">
   <p:cSld>
     <p:spTree>
       <p:nvGrpSpPr>
@@ -6384,6 +7119,7 @@
           <a:bodyPr anchor="ctr">
             <a:noAutofit/>
           </a:bodyPr>
+          <a:lstStyle/>
           <a:p>
             <a:pPr>
               <a:lnSpc>
@@ -6391,7 +7127,7 @@
               </a:lnSpc>
             </a:pPr>
             <a:r>
-              <a:rPr b="0" lang="en-US" sz="4400" spc="-1" strike="noStrike">
+              <a:rPr lang="en-US" sz="4400" b="0" strike="noStrike" spc="-1" dirty="0">
                 <a:solidFill>
                   <a:srgbClr val="000000"/>
                 </a:solidFill>
@@ -6399,7 +7135,7 @@
               </a:rPr>
               <a:t>Code feature</a:t>
             </a:r>
-            <a:endParaRPr b="0" lang="en-US" sz="4400" spc="-1" strike="noStrike">
+            <a:endParaRPr lang="en-US" sz="4400" b="0" strike="noStrike" spc="-1" dirty="0">
               <a:solidFill>
                 <a:srgbClr val="000000"/>
               </a:solidFill>
@@ -6416,7 +7152,7 @@
         </p:nvSpPr>
         <p:spPr>
           <a:xfrm>
-            <a:off x="838080" y="1349640"/>
+            <a:off x="838080" y="1349639"/>
             <a:ext cx="10515240" cy="4350960"/>
           </a:xfrm>
           <a:prstGeom prst="rect">
@@ -6431,78 +7167,250 @@
           <a:bodyPr>
             <a:normAutofit/>
           </a:bodyPr>
-          <a:p>
-            <a:endParaRPr b="0" lang="en-US" sz="1000" spc="-1" strike="noStrike">
-              <a:solidFill>
-                <a:srgbClr val="808080"/>
-              </a:solidFill>
+          <a:lstStyle/>
+          <a:p>
+            <a:pPr marL="285750" indent="-285750">
+              <a:buFont typeface="Arial" panose="020B0604020202020204" pitchFamily="34" charset="0"/>
+              <a:buChar char="•"/>
+            </a:pPr>
+            <a:r>
+              <a:rPr lang="en-US" sz="1600" b="0" strike="noStrike" spc="-1" dirty="0">
+                <a:latin typeface="JetBrains Mono"/>
+                <a:ea typeface="JetBrains Mono"/>
+              </a:rPr>
+              <a:t>create path </a:t>
+            </a:r>
+            <a:r>
+              <a:rPr lang="en-US" sz="1600" b="0" strike="noStrike" spc="-1" dirty="0" err="1">
+                <a:latin typeface="JetBrains Mono"/>
+                <a:ea typeface="JetBrains Mono"/>
+              </a:rPr>
+              <a:t>dir</a:t>
+            </a:r>
+            <a:endParaRPr lang="en-US" sz="1600" b="0" strike="noStrike" spc="-1" dirty="0">
               <a:latin typeface="JetBrains Mono"/>
               <a:ea typeface="JetBrains Mono"/>
             </a:endParaRPr>
           </a:p>
           <a:p>
-            <a:endParaRPr b="0" lang="en-US" sz="1000" spc="-1" strike="noStrike">
-              <a:solidFill>
-                <a:srgbClr val="808080"/>
-              </a:solidFill>
+            <a:pPr marL="285750" indent="-285750">
+              <a:buFont typeface="Arial" panose="020B0604020202020204" pitchFamily="34" charset="0"/>
+              <a:buChar char="•"/>
+            </a:pPr>
+            <a:r>
+              <a:rPr lang="en-US" sz="1600" b="0" strike="noStrike" spc="-1" dirty="0">
+                <a:latin typeface="JetBrains Mono"/>
+                <a:ea typeface="JetBrains Mono"/>
+              </a:rPr>
+              <a:t>get background image</a:t>
+            </a:r>
+          </a:p>
+          <a:p>
+            <a:pPr marL="285750" indent="-285750">
+              <a:buFont typeface="Arial" panose="020B0604020202020204" pitchFamily="34" charset="0"/>
+              <a:buChar char="•"/>
+            </a:pPr>
+            <a:r>
+              <a:rPr lang="en-US" sz="1600" b="0" strike="noStrike" spc="-1" dirty="0">
+                <a:latin typeface="JetBrains Mono"/>
+                <a:ea typeface="JetBrains Mono"/>
+              </a:rPr>
+              <a:t>wait input to turn on camera</a:t>
+            </a:r>
+          </a:p>
+          <a:p>
+            <a:pPr marL="285750" indent="-285750">
+              <a:buFont typeface="Arial" panose="020B0604020202020204" pitchFamily="34" charset="0"/>
+              <a:buChar char="•"/>
+            </a:pPr>
+            <a:r>
+              <a:rPr lang="en-US" sz="1600" b="0" strike="noStrike" spc="-1" dirty="0">
+                <a:latin typeface="JetBrains Mono"/>
+                <a:ea typeface="JetBrains Mono"/>
+              </a:rPr>
+              <a:t>decode </a:t>
+            </a:r>
+            <a:r>
+              <a:rPr lang="en-US" sz="1600" b="0" strike="noStrike" spc="-1" dirty="0" err="1">
+                <a:latin typeface="JetBrains Mono"/>
+                <a:ea typeface="JetBrains Mono"/>
+              </a:rPr>
+              <a:t>qr</a:t>
+            </a:r>
+            <a:endParaRPr lang="en-US" sz="1600" b="0" strike="noStrike" spc="-1" dirty="0">
               <a:latin typeface="JetBrains Mono"/>
               <a:ea typeface="JetBrains Mono"/>
             </a:endParaRPr>
           </a:p>
           <a:p>
-            <a:endParaRPr b="0" lang="en-US" sz="1000" spc="-1" strike="noStrike">
-              <a:solidFill>
-                <a:srgbClr val="808080"/>
-              </a:solidFill>
+            <a:pPr marL="285750" indent="-285750">
+              <a:buFont typeface="Arial" panose="020B0604020202020204" pitchFamily="34" charset="0"/>
+              <a:buChar char="•"/>
+            </a:pPr>
+            <a:r>
+              <a:rPr lang="en-US" sz="1600" b="0" strike="noStrike" spc="-1" dirty="0">
+                <a:latin typeface="JetBrains Mono"/>
+                <a:ea typeface="JetBrains Mono"/>
+              </a:rPr>
+              <a:t>check that </a:t>
+            </a:r>
+            <a:r>
+              <a:rPr lang="en-US" sz="1600" b="0" strike="noStrike" spc="-1" dirty="0" err="1">
+                <a:latin typeface="JetBrains Mono"/>
+                <a:ea typeface="JetBrains Mono"/>
+              </a:rPr>
+              <a:t>qr</a:t>
+            </a:r>
+            <a:r>
+              <a:rPr lang="en-US" sz="1600" b="0" strike="noStrike" spc="-1" dirty="0">
+                <a:latin typeface="JetBrains Mono"/>
+                <a:ea typeface="JetBrains Mono"/>
+              </a:rPr>
+              <a:t> code in 3 sec is same</a:t>
+            </a:r>
+          </a:p>
+          <a:p>
+            <a:pPr marL="285750" indent="-285750">
+              <a:buFont typeface="Arial" panose="020B0604020202020204" pitchFamily="34" charset="0"/>
+              <a:buChar char="•"/>
+            </a:pPr>
+            <a:r>
+              <a:rPr lang="en-US" sz="1600" b="0" strike="noStrike" spc="-1" dirty="0">
+                <a:latin typeface="JetBrains Mono"/>
+                <a:ea typeface="JetBrains Mono"/>
+              </a:rPr>
+              <a:t>save </a:t>
+            </a:r>
+            <a:r>
+              <a:rPr lang="en-US" sz="1600" b="0" strike="noStrike" spc="-1" dirty="0" err="1">
+                <a:latin typeface="JetBrains Mono"/>
+                <a:ea typeface="JetBrains Mono"/>
+              </a:rPr>
+              <a:t>qr</a:t>
+            </a:r>
+            <a:r>
+              <a:rPr lang="en-US" sz="1600" b="0" strike="noStrike" spc="-1" dirty="0">
+                <a:latin typeface="JetBrains Mono"/>
+                <a:ea typeface="JetBrains Mono"/>
+              </a:rPr>
+              <a:t> image</a:t>
+            </a:r>
+          </a:p>
+          <a:p>
+            <a:pPr marL="285750" indent="-285750">
+              <a:buFont typeface="Arial" panose="020B0604020202020204" pitchFamily="34" charset="0"/>
+              <a:buChar char="•"/>
+            </a:pPr>
+            <a:r>
+              <a:rPr lang="en-US" sz="1600" b="0" strike="noStrike" spc="-1" dirty="0">
+                <a:latin typeface="JetBrains Mono"/>
+                <a:ea typeface="JetBrains Mono"/>
+              </a:rPr>
+              <a:t>in 30 sec, if not find any </a:t>
+            </a:r>
+            <a:r>
+              <a:rPr lang="en-US" sz="1600" b="0" strike="noStrike" spc="-1" dirty="0" err="1">
+                <a:latin typeface="JetBrains Mono"/>
+                <a:ea typeface="JetBrains Mono"/>
+              </a:rPr>
+              <a:t>qr</a:t>
+            </a:r>
+            <a:r>
+              <a:rPr lang="en-US" sz="1600" b="0" strike="noStrike" spc="-1" dirty="0">
+                <a:latin typeface="JetBrains Mono"/>
+                <a:ea typeface="JetBrains Mono"/>
+              </a:rPr>
+              <a:t> code it will break</a:t>
+            </a:r>
+          </a:p>
+          <a:p>
+            <a:pPr marL="285750" indent="-285750">
+              <a:buFont typeface="Arial" panose="020B0604020202020204" pitchFamily="34" charset="0"/>
+              <a:buChar char="•"/>
+            </a:pPr>
+            <a:r>
+              <a:rPr lang="en-US" sz="1600" b="0" strike="noStrike" spc="-1" dirty="0">
+                <a:latin typeface="JetBrains Mono"/>
+                <a:ea typeface="JetBrains Mono"/>
+              </a:rPr>
+              <a:t>create video file</a:t>
+            </a:r>
+          </a:p>
+          <a:p>
+            <a:pPr marL="285750" indent="-285750">
+              <a:buFont typeface="Arial" panose="020B0604020202020204" pitchFamily="34" charset="0"/>
+              <a:buChar char="•"/>
+            </a:pPr>
+            <a:r>
+              <a:rPr lang="en-US" sz="1600" b="0" strike="noStrike" spc="-1" dirty="0">
+                <a:latin typeface="JetBrains Mono"/>
+                <a:ea typeface="JetBrains Mono"/>
+              </a:rPr>
+              <a:t>video recording</a:t>
+            </a:r>
+          </a:p>
+          <a:p>
+            <a:pPr marL="285750" indent="-285750">
+              <a:buFont typeface="Arial" panose="020B0604020202020204" pitchFamily="34" charset="0"/>
+              <a:buChar char="•"/>
+            </a:pPr>
+            <a:r>
+              <a:rPr lang="en-US" sz="1600" b="0" strike="noStrike" spc="-1" dirty="0">
+                <a:latin typeface="JetBrains Mono"/>
+                <a:ea typeface="JetBrains Mono"/>
+              </a:rPr>
+              <a:t>check motion to auto video ending. if user leave frame that is the end</a:t>
+            </a:r>
+          </a:p>
+          <a:p>
+            <a:pPr marL="285750" indent="-285750">
+              <a:buFont typeface="Arial" panose="020B0604020202020204" pitchFamily="34" charset="0"/>
+              <a:buChar char="•"/>
+            </a:pPr>
+            <a:r>
+              <a:rPr lang="en-US" sz="1600" b="0" strike="noStrike" spc="-1" dirty="0">
+                <a:latin typeface="JetBrains Mono"/>
+                <a:ea typeface="JetBrains Mono"/>
+              </a:rPr>
+              <a:t>create new and remove old</a:t>
+            </a:r>
+          </a:p>
+          <a:p>
+            <a:pPr marL="285750" indent="-285750">
+              <a:buFont typeface="Arial" panose="020B0604020202020204" pitchFamily="34" charset="0"/>
+              <a:buChar char="•"/>
+            </a:pPr>
+            <a:r>
+              <a:rPr lang="en-US" sz="1600" b="0" strike="noStrike" spc="-1" dirty="0">
+                <a:latin typeface="JetBrains Mono"/>
+                <a:ea typeface="JetBrains Mono"/>
+              </a:rPr>
+              <a:t>post to </a:t>
+            </a:r>
+            <a:r>
+              <a:rPr lang="en-US" sz="1600" b="0" strike="noStrike" spc="-1" dirty="0" err="1">
+                <a:latin typeface="JetBrains Mono"/>
+                <a:ea typeface="JetBrains Mono"/>
+              </a:rPr>
+              <a:t>url</a:t>
+            </a:r>
+            <a:endParaRPr lang="en-US" sz="1600" b="0" strike="noStrike" spc="-1" dirty="0">
               <a:latin typeface="JetBrains Mono"/>
               <a:ea typeface="JetBrains Mono"/>
             </a:endParaRPr>
           </a:p>
-          <a:p>
-            <a:r>
-              <a:rPr b="0" lang="en-US" sz="2800" spc="-1" strike="noStrike">
-                <a:solidFill>
-                  <a:srgbClr val="000000"/>
-                </a:solidFill>
-                <a:latin typeface="Calibri"/>
-                <a:ea typeface="JetBrains Mono"/>
-              </a:rPr>
-              <a:t>decode qr</a:t>
-            </a:r>
-            <a:endParaRPr b="0" lang="en-US" sz="2800" spc="-1" strike="noStrike">
-              <a:solidFill>
-                <a:srgbClr val="808080"/>
-              </a:solidFill>
-              <a:latin typeface="JetBrains Mono"/>
-              <a:ea typeface="JetBrains Mono"/>
-            </a:endParaRPr>
-          </a:p>
-          <a:p>
-            <a:endParaRPr b="0" lang="en-US" sz="2800" spc="-1" strike="noStrike">
-              <a:solidFill>
-                <a:srgbClr val="808080"/>
-              </a:solidFill>
-              <a:latin typeface="JetBrains Mono"/>
-              <a:ea typeface="JetBrains Mono"/>
-            </a:endParaRPr>
-          </a:p>
         </p:txBody>
       </p:sp>
     </p:spTree>
   </p:cSld>
-  <mc:AlternateContent>
-    <mc:Choice Requires="p14">
-      <p:transition spd="slow" p14:dur="2000"/>
-    </mc:Choice>
-    <mc:Fallback>
-      <p:transition spd="slow"/>
-    </mc:Fallback>
-  </mc:AlternateContent>
+  <p:clrMapOvr>
+    <a:masterClrMapping/>
+  </p:clrMapOvr>
 </p:sld>
 </file>
 
 <file path=ppt/slides/slide6.xml><?xml version="1.0" encoding="utf-8"?>
-<p:sld xmlns:a="http://schemas.openxmlformats.org/drawingml/2006/main" xmlns:p="http://schemas.openxmlformats.org/presentationml/2006/main" xmlns:r="http://schemas.openxmlformats.org/officeDocument/2006/relationships" xmlns:p14="http://schemas.microsoft.com/office/powerpoint/2010/main" xmlns:p15="http://schemas.microsoft.com/office/powerpoint/2012/main" xmlns:mc="http://schemas.openxmlformats.org/markup-compatibility/2006">
+<p:sld xmlns:a="http://schemas.openxmlformats.org/drawingml/2006/main" xmlns:r="http://schemas.openxmlformats.org/officeDocument/2006/relationships" xmlns:p="http://schemas.openxmlformats.org/presentationml/2006/main">
   <p:cSld>
     <p:spTree>
       <p:nvGrpSpPr>
@@ -6525,7 +7433,7 @@
           <p:nvPr/>
         </p:nvPicPr>
         <p:blipFill>
-          <a:blip r:embed="rId1"/>
+          <a:blip r:embed="rId2"/>
           <a:srcRect l="2278" t="1977" r="1126" b="769"/>
           <a:stretch/>
         </p:blipFill>
@@ -6544,19 +7452,14 @@
       </p:pic>
     </p:spTree>
   </p:cSld>
-  <mc:AlternateContent>
-    <mc:Choice Requires="p14">
-      <p:transition spd="slow" p14:dur="2000"/>
-    </mc:Choice>
-    <mc:Fallback>
-      <p:transition spd="slow"/>
-    </mc:Fallback>
-  </mc:AlternateContent>
+  <p:clrMapOvr>
+    <a:masterClrMapping/>
+  </p:clrMapOvr>
 </p:sld>
 </file>
 
 <file path=ppt/slides/slide7.xml><?xml version="1.0" encoding="utf-8"?>
-<p:sld xmlns:a="http://schemas.openxmlformats.org/drawingml/2006/main" xmlns:p="http://schemas.openxmlformats.org/presentationml/2006/main" xmlns:r="http://schemas.openxmlformats.org/officeDocument/2006/relationships" xmlns:p14="http://schemas.microsoft.com/office/powerpoint/2010/main" xmlns:p15="http://schemas.microsoft.com/office/powerpoint/2012/main" xmlns:mc="http://schemas.openxmlformats.org/markup-compatibility/2006">
+<p:sld xmlns:a="http://schemas.openxmlformats.org/drawingml/2006/main" xmlns:r="http://schemas.openxmlformats.org/officeDocument/2006/relationships" xmlns:p="http://schemas.openxmlformats.org/presentationml/2006/main">
   <p:cSld>
     <p:spTree>
       <p:nvGrpSpPr>
@@ -6595,6 +7498,7 @@
           <a:bodyPr anchor="ctr">
             <a:noAutofit/>
           </a:bodyPr>
+          <a:lstStyle/>
           <a:p>
             <a:pPr>
               <a:lnSpc>
@@ -6602,7 +7506,7 @@
               </a:lnSpc>
             </a:pPr>
             <a:r>
-              <a:rPr b="0" lang="en-US" sz="4400" spc="-1" strike="noStrike">
+              <a:rPr lang="en-US" sz="4400" b="0" strike="noStrike" spc="-1">
                 <a:solidFill>
                   <a:srgbClr val="000000"/>
                 </a:solidFill>
@@ -6610,7 +7514,7 @@
               </a:rPr>
               <a:t>equipment cost</a:t>
             </a:r>
-            <a:endParaRPr b="0" lang="en-US" sz="4400" spc="-1" strike="noStrike">
+            <a:endParaRPr lang="en-US" sz="4400" b="0" strike="noStrike" spc="-1">
               <a:solidFill>
                 <a:srgbClr val="000000"/>
               </a:solidFill>
@@ -6642,6 +7546,7 @@
           <a:bodyPr>
             <a:normAutofit/>
           </a:bodyPr>
+          <a:lstStyle/>
           <a:p>
             <a:pPr marL="228600" indent="-228240">
               <a:lnSpc>
@@ -6657,7 +7562,7 @@
               <a:buChar char="•"/>
             </a:pPr>
             <a:r>
-              <a:rPr b="0" lang="en-US" sz="2000" spc="-1" strike="noStrike">
+              <a:rPr lang="en-US" sz="2000" b="0" strike="noStrike" spc="-1">
                 <a:solidFill>
                   <a:srgbClr val="000000"/>
                 </a:solidFill>
@@ -6665,12 +7570,6 @@
               </a:rPr>
               <a:t>Raspberry pi </a:t>
             </a:r>
-            <a:endParaRPr b="0" lang="en-US" sz="2000" spc="-1" strike="noStrike">
-              <a:solidFill>
-                <a:srgbClr val="000000"/>
-              </a:solidFill>
-              <a:latin typeface="Calibri"/>
-            </a:endParaRPr>
           </a:p>
           <a:p>
             <a:pPr marL="228600" indent="-228240">
@@ -6687,7 +7586,7 @@
               <a:buChar char="•"/>
             </a:pPr>
             <a:r>
-              <a:rPr b="0" lang="th-TH" sz="2000" spc="-1" strike="noStrike">
+              <a:rPr lang="th-TH" sz="2000" b="0" strike="noStrike" spc="-1">
                 <a:solidFill>
                   <a:srgbClr val="000000"/>
                 </a:solidFill>
@@ -6695,7 +7594,7 @@
               </a:rPr>
               <a:t>กล้อง</a:t>
             </a:r>
-            <a:endParaRPr b="0" lang="en-US" sz="2000" spc="-1" strike="noStrike">
+            <a:endParaRPr lang="en-US" sz="2000" b="0" strike="noStrike" spc="-1">
               <a:solidFill>
                 <a:srgbClr val="000000"/>
               </a:solidFill>
@@ -6717,7 +7616,7 @@
               <a:buChar char="•"/>
             </a:pPr>
             <a:r>
-              <a:rPr b="0" lang="en-US" sz="2000" spc="-1" strike="noStrike">
+              <a:rPr lang="en-US" sz="2000" b="0" strike="noStrike" spc="-1">
                 <a:solidFill>
                   <a:srgbClr val="000000"/>
                 </a:solidFill>
@@ -6726,7 +7625,7 @@
               <a:t>PIR sensor </a:t>
             </a:r>
             <a:r>
-              <a:rPr b="0" lang="th-TH" sz="2000" spc="-1" strike="noStrike">
+              <a:rPr lang="th-TH" sz="2000" b="0" strike="noStrike" spc="-1">
                 <a:solidFill>
                   <a:srgbClr val="000000"/>
                 </a:solidFill>
@@ -6735,7 +7634,7 @@
               <a:t>ประมาณ </a:t>
             </a:r>
             <a:r>
-              <a:rPr b="0" lang="en-US" sz="2000" spc="-1" strike="noStrike">
+              <a:rPr lang="en-US" sz="2000" b="0" strike="noStrike" spc="-1">
                 <a:solidFill>
                   <a:srgbClr val="000000"/>
                 </a:solidFill>
@@ -6744,7 +7643,7 @@
               <a:t>40</a:t>
             </a:r>
             <a:r>
-              <a:rPr b="0" lang="th-TH" sz="2000" spc="-1" strike="noStrike">
+              <a:rPr lang="th-TH" sz="2000" b="0" strike="noStrike" spc="-1">
                 <a:solidFill>
                   <a:srgbClr val="000000"/>
                 </a:solidFill>
@@ -6752,7 +7651,7 @@
               </a:rPr>
               <a:t>บาท ถูกได้กว่านี้</a:t>
             </a:r>
-            <a:endParaRPr b="0" lang="en-US" sz="2000" spc="-1" strike="noStrike">
+            <a:endParaRPr lang="en-US" sz="2000" b="0" strike="noStrike" spc="-1">
               <a:solidFill>
                 <a:srgbClr val="000000"/>
               </a:solidFill>
@@ -6768,10 +7667,10 @@
                 <a:spcPts val="1001"/>
               </a:spcBef>
               <a:tabLst>
-                <a:tab algn="l" pos="0"/>
+                <a:tab pos="0" algn="l"/>
               </a:tabLst>
             </a:pPr>
-            <a:endParaRPr b="0" lang="en-US" sz="2000" spc="-1" strike="noStrike">
+            <a:endParaRPr lang="en-US" sz="2000" b="0" strike="noStrike" spc="-1">
               <a:solidFill>
                 <a:srgbClr val="000000"/>
               </a:solidFill>
@@ -6787,10 +7686,10 @@
                 <a:spcPts val="1001"/>
               </a:spcBef>
               <a:tabLst>
-                <a:tab algn="l" pos="0"/>
+                <a:tab pos="0" algn="l"/>
               </a:tabLst>
             </a:pPr>
-            <a:endParaRPr b="0" lang="en-US" sz="2000" spc="-1" strike="noStrike">
+            <a:endParaRPr lang="en-US" sz="2000" b="0" strike="noStrike" spc="-1">
               <a:solidFill>
                 <a:srgbClr val="000000"/>
               </a:solidFill>
@@ -6811,11 +7710,11 @@
               <a:buFont typeface="Arial"/>
               <a:buChar char="•"/>
               <a:tabLst>
-                <a:tab algn="l" pos="0"/>
+                <a:tab pos="0" algn="l"/>
               </a:tabLst>
             </a:pPr>
             <a:r>
-              <a:rPr b="0" lang="en-US" sz="2000" spc="-1" strike="noStrike">
+              <a:rPr lang="en-US" sz="2000" b="0" strike="noStrike" spc="-1">
                 <a:solidFill>
                   <a:srgbClr val="000000"/>
                 </a:solidFill>
@@ -6824,7 +7723,7 @@
               <a:t>Led 2 </a:t>
             </a:r>
             <a:r>
-              <a:rPr b="0" lang="th-TH" sz="2000" spc="-1" strike="noStrike">
+              <a:rPr lang="th-TH" sz="2000" b="0" strike="noStrike" spc="-1">
                 <a:solidFill>
                   <a:srgbClr val="000000"/>
                 </a:solidFill>
@@ -6833,7 +7732,7 @@
               <a:t>ตัว </a:t>
             </a:r>
             <a:r>
-              <a:rPr b="0" lang="en-US" sz="2000" spc="-1" strike="noStrike">
+              <a:rPr lang="en-US" sz="2000" b="0" strike="noStrike" spc="-1">
                 <a:solidFill>
                   <a:srgbClr val="000000"/>
                 </a:solidFill>
@@ -6842,7 +7741,7 @@
               <a:t>2 </a:t>
             </a:r>
             <a:r>
-              <a:rPr b="0" lang="th-TH" sz="2000" spc="-1" strike="noStrike">
+              <a:rPr lang="th-TH" sz="2000" b="0" strike="noStrike" spc="-1">
                 <a:solidFill>
                   <a:srgbClr val="000000"/>
                 </a:solidFill>
@@ -6851,7 +7750,7 @@
               <a:t>สี หรือจะใช้เป็น </a:t>
             </a:r>
             <a:r>
-              <a:rPr b="0" lang="en-US" sz="2000" spc="-1" strike="noStrike">
+              <a:rPr lang="en-US" sz="2000" b="0" strike="noStrike" spc="-1">
                 <a:solidFill>
                   <a:srgbClr val="000000"/>
                 </a:solidFill>
@@ -6860,7 +7759,7 @@
               <a:t>2 </a:t>
             </a:r>
             <a:r>
-              <a:rPr b="0" lang="th-TH" sz="2000" spc="-1" strike="noStrike">
+              <a:rPr lang="th-TH" sz="2000" b="0" strike="noStrike" spc="-1">
                 <a:solidFill>
                   <a:srgbClr val="000000"/>
                 </a:solidFill>
@@ -6869,7 +7768,7 @@
               <a:t>สี </a:t>
             </a:r>
             <a:r>
-              <a:rPr b="0" lang="en-US" sz="2000" spc="-1" strike="noStrike">
+              <a:rPr lang="en-US" sz="2000" b="0" strike="noStrike" spc="-1">
                 <a:solidFill>
                   <a:srgbClr val="000000"/>
                 </a:solidFill>
@@ -6878,7 +7777,7 @@
               <a:t>3 </a:t>
             </a:r>
             <a:r>
-              <a:rPr b="0" lang="th-TH" sz="2000" spc="-1" strike="noStrike">
+              <a:rPr lang="th-TH" sz="2000" b="0" strike="noStrike" spc="-1">
                 <a:solidFill>
                   <a:srgbClr val="000000"/>
                 </a:solidFill>
@@ -6887,7 +7786,7 @@
               <a:t>ขา </a:t>
             </a:r>
             <a:r>
-              <a:rPr b="0" lang="en-US" sz="2000" spc="-1" strike="noStrike">
+              <a:rPr lang="en-US" sz="2000" b="0" strike="noStrike" spc="-1">
                 <a:solidFill>
                   <a:srgbClr val="000000"/>
                 </a:solidFill>
@@ -6896,7 +7795,7 @@
               <a:t>1 </a:t>
             </a:r>
             <a:r>
-              <a:rPr b="0" lang="th-TH" sz="2000" spc="-1" strike="noStrike">
+              <a:rPr lang="th-TH" sz="2000" b="0" strike="noStrike" spc="-1">
                 <a:solidFill>
                   <a:srgbClr val="000000"/>
                 </a:solidFill>
@@ -6905,7 +7804,7 @@
               <a:t>ตัว ราคาปกติอาจจะตัวละ </a:t>
             </a:r>
             <a:r>
-              <a:rPr b="0" lang="en-US" sz="2000" spc="-1" strike="noStrike">
+              <a:rPr lang="en-US" sz="2000" b="0" strike="noStrike" spc="-1">
                 <a:solidFill>
                   <a:srgbClr val="000000"/>
                 </a:solidFill>
@@ -6914,7 +7813,7 @@
               <a:t>2 </a:t>
             </a:r>
             <a:r>
-              <a:rPr b="0" lang="th-TH" sz="2000" spc="-1" strike="noStrike">
+              <a:rPr lang="th-TH" sz="2000" b="0" strike="noStrike" spc="-1">
                 <a:solidFill>
                   <a:srgbClr val="000000"/>
                 </a:solidFill>
@@ -6922,7 +7821,7 @@
               </a:rPr>
               <a:t>บาท แต่ถ้า ซื้อที่บ้านหม้อ หรือซื้อขายส่งจะได้ถูกกว่านี้</a:t>
             </a:r>
-            <a:endParaRPr b="0" lang="en-US" sz="2000" spc="-1" strike="noStrike">
+            <a:endParaRPr lang="en-US" sz="2000" b="0" strike="noStrike" spc="-1">
               <a:solidFill>
                 <a:srgbClr val="000000"/>
               </a:solidFill>
@@ -6933,30 +7832,7 @@
       </p:sp>
       <p:pic>
         <p:nvPicPr>
-          <p:cNvPr id="121" name="Picture 4" descr=""/>
-          <p:cNvPicPr/>
-          <p:nvPr/>
-        </p:nvPicPr>
-        <p:blipFill>
-          <a:blip r:embed="rId1"/>
-          <a:stretch/>
-        </p:blipFill>
-        <p:spPr>
-          <a:xfrm>
-            <a:off x="7457400" y="303480"/>
-            <a:ext cx="4185720" cy="2774160"/>
-          </a:xfrm>
-          <a:prstGeom prst="rect">
-            <a:avLst/>
-          </a:prstGeom>
-          <a:ln w="0">
-            <a:noFill/>
-          </a:ln>
-        </p:spPr>
-      </p:pic>
-      <p:pic>
-        <p:nvPicPr>
-          <p:cNvPr id="122" name="Picture 6" descr=""/>
+          <p:cNvPr id="121" name="Picture 4"/>
           <p:cNvPicPr/>
           <p:nvPr/>
         </p:nvPicPr>
@@ -6966,8 +7842,8 @@
         </p:blipFill>
         <p:spPr>
           <a:xfrm>
-            <a:off x="5910840" y="3780000"/>
-            <a:ext cx="5851800" cy="2585880"/>
+            <a:off x="7457400" y="303480"/>
+            <a:ext cx="4185720" cy="2774160"/>
           </a:xfrm>
           <a:prstGeom prst="rect">
             <a:avLst/>
@@ -6977,16 +7853,34 @@
           </a:ln>
         </p:spPr>
       </p:pic>
+      <p:pic>
+        <p:nvPicPr>
+          <p:cNvPr id="122" name="Picture 6"/>
+          <p:cNvPicPr/>
+          <p:nvPr/>
+        </p:nvPicPr>
+        <p:blipFill>
+          <a:blip r:embed="rId3"/>
+          <a:stretch/>
+        </p:blipFill>
+        <p:spPr>
+          <a:xfrm>
+            <a:off x="5910840" y="3780000"/>
+            <a:ext cx="5851800" cy="2585880"/>
+          </a:xfrm>
+          <a:prstGeom prst="rect">
+            <a:avLst/>
+          </a:prstGeom>
+          <a:ln w="0">
+            <a:noFill/>
+          </a:ln>
+        </p:spPr>
+      </p:pic>
     </p:spTree>
   </p:cSld>
-  <mc:AlternateContent>
-    <mc:Choice Requires="p14">
-      <p:transition spd="slow" p14:dur="2000"/>
-    </mc:Choice>
-    <mc:Fallback>
-      <p:transition spd="slow"/>
-    </mc:Fallback>
-  </mc:AlternateContent>
+  <p:clrMapOvr>
+    <a:masterClrMapping/>
+  </p:clrMapOvr>
 </p:sld>
 </file>
 
@@ -7001,34 +7895,34 @@
         <a:sysClr val="window" lastClr="FFFFFF"/>
       </a:lt1>
       <a:dk2>
-        <a:srgbClr val="44546a"/>
+        <a:srgbClr val="44546A"/>
       </a:dk2>
       <a:lt2>
-        <a:srgbClr val="e7e6e6"/>
+        <a:srgbClr val="E7E6E6"/>
       </a:lt2>
       <a:accent1>
-        <a:srgbClr val="4472c4"/>
+        <a:srgbClr val="4472C4"/>
       </a:accent1>
       <a:accent2>
-        <a:srgbClr val="ed7d31"/>
+        <a:srgbClr val="ED7D31"/>
       </a:accent2>
       <a:accent3>
-        <a:srgbClr val="a5a5a5"/>
+        <a:srgbClr val="A5A5A5"/>
       </a:accent3>
       <a:accent4>
-        <a:srgbClr val="ffc000"/>
+        <a:srgbClr val="FFC000"/>
       </a:accent4>
       <a:accent5>
-        <a:srgbClr val="5b9bd5"/>
+        <a:srgbClr val="5B9BD5"/>
       </a:accent5>
       <a:accent6>
-        <a:srgbClr val="70ad47"/>
+        <a:srgbClr val="70AD47"/>
       </a:accent6>
       <a:hlink>
-        <a:srgbClr val="0563c1"/>
+        <a:srgbClr val="0563C1"/>
       </a:hlink>
       <a:folHlink>
-        <a:srgbClr val="954f72"/>
+        <a:srgbClr val="954F72"/>
       </a:folHlink>
     </a:clrScheme>
     <a:fontScheme name="Office">
@@ -7213,6 +8107,8 @@
       </a:bgFillStyleLst>
     </a:fmtScheme>
   </a:themeElements>
+  <a:objectDefaults/>
+  <a:extraClrSchemeLst/>
 </a:theme>
 </file>
 
@@ -7227,34 +8123,34 @@
         <a:sysClr val="window" lastClr="FFFFFF"/>
       </a:lt1>
       <a:dk2>
-        <a:srgbClr val="44546a"/>
+        <a:srgbClr val="44546A"/>
       </a:dk2>
       <a:lt2>
-        <a:srgbClr val="e7e6e6"/>
+        <a:srgbClr val="E7E6E6"/>
       </a:lt2>
       <a:accent1>
-        <a:srgbClr val="4472c4"/>
+        <a:srgbClr val="4472C4"/>
       </a:accent1>
       <a:accent2>
-        <a:srgbClr val="ed7d31"/>
+        <a:srgbClr val="ED7D31"/>
       </a:accent2>
       <a:accent3>
-        <a:srgbClr val="a5a5a5"/>
+        <a:srgbClr val="A5A5A5"/>
       </a:accent3>
       <a:accent4>
-        <a:srgbClr val="ffc000"/>
+        <a:srgbClr val="FFC000"/>
       </a:accent4>
       <a:accent5>
-        <a:srgbClr val="5b9bd5"/>
+        <a:srgbClr val="5B9BD5"/>
       </a:accent5>
       <a:accent6>
-        <a:srgbClr val="70ad47"/>
+        <a:srgbClr val="70AD47"/>
       </a:accent6>
       <a:hlink>
-        <a:srgbClr val="0563c1"/>
+        <a:srgbClr val="0563C1"/>
       </a:hlink>
       <a:folHlink>
-        <a:srgbClr val="954f72"/>
+        <a:srgbClr val="954F72"/>
       </a:folHlink>
     </a:clrScheme>
     <a:fontScheme name="Office">
@@ -7439,5 +8335,7 @@
       </a:bgFillStyleLst>
     </a:fmtScheme>
   </a:themeElements>
+  <a:objectDefaults/>
+  <a:extraClrSchemeLst/>
 </a:theme>
 </file>
--- a/packing.pptx
+++ b/packing.pptx
@@ -9,10 +9,11 @@
     <p:sldId id="256" r:id="rId3"/>
     <p:sldId id="257" r:id="rId4"/>
     <p:sldId id="258" r:id="rId5"/>
-    <p:sldId id="259" r:id="rId6"/>
-    <p:sldId id="260" r:id="rId7"/>
-    <p:sldId id="261" r:id="rId8"/>
-    <p:sldId id="262" r:id="rId9"/>
+    <p:sldId id="263" r:id="rId6"/>
+    <p:sldId id="259" r:id="rId7"/>
+    <p:sldId id="260" r:id="rId8"/>
+    <p:sldId id="261" r:id="rId9"/>
+    <p:sldId id="262" r:id="rId10"/>
   </p:sldIdLst>
   <p:sldSz cx="12192000" cy="6858000"/>
   <p:notesSz cx="7772400" cy="10058400"/>
@@ -111,6 +112,11 @@
       </a:defRPr>
     </a:lvl9pPr>
   </p:defaultTextStyle>
+  <p:extLst>
+    <p:ext uri="{EFAFB233-063F-42B5-8137-9DF3F51BA10A}">
+      <p15:sldGuideLst xmlns:p15="http://schemas.microsoft.com/office/powerpoint/2012/main"/>
+    </p:ext>
+  </p:extLst>
 </p:presentation>
 </file>
 
@@ -3264,7 +3270,7 @@
                 </a:solidFill>
                 <a:latin typeface="Calibri"/>
               </a:rPr>
-              <a:t>6/11/2021</a:t>
+              <a:t>6/14/2021</a:t>
             </a:fld>
             <a:endParaRPr lang="en-US" sz="1200" b="0" strike="noStrike" spc="-1">
               <a:latin typeface="Times New Roman"/>
@@ -4084,7 +4090,7 @@
                 </a:solidFill>
                 <a:latin typeface="Calibri"/>
               </a:rPr>
-              <a:t>6/11/2021</a:t>
+              <a:t>6/14/2021</a:t>
             </a:fld>
             <a:endParaRPr lang="en-US" sz="1200" b="0" strike="noStrike" spc="-1">
               <a:latin typeface="Times New Roman"/>
@@ -6247,25 +6253,7 @@
                 </a:solidFill>
                 <a:latin typeface="Calibri"/>
               </a:rPr>
-              <a:t>process </a:t>
-            </a:r>
-            <a:r>
-              <a:rPr lang="th-TH" sz="1800" b="0" strike="noStrike" spc="-1" dirty="0">
-                <a:solidFill>
-                  <a:srgbClr val="000000"/>
-                </a:solidFill>
-                <a:latin typeface="Calibri"/>
-              </a:rPr>
-              <a:t>เมื่อไฟดับหมดก็ถือว่าพร้อมใช้งานในโหมด </a:t>
-            </a:r>
-            <a:r>
-              <a:rPr lang="en-US" sz="1800" b="0" strike="noStrike" spc="-1" dirty="0">
-                <a:solidFill>
-                  <a:srgbClr val="000000"/>
-                </a:solidFill>
-                <a:latin typeface="Calibri"/>
-              </a:rPr>
-              <a:t>standby</a:t>
+              <a:t>process</a:t>
             </a:r>
           </a:p>
         </p:txBody>
@@ -6297,7 +6285,7 @@
       </p:grpSpPr>
       <p:sp>
         <p:nvSpPr>
-          <p:cNvPr id="114" name="TextShape 1"/>
+          <p:cNvPr id="112" name="TextShape 1"/>
           <p:cNvSpPr txBox="1"/>
           <p:nvPr/>
         </p:nvSpPr>
@@ -6326,32 +6314,32 @@
               </a:lnSpc>
             </a:pPr>
             <a:r>
-              <a:rPr lang="en-US" sz="4400" b="0" strike="noStrike" spc="-1">
+              <a:rPr lang="en-US" sz="4400" b="0" strike="noStrike" spc="-1" dirty="0">
                 <a:solidFill>
                   <a:srgbClr val="000000"/>
                 </a:solidFill>
                 <a:latin typeface="Calibri Light"/>
               </a:rPr>
-              <a:t>step</a:t>
-            </a:r>
-            <a:endParaRPr lang="en-US" sz="4400" b="0" strike="noStrike" spc="-1">
-              <a:solidFill>
-                <a:srgbClr val="000000"/>
-              </a:solidFill>
-              <a:latin typeface="Calibri"/>
-            </a:endParaRPr>
-          </a:p>
-        </p:txBody>
-      </p:sp>
-      <p:sp>
-        <p:nvSpPr>
-          <p:cNvPr id="115" name="TextShape 2"/>
+              <a:t>Spec system</a:t>
+            </a:r>
+            <a:endParaRPr lang="en-US" sz="4400" b="0" strike="noStrike" spc="-1" dirty="0">
+              <a:solidFill>
+                <a:srgbClr val="000000"/>
+              </a:solidFill>
+              <a:latin typeface="Calibri"/>
+            </a:endParaRPr>
+          </a:p>
+        </p:txBody>
+      </p:sp>
+      <p:sp>
+        <p:nvSpPr>
+          <p:cNvPr id="113" name="TextShape 2"/>
           <p:cNvSpPr txBox="1"/>
           <p:nvPr/>
         </p:nvSpPr>
         <p:spPr>
           <a:xfrm>
-            <a:off x="838080" y="1349640"/>
+            <a:off x="838080" y="1825560"/>
             <a:ext cx="10515240" cy="4350960"/>
           </a:xfrm>
           <a:prstGeom prst="rect">
@@ -6364,7 +6352,7 @@
         </p:spPr>
         <p:txBody>
           <a:bodyPr>
-            <a:normAutofit fontScale="96500"/>
+            <a:normAutofit/>
           </a:bodyPr>
           <a:lstStyle/>
           <a:p>
@@ -6382,38 +6370,14 @@
               <a:buChar char="•"/>
             </a:pPr>
             <a:r>
-              <a:rPr lang="th-TH" sz="1800" b="0" strike="noStrike" spc="-1" dirty="0">
-                <a:solidFill>
-                  <a:srgbClr val="000000"/>
-                </a:solidFill>
-                <a:latin typeface="Calibri"/>
-              </a:rPr>
-              <a:t>ระบบเป็นระบบ </a:t>
-            </a:r>
-            <a:r>
-              <a:rPr lang="en-US" sz="1800" b="0" strike="noStrike" spc="-1" dirty="0">
-                <a:solidFill>
-                  <a:srgbClr val="000000"/>
-                </a:solidFill>
-                <a:latin typeface="Calibri"/>
-              </a:rPr>
-              <a:t>auto </a:t>
-            </a:r>
-            <a:r>
-              <a:rPr lang="th-TH" sz="1800" b="0" strike="noStrike" spc="-1" dirty="0">
-                <a:solidFill>
-                  <a:srgbClr val="000000"/>
-                </a:solidFill>
-                <a:latin typeface="Calibri"/>
-              </a:rPr>
-              <a:t>ทั้งหมด</a:t>
-            </a:r>
-            <a:endParaRPr lang="en-US" sz="1800" b="0" strike="noStrike" spc="-1" dirty="0">
-              <a:solidFill>
-                <a:srgbClr val="000000"/>
-              </a:solidFill>
-              <a:latin typeface="Calibri"/>
-            </a:endParaRPr>
+              <a:rPr lang="th-TH" sz="1800" spc="-1" dirty="0">
+                <a:solidFill>
+                  <a:srgbClr val="000000"/>
+                </a:solidFill>
+                <a:latin typeface="Calibri"/>
+              </a:rPr>
+              <a:t>กล้อง 1 ตัว</a:t>
+            </a:r>
           </a:p>
           <a:p>
             <a:pPr marL="228600" indent="-228240">
@@ -6436,16 +6400,16 @@
                 </a:solidFill>
                 <a:latin typeface="Calibri"/>
               </a:rPr>
-              <a:t>พื้นที่ยังไงก็ได้ กล้องมุมไหนก็ได้ แต่ต้องเป็นมุมเดิมที่ไม่มีการเปลี่ยน </a:t>
-            </a:r>
-            <a:r>
-              <a:rPr lang="en-US" sz="1800" b="0" strike="noStrike" spc="-1" dirty="0">
-                <a:solidFill>
-                  <a:srgbClr val="000000"/>
-                </a:solidFill>
-                <a:latin typeface="Calibri"/>
-              </a:rPr>
-              <a:t>background</a:t>
+              <a:t>อัด</a:t>
+            </a:r>
+            <a:r>
+              <a:rPr lang="th-TH" sz="1800" spc="-1" dirty="0">
+                <a:solidFill>
+                  <a:srgbClr val="000000"/>
+                </a:solidFill>
+                <a:latin typeface="Calibri"/>
+              </a:rPr>
+              <a:t>วิดิโอตอนแพ็คของ</a:t>
             </a:r>
           </a:p>
           <a:p>
@@ -6469,7 +6433,7 @@
                 </a:solidFill>
                 <a:latin typeface="Calibri"/>
               </a:rPr>
-              <a:t>เปิดระบบ </a:t>
+              <a:t>จัดการเลข</a:t>
             </a:r>
             <a:r>
               <a:rPr lang="en-US" sz="1800" b="0" strike="noStrike" spc="-1" dirty="0">
@@ -6478,7 +6442,7 @@
                 </a:solidFill>
                 <a:latin typeface="Calibri"/>
               </a:rPr>
-              <a:t>raspberry </a:t>
+              <a:t>tag </a:t>
             </a:r>
             <a:r>
               <a:rPr lang="th-TH" sz="1800" b="0" strike="noStrike" spc="-1" dirty="0">
@@ -6487,77 +6451,8 @@
                 </a:solidFill>
                 <a:latin typeface="Calibri"/>
               </a:rPr>
-              <a:t>ครั้งแรกจะมี </a:t>
-            </a:r>
-            <a:r>
-              <a:rPr lang="en-US" sz="1800" b="0" strike="noStrike" spc="-1" dirty="0">
-                <a:solidFill>
-                  <a:srgbClr val="000000"/>
-                </a:solidFill>
-                <a:latin typeface="Calibri"/>
-              </a:rPr>
-              <a:t>process </a:t>
-            </a:r>
-            <a:r>
-              <a:rPr lang="th-TH" sz="1800" b="0" strike="noStrike" spc="-1" dirty="0">
-                <a:solidFill>
-                  <a:srgbClr val="000000"/>
-                </a:solidFill>
-                <a:latin typeface="Calibri"/>
-              </a:rPr>
-              <a:t>ซักครู่โดยจะมีไฟสถานะเป็นสีแดงบอก ก่อนจะรอ </a:t>
-            </a:r>
-            <a:r>
-              <a:rPr lang="en-US" sz="1800" b="0" strike="noStrike" spc="-1" dirty="0">
-                <a:solidFill>
-                  <a:srgbClr val="000000"/>
-                </a:solidFill>
-                <a:latin typeface="Calibri"/>
-              </a:rPr>
-              <a:t>input </a:t>
-            </a:r>
-            <a:r>
-              <a:rPr lang="th-TH" sz="1800" b="0" strike="noStrike" spc="-1" dirty="0">
-                <a:solidFill>
-                  <a:srgbClr val="000000"/>
-                </a:solidFill>
-                <a:latin typeface="Calibri"/>
-              </a:rPr>
-              <a:t>จาก </a:t>
-            </a:r>
-            <a:r>
-              <a:rPr lang="en-US" sz="1800" b="0" strike="noStrike" spc="-1" dirty="0" err="1">
-                <a:solidFill>
-                  <a:srgbClr val="000000"/>
-                </a:solidFill>
-                <a:latin typeface="Calibri"/>
-              </a:rPr>
-              <a:t>pir</a:t>
-            </a:r>
-            <a:r>
-              <a:rPr lang="en-US" sz="1800" b="0" strike="noStrike" spc="-1" dirty="0">
-                <a:solidFill>
-                  <a:srgbClr val="000000"/>
-                </a:solidFill>
-                <a:latin typeface="Calibri"/>
-              </a:rPr>
-              <a:t> </a:t>
-            </a:r>
-            <a:r>
-              <a:rPr lang="th-TH" sz="1800" b="0" strike="noStrike" spc="-1" dirty="0">
-                <a:solidFill>
-                  <a:srgbClr val="000000"/>
-                </a:solidFill>
-                <a:latin typeface="Calibri"/>
-              </a:rPr>
-              <a:t>ตรงนี้ไฟสถานะจะติดทั้งเขียวและแดง</a:t>
-            </a:r>
-            <a:endParaRPr lang="en-US" sz="1800" b="0" strike="noStrike" spc="-1" dirty="0">
-              <a:solidFill>
-                <a:srgbClr val="000000"/>
-              </a:solidFill>
-              <a:latin typeface="Calibri"/>
-            </a:endParaRPr>
+              <a:t>สินค้า</a:t>
+            </a:r>
           </a:p>
           <a:p>
             <a:pPr marL="228600" indent="-228240">
@@ -6574,105 +6469,94 @@
               <a:buChar char="•"/>
             </a:pPr>
             <a:r>
-              <a:rPr lang="th-TH" sz="1800" b="0" strike="noStrike" spc="-1" dirty="0">
-                <a:solidFill>
-                  <a:srgbClr val="000000"/>
-                </a:solidFill>
-                <a:latin typeface="Calibri"/>
-              </a:rPr>
-              <a:t>คนแพ็คของเดินเข้ามาอยู่หน้ากล้อง </a:t>
-            </a:r>
-            <a:r>
-              <a:rPr lang="en-US" sz="1800" b="0" strike="noStrike" spc="-1" dirty="0">
-                <a:solidFill>
-                  <a:srgbClr val="000000"/>
-                </a:solidFill>
-                <a:latin typeface="Calibri"/>
-              </a:rPr>
-              <a:t>PIR </a:t>
-            </a:r>
-            <a:r>
-              <a:rPr lang="th-TH" sz="1800" b="0" strike="noStrike" spc="-1" dirty="0">
-                <a:solidFill>
-                  <a:srgbClr val="000000"/>
-                </a:solidFill>
-                <a:latin typeface="Calibri"/>
-              </a:rPr>
-              <a:t>จะ </a:t>
-            </a:r>
-            <a:r>
-              <a:rPr lang="en-US" sz="1800" b="0" strike="noStrike" spc="-1" dirty="0">
-                <a:solidFill>
-                  <a:srgbClr val="000000"/>
-                </a:solidFill>
-                <a:latin typeface="Calibri"/>
-              </a:rPr>
-              <a:t>detect </a:t>
-            </a:r>
-            <a:r>
-              <a:rPr lang="th-TH" sz="1800" b="0" strike="noStrike" spc="-1" dirty="0">
-                <a:solidFill>
-                  <a:srgbClr val="000000"/>
-                </a:solidFill>
-                <a:latin typeface="Calibri"/>
-              </a:rPr>
-              <a:t>แล้วทำการเปิดกล้อง ไฟแสดงสถานะสีเขียวกล้องเปิด กล้องจะรอ </a:t>
-            </a:r>
-            <a:r>
-              <a:rPr lang="en-US" sz="1800" b="0" strike="noStrike" spc="-1" dirty="0">
-                <a:solidFill>
-                  <a:srgbClr val="000000"/>
-                </a:solidFill>
-                <a:latin typeface="Calibri"/>
-              </a:rPr>
-              <a:t>QR code </a:t>
-            </a:r>
-            <a:r>
-              <a:rPr lang="th-TH" sz="1800" b="0" strike="noStrike" spc="-1" dirty="0">
-                <a:solidFill>
-                  <a:srgbClr val="000000"/>
-                </a:solidFill>
-                <a:latin typeface="Calibri"/>
-              </a:rPr>
-              <a:t>กรณีที่มีใครเข้ามาในพื้นที่โดยบังเอิญ กล้องจะเปิดขึ้นมา แต่ถ้าไม่มีการ </a:t>
-            </a:r>
-            <a:r>
-              <a:rPr lang="en-US" sz="1800" b="0" strike="noStrike" spc="-1" dirty="0">
-                <a:solidFill>
-                  <a:srgbClr val="000000"/>
-                </a:solidFill>
-                <a:latin typeface="Calibri"/>
-              </a:rPr>
-              <a:t>scan QR </a:t>
-            </a:r>
-            <a:r>
-              <a:rPr lang="th-TH" sz="1800" b="0" strike="noStrike" spc="-1" dirty="0">
-                <a:solidFill>
-                  <a:srgbClr val="000000"/>
-                </a:solidFill>
-                <a:latin typeface="Calibri"/>
-              </a:rPr>
-              <a:t>ใน</a:t>
-            </a:r>
-            <a:r>
-              <a:rPr lang="en-US" sz="1800" b="0" strike="noStrike" spc="-1" dirty="0">
-                <a:solidFill>
-                  <a:srgbClr val="000000"/>
-                </a:solidFill>
-                <a:latin typeface="Calibri"/>
-              </a:rPr>
-              <a:t>30 </a:t>
-            </a:r>
-            <a:r>
-              <a:rPr lang="th-TH" sz="1800" b="0" strike="noStrike" spc="-1" dirty="0">
-                <a:solidFill>
-                  <a:srgbClr val="000000"/>
-                </a:solidFill>
-                <a:latin typeface="Calibri"/>
-              </a:rPr>
-              <a:t>วินาที กล้องก็จะปิดไป</a:t>
-            </a:r>
-            <a:endParaRPr lang="en-US" sz="1800" b="0" strike="noStrike" spc="-1" dirty="0">
+              <a:rPr lang="th-TH" sz="1800" spc="-1" dirty="0">
+                <a:solidFill>
+                  <a:srgbClr val="000000"/>
+                </a:solidFill>
+                <a:latin typeface="Calibri"/>
+              </a:rPr>
+              <a:t>ต้องมีชื่อผู้รับผิดชอบการแพ็คของนี้ </a:t>
+            </a:r>
+            <a:r>
+              <a:rPr lang="en-US" sz="1800" spc="-1" dirty="0">
+                <a:solidFill>
+                  <a:srgbClr val="000000"/>
+                </a:solidFill>
+                <a:latin typeface="Calibri"/>
+              </a:rPr>
+              <a:t>(user)  </a:t>
+            </a:r>
+            <a:r>
+              <a:rPr lang="en-US" sz="1800" spc="-1" dirty="0">
+                <a:solidFill>
+                  <a:srgbClr val="000000"/>
+                </a:solidFill>
+                <a:latin typeface="Calibri"/>
+                <a:sym typeface="Wingdings" panose="05000000000000000000" pitchFamily="2" charset="2"/>
+              </a:rPr>
+              <a:t></a:t>
+            </a:r>
+            <a:r>
+              <a:rPr lang="th-TH" sz="1800" spc="-1" dirty="0">
+                <a:solidFill>
+                  <a:srgbClr val="000000"/>
+                </a:solidFill>
+                <a:latin typeface="Calibri"/>
+                <a:sym typeface="Wingdings" panose="05000000000000000000" pitchFamily="2" charset="2"/>
+              </a:rPr>
+              <a:t>ใช้ </a:t>
+            </a:r>
+            <a:r>
+              <a:rPr lang="en-US" sz="1800" spc="-1" dirty="0">
+                <a:solidFill>
+                  <a:srgbClr val="000000"/>
+                </a:solidFill>
+                <a:latin typeface="Calibri"/>
+                <a:sym typeface="Wingdings" panose="05000000000000000000" pitchFamily="2" charset="2"/>
+              </a:rPr>
+              <a:t>import re </a:t>
+            </a:r>
+            <a:r>
+              <a:rPr lang="th-TH" sz="1800" spc="-1" dirty="0">
+                <a:solidFill>
+                  <a:srgbClr val="000000"/>
+                </a:solidFill>
+                <a:latin typeface="Calibri"/>
+                <a:sym typeface="Wingdings" panose="05000000000000000000" pitchFamily="2" charset="2"/>
+              </a:rPr>
+              <a:t>ในการชี้คำเลือกระหว่าง</a:t>
+            </a:r>
+            <a:r>
+              <a:rPr lang="en-US" sz="1800" spc="-1" dirty="0">
+                <a:solidFill>
+                  <a:srgbClr val="000000"/>
+                </a:solidFill>
+                <a:latin typeface="Calibri"/>
+                <a:sym typeface="Wingdings" panose="05000000000000000000" pitchFamily="2" charset="2"/>
+              </a:rPr>
+              <a:t> </a:t>
+            </a:r>
+            <a:r>
+              <a:rPr lang="en-US" sz="1800" spc="-1" dirty="0" err="1">
+                <a:solidFill>
+                  <a:srgbClr val="000000"/>
+                </a:solidFill>
+                <a:latin typeface="Calibri"/>
+                <a:sym typeface="Wingdings" panose="05000000000000000000" pitchFamily="2" charset="2"/>
+              </a:rPr>
+              <a:t>qr</a:t>
+            </a:r>
+            <a:r>
+              <a:rPr lang="th-TH" sz="1800" spc="-1">
+                <a:solidFill>
+                  <a:srgbClr val="000000"/>
+                </a:solidFill>
+                <a:latin typeface="Calibri"/>
+                <a:sym typeface="Wingdings" panose="05000000000000000000" pitchFamily="2" charset="2"/>
+              </a:rPr>
+              <a:t>ของสินค้า หรือพนักงาน</a:t>
+            </a:r>
+            <a:endParaRPr lang="en-US" sz="1800" spc="-1" dirty="0">
               <a:solidFill>
                 <a:srgbClr val="000000"/>
               </a:solidFill>
@@ -6693,51 +6577,6 @@
               <a:buFont typeface="Arial"/>
               <a:buChar char="•"/>
             </a:pPr>
-            <a:r>
-              <a:rPr lang="th-TH" sz="1800" b="0" strike="noStrike" spc="-1" dirty="0">
-                <a:solidFill>
-                  <a:srgbClr val="000000"/>
-                </a:solidFill>
-                <a:latin typeface="Calibri"/>
-              </a:rPr>
-              <a:t>คนแพ็คของโชว์ </a:t>
-            </a:r>
-            <a:r>
-              <a:rPr lang="en-US" sz="1800" b="0" strike="noStrike" spc="-1" dirty="0">
-                <a:solidFill>
-                  <a:srgbClr val="000000"/>
-                </a:solidFill>
-                <a:latin typeface="Calibri"/>
-              </a:rPr>
-              <a:t>QR code </a:t>
-            </a:r>
-            <a:r>
-              <a:rPr lang="th-TH" sz="1800" b="0" strike="noStrike" spc="-1" dirty="0">
-                <a:solidFill>
-                  <a:srgbClr val="000000"/>
-                </a:solidFill>
-                <a:latin typeface="Calibri"/>
-              </a:rPr>
-              <a:t>ไปที่กล้อง จะมีการบันทึก </a:t>
-            </a:r>
-            <a:r>
-              <a:rPr lang="en-US" sz="1800" b="0" strike="noStrike" spc="-1" dirty="0">
-                <a:solidFill>
-                  <a:srgbClr val="000000"/>
-                </a:solidFill>
-                <a:latin typeface="Calibri"/>
-              </a:rPr>
-              <a:t>QR code </a:t>
-            </a:r>
-            <a:r>
-              <a:rPr lang="th-TH" sz="1800" b="0" strike="noStrike" spc="-1" dirty="0">
-                <a:solidFill>
-                  <a:srgbClr val="000000"/>
-                </a:solidFill>
-                <a:latin typeface="Calibri"/>
-              </a:rPr>
-              <a:t>รอจนไฟสถานะเป็นสีแดง กล้องจะเริ่มอัดวิดิโอ เริ่มแพ็คของได้</a:t>
-            </a:r>
             <a:endParaRPr lang="en-US" sz="1800" b="0" strike="noStrike" spc="-1" dirty="0">
               <a:solidFill>
                 <a:srgbClr val="000000"/>
@@ -6745,333 +6584,14 @@
               <a:latin typeface="Calibri"/>
             </a:endParaRPr>
           </a:p>
-          <a:p>
-            <a:pPr marL="228600" indent="-228240">
-              <a:lnSpc>
-                <a:spcPct val="90000"/>
-              </a:lnSpc>
-              <a:spcBef>
-                <a:spcPts val="1001"/>
-              </a:spcBef>
-              <a:buClr>
-                <a:srgbClr val="000000"/>
-              </a:buClr>
-              <a:buFont typeface="Arial"/>
-              <a:buChar char="•"/>
-            </a:pPr>
-            <a:r>
-              <a:rPr lang="th-TH" sz="1800" b="0" strike="noStrike" spc="-1" dirty="0">
-                <a:solidFill>
-                  <a:srgbClr val="000000"/>
-                </a:solidFill>
-                <a:latin typeface="Calibri"/>
-              </a:rPr>
-              <a:t>เมื่อแพ็คเสร็จสามารถเดินออกมาได้เลย  โดยเมื่อเดินออกมาจากกล้อง กล้องจะจบการบันทึกวิดิโอ</a:t>
-            </a:r>
-            <a:endParaRPr lang="en-US" sz="1800" b="0" strike="noStrike" spc="-1" dirty="0">
-              <a:solidFill>
-                <a:srgbClr val="000000"/>
-              </a:solidFill>
-              <a:latin typeface="Calibri"/>
-            </a:endParaRPr>
-          </a:p>
-          <a:p>
-            <a:pPr marL="228600" indent="-228240">
-              <a:lnSpc>
-                <a:spcPct val="90000"/>
-              </a:lnSpc>
-              <a:spcBef>
-                <a:spcPts val="1001"/>
-              </a:spcBef>
-              <a:buClr>
-                <a:srgbClr val="000000"/>
-              </a:buClr>
-              <a:buFont typeface="Arial"/>
-              <a:buChar char="•"/>
-            </a:pPr>
-            <a:r>
-              <a:rPr lang="th-TH" sz="1800" b="0" strike="noStrike" spc="-1" dirty="0">
-                <a:solidFill>
-                  <a:srgbClr val="000000"/>
-                </a:solidFill>
-                <a:latin typeface="Calibri"/>
-              </a:rPr>
-              <a:t>และในขณะไฟเป็น สีแดงจะเป็นขั้นตอนของ  </a:t>
-            </a:r>
-            <a:r>
-              <a:rPr lang="en-US" sz="1800" b="0" strike="noStrike" spc="-1" dirty="0">
-                <a:solidFill>
-                  <a:srgbClr val="000000"/>
-                </a:solidFill>
-                <a:latin typeface="Calibri"/>
-              </a:rPr>
-              <a:t>process </a:t>
-            </a:r>
-            <a:r>
-              <a:rPr lang="th-TH" sz="1800" b="0" strike="noStrike" spc="-1" dirty="0">
-                <a:solidFill>
-                  <a:srgbClr val="000000"/>
-                </a:solidFill>
-                <a:latin typeface="Calibri"/>
-              </a:rPr>
-              <a:t>ทั้ง </a:t>
-            </a:r>
-            <a:r>
-              <a:rPr lang="en-US" sz="1800" b="0" strike="noStrike" spc="-1" dirty="0">
-                <a:solidFill>
-                  <a:srgbClr val="000000"/>
-                </a:solidFill>
-                <a:latin typeface="Calibri"/>
-              </a:rPr>
-              <a:t>edit video, post </a:t>
-            </a:r>
-          </a:p>
-          <a:p>
-            <a:pPr>
-              <a:lnSpc>
-                <a:spcPct val="90000"/>
-              </a:lnSpc>
-              <a:spcBef>
-                <a:spcPts val="1001"/>
-              </a:spcBef>
-              <a:tabLst>
-                <a:tab pos="0" algn="l"/>
-              </a:tabLst>
-            </a:pPr>
-            <a:r>
-              <a:rPr lang="en-US" sz="1800" b="0" strike="noStrike" spc="-1" dirty="0">
-                <a:solidFill>
-                  <a:srgbClr val="000000"/>
-                </a:solidFill>
-                <a:latin typeface="Calibri"/>
-              </a:rPr>
-              <a:t>		** </a:t>
-            </a:r>
-            <a:r>
-              <a:rPr lang="th-TH" sz="1800" b="0" strike="noStrike" spc="-1" dirty="0">
-                <a:solidFill>
-                  <a:srgbClr val="000000"/>
-                </a:solidFill>
-                <a:latin typeface="Calibri"/>
-              </a:rPr>
-              <a:t>การ </a:t>
-            </a:r>
-            <a:r>
-              <a:rPr lang="en-US" sz="1800" b="0" strike="noStrike" spc="-1" dirty="0">
-                <a:solidFill>
-                  <a:srgbClr val="000000"/>
-                </a:solidFill>
-                <a:latin typeface="Calibri"/>
-              </a:rPr>
-              <a:t>edit video </a:t>
-            </a:r>
-            <a:r>
-              <a:rPr lang="th-TH" sz="1800" b="0" strike="noStrike" spc="-1" dirty="0">
-                <a:solidFill>
-                  <a:srgbClr val="000000"/>
-                </a:solidFill>
-                <a:latin typeface="Calibri"/>
-              </a:rPr>
-              <a:t>สำหรับคนที่ของน้อยใช้เวลาแพ็คไม่ถึง </a:t>
-            </a:r>
-            <a:r>
-              <a:rPr lang="en-US" sz="1800" b="0" strike="noStrike" spc="-1" dirty="0">
-                <a:solidFill>
-                  <a:srgbClr val="000000"/>
-                </a:solidFill>
-                <a:latin typeface="Calibri"/>
-              </a:rPr>
-              <a:t>3 </a:t>
-            </a:r>
-            <a:r>
-              <a:rPr lang="th-TH" sz="1800" b="0" strike="noStrike" spc="-1" dirty="0">
-                <a:solidFill>
-                  <a:srgbClr val="000000"/>
-                </a:solidFill>
-                <a:latin typeface="Calibri"/>
-              </a:rPr>
-              <a:t>นาที อาจจะใช้ คลิปเต็มที่ความเร็วปกติ</a:t>
-            </a:r>
-            <a:endParaRPr lang="en-US" sz="1800" b="0" strike="noStrike" spc="-1" dirty="0">
-              <a:solidFill>
-                <a:srgbClr val="000000"/>
-              </a:solidFill>
-              <a:latin typeface="Calibri"/>
-            </a:endParaRPr>
-          </a:p>
-          <a:p>
-            <a:pPr>
-              <a:lnSpc>
-                <a:spcPct val="90000"/>
-              </a:lnSpc>
-              <a:spcBef>
-                <a:spcPts val="1001"/>
-              </a:spcBef>
-              <a:tabLst>
-                <a:tab pos="0" algn="l"/>
-              </a:tabLst>
-            </a:pPr>
-            <a:r>
-              <a:rPr lang="en-US" sz="1800" b="0" strike="noStrike" spc="-1" dirty="0">
-                <a:solidFill>
-                  <a:srgbClr val="000000"/>
-                </a:solidFill>
-                <a:latin typeface="Calibri"/>
-              </a:rPr>
-              <a:t>	</a:t>
-            </a:r>
-            <a:r>
-              <a:rPr lang="th-TH" sz="1800" b="0" strike="noStrike" spc="-1" dirty="0">
-                <a:solidFill>
-                  <a:srgbClr val="000000"/>
-                </a:solidFill>
-                <a:latin typeface="Calibri"/>
-              </a:rPr>
-              <a:t>	แต่ถ้าการแพ็คใช้เวลามากกว่า </a:t>
-            </a:r>
-            <a:r>
-              <a:rPr lang="en-US" sz="1800" b="0" strike="noStrike" spc="-1" dirty="0">
-                <a:solidFill>
-                  <a:srgbClr val="000000"/>
-                </a:solidFill>
-                <a:latin typeface="Calibri"/>
-              </a:rPr>
-              <a:t>3 </a:t>
-            </a:r>
-            <a:r>
-              <a:rPr lang="th-TH" sz="1800" b="0" strike="noStrike" spc="-1" dirty="0">
-                <a:solidFill>
-                  <a:srgbClr val="000000"/>
-                </a:solidFill>
-                <a:latin typeface="Calibri"/>
-              </a:rPr>
-              <a:t>นาที จะ </a:t>
-            </a:r>
-            <a:r>
-              <a:rPr lang="en-US" sz="1800" b="0" strike="noStrike" spc="-1" dirty="0">
-                <a:solidFill>
-                  <a:srgbClr val="000000"/>
-                </a:solidFill>
-                <a:latin typeface="Calibri"/>
-              </a:rPr>
-              <a:t>timelapse </a:t>
-            </a:r>
-            <a:r>
-              <a:rPr lang="th-TH" sz="1800" b="0" strike="noStrike" spc="-1" dirty="0">
-                <a:solidFill>
-                  <a:srgbClr val="000000"/>
-                </a:solidFill>
-                <a:latin typeface="Calibri"/>
-              </a:rPr>
-              <a:t>ให้คลิปทั้งหมดลงมาอยู่ใน </a:t>
-            </a:r>
-            <a:r>
-              <a:rPr lang="en-US" sz="1800" b="0" strike="noStrike" spc="-1" dirty="0">
-                <a:solidFill>
-                  <a:srgbClr val="000000"/>
-                </a:solidFill>
-                <a:latin typeface="Calibri"/>
-              </a:rPr>
-              <a:t>3 </a:t>
-            </a:r>
-            <a:r>
-              <a:rPr lang="th-TH" sz="1800" b="0" strike="noStrike" spc="-1" dirty="0">
-                <a:solidFill>
-                  <a:srgbClr val="000000"/>
-                </a:solidFill>
-                <a:latin typeface="Calibri"/>
-              </a:rPr>
-              <a:t>นาที ในกรณีที่</a:t>
-            </a:r>
-            <a:endParaRPr lang="en-US" sz="1800" b="0" strike="noStrike" spc="-1" dirty="0">
-              <a:solidFill>
-                <a:srgbClr val="000000"/>
-              </a:solidFill>
-              <a:latin typeface="Calibri"/>
-            </a:endParaRPr>
-          </a:p>
-          <a:p>
-            <a:pPr marL="285750" indent="-285750">
-              <a:lnSpc>
-                <a:spcPct val="90000"/>
-              </a:lnSpc>
-              <a:spcBef>
-                <a:spcPts val="1001"/>
-              </a:spcBef>
-              <a:buFont typeface="Arial" panose="020B0604020202020204" pitchFamily="34" charset="0"/>
-              <a:buChar char="•"/>
-              <a:tabLst>
-                <a:tab pos="0" algn="l"/>
-              </a:tabLst>
-            </a:pPr>
-            <a:r>
-              <a:rPr lang="th-TH" sz="1800" b="0" strike="noStrike" spc="-1" dirty="0">
-                <a:solidFill>
-                  <a:srgbClr val="000000"/>
-                </a:solidFill>
-                <a:latin typeface="Calibri"/>
-                <a:cs typeface="Lucida Sans"/>
-              </a:rPr>
-              <a:t>เมื่อ </a:t>
-            </a:r>
-            <a:r>
-              <a:rPr lang="en-US" sz="1800" b="0" strike="noStrike" spc="-1" dirty="0">
-                <a:solidFill>
-                  <a:srgbClr val="000000"/>
-                </a:solidFill>
-                <a:latin typeface="Calibri"/>
-                <a:ea typeface="Microsoft YaHei"/>
-              </a:rPr>
-              <a:t>process </a:t>
-            </a:r>
-            <a:r>
-              <a:rPr lang="th-TH" sz="1800" b="0" strike="noStrike" spc="-1" dirty="0">
-                <a:solidFill>
-                  <a:srgbClr val="000000"/>
-                </a:solidFill>
-                <a:latin typeface="Calibri"/>
-                <a:cs typeface="Lucida Sans"/>
-              </a:rPr>
-              <a:t>เสร็จ </a:t>
-            </a:r>
-            <a:r>
-              <a:rPr lang="th-TH" sz="1800" b="0" strike="noStrike" spc="-1" dirty="0">
-                <a:solidFill>
-                  <a:srgbClr val="000000"/>
-                </a:solidFill>
-                <a:latin typeface="Calibri"/>
-              </a:rPr>
-              <a:t>ไฟสถานะจะติดทั้งเขียวและแดง แล้วเข้าสู่ลูปเดิม</a:t>
-            </a:r>
-            <a:endParaRPr lang="en-US" sz="1800" b="0" strike="noStrike" spc="-1" dirty="0">
-              <a:solidFill>
-                <a:srgbClr val="000000"/>
-              </a:solidFill>
-              <a:latin typeface="Calibri"/>
-            </a:endParaRPr>
-          </a:p>
-          <a:p>
-            <a:pPr>
-              <a:lnSpc>
-                <a:spcPct val="90000"/>
-              </a:lnSpc>
-              <a:spcBef>
-                <a:spcPts val="1001"/>
-              </a:spcBef>
-              <a:tabLst>
-                <a:tab pos="0" algn="l"/>
-              </a:tabLst>
-            </a:pPr>
-            <a:endParaRPr lang="en-US" sz="2400" b="0" strike="noStrike" spc="-1" dirty="0">
-              <a:solidFill>
-                <a:srgbClr val="000000"/>
-              </a:solidFill>
-              <a:latin typeface="Calibri"/>
-            </a:endParaRPr>
-          </a:p>
         </p:txBody>
       </p:sp>
     </p:spTree>
+    <p:extLst>
+      <p:ext uri="{BB962C8B-B14F-4D97-AF65-F5344CB8AC3E}">
+        <p14:creationId xmlns:p14="http://schemas.microsoft.com/office/powerpoint/2010/main" val="2613750373"/>
+      </p:ext>
+    </p:extLst>
   </p:cSld>
   <p:clrMapOvr>
     <a:masterClrMapping/>
@@ -7098,7 +6618,7 @@
       </p:grpSpPr>
       <p:sp>
         <p:nvSpPr>
-          <p:cNvPr id="116" name="TextShape 1"/>
+          <p:cNvPr id="114" name="TextShape 1"/>
           <p:cNvSpPr txBox="1"/>
           <p:nvPr/>
         </p:nvSpPr>
@@ -7127,32 +6647,32 @@
               </a:lnSpc>
             </a:pPr>
             <a:r>
-              <a:rPr lang="en-US" sz="4400" b="0" strike="noStrike" spc="-1" dirty="0">
+              <a:rPr lang="en-US" sz="4400" b="0" strike="noStrike" spc="-1">
                 <a:solidFill>
                   <a:srgbClr val="000000"/>
                 </a:solidFill>
                 <a:latin typeface="Calibri Light"/>
               </a:rPr>
-              <a:t>Code feature</a:t>
-            </a:r>
-            <a:endParaRPr lang="en-US" sz="4400" b="0" strike="noStrike" spc="-1" dirty="0">
-              <a:solidFill>
-                <a:srgbClr val="000000"/>
-              </a:solidFill>
-              <a:latin typeface="Calibri"/>
-            </a:endParaRPr>
-          </a:p>
-        </p:txBody>
-      </p:sp>
-      <p:sp>
-        <p:nvSpPr>
-          <p:cNvPr id="117" name="TextShape 2"/>
+              <a:t>step</a:t>
+            </a:r>
+            <a:endParaRPr lang="en-US" sz="4400" b="0" strike="noStrike" spc="-1">
+              <a:solidFill>
+                <a:srgbClr val="000000"/>
+              </a:solidFill>
+              <a:latin typeface="Calibri"/>
+            </a:endParaRPr>
+          </a:p>
+        </p:txBody>
+      </p:sp>
+      <p:sp>
+        <p:nvSpPr>
+          <p:cNvPr id="115" name="TextShape 2"/>
           <p:cNvSpPr txBox="1"/>
           <p:nvPr/>
         </p:nvSpPr>
         <p:spPr>
           <a:xfrm>
-            <a:off x="838080" y="1349639"/>
+            <a:off x="838080" y="1349640"/>
             <a:ext cx="10515240" cy="4350960"/>
           </a:xfrm>
           <a:prstGeom prst="rect">
@@ -7165,238 +6685,709 @@
         </p:spPr>
         <p:txBody>
           <a:bodyPr>
-            <a:normAutofit/>
-          </a:bodyPr>
-          <a:lstStyle/>
+            <a:normAutofit fontScale="96500"/>
+          </a:bodyPr>
+          <a:lstStyle/>
+          <a:p>
+            <a:pPr marL="228600" indent="-228240">
+              <a:lnSpc>
+                <a:spcPct val="90000"/>
+              </a:lnSpc>
+              <a:spcBef>
+                <a:spcPts val="1001"/>
+              </a:spcBef>
+              <a:buClr>
+                <a:srgbClr val="000000"/>
+              </a:buClr>
+              <a:buFont typeface="Arial"/>
+              <a:buChar char="•"/>
+            </a:pPr>
+            <a:r>
+              <a:rPr lang="th-TH" sz="1800" b="0" strike="noStrike" spc="-1" dirty="0">
+                <a:solidFill>
+                  <a:srgbClr val="000000"/>
+                </a:solidFill>
+                <a:latin typeface="Calibri"/>
+              </a:rPr>
+              <a:t>ระบบเป็นระบบ </a:t>
+            </a:r>
+            <a:r>
+              <a:rPr lang="en-US" sz="1800" b="0" strike="noStrike" spc="-1" dirty="0">
+                <a:solidFill>
+                  <a:srgbClr val="000000"/>
+                </a:solidFill>
+                <a:latin typeface="Calibri"/>
+              </a:rPr>
+              <a:t>auto </a:t>
+            </a:r>
+            <a:r>
+              <a:rPr lang="th-TH" sz="1800" b="0" strike="noStrike" spc="-1" dirty="0">
+                <a:solidFill>
+                  <a:srgbClr val="000000"/>
+                </a:solidFill>
+                <a:latin typeface="Calibri"/>
+              </a:rPr>
+              <a:t>ทั้งหมด</a:t>
+            </a:r>
+            <a:endParaRPr lang="en-US" sz="1800" b="0" strike="noStrike" spc="-1" dirty="0">
+              <a:solidFill>
+                <a:srgbClr val="000000"/>
+              </a:solidFill>
+              <a:latin typeface="Calibri"/>
+            </a:endParaRPr>
+          </a:p>
+          <a:p>
+            <a:pPr marL="228600" indent="-228240">
+              <a:lnSpc>
+                <a:spcPct val="90000"/>
+              </a:lnSpc>
+              <a:spcBef>
+                <a:spcPts val="1001"/>
+              </a:spcBef>
+              <a:buClr>
+                <a:srgbClr val="000000"/>
+              </a:buClr>
+              <a:buFont typeface="Arial"/>
+              <a:buChar char="•"/>
+            </a:pPr>
+            <a:r>
+              <a:rPr lang="th-TH" sz="1800" b="0" strike="noStrike" spc="-1" dirty="0">
+                <a:solidFill>
+                  <a:srgbClr val="000000"/>
+                </a:solidFill>
+                <a:latin typeface="Calibri"/>
+              </a:rPr>
+              <a:t>พื้นที่ยังไงก็ได้ กล้องมุมไหนก็ได้ แต่ต้องเป็นมุมเดิมที่ไม่มีการเปลี่ยน </a:t>
+            </a:r>
+            <a:r>
+              <a:rPr lang="en-US" sz="1800" b="0" strike="noStrike" spc="-1" dirty="0">
+                <a:solidFill>
+                  <a:srgbClr val="000000"/>
+                </a:solidFill>
+                <a:latin typeface="Calibri"/>
+              </a:rPr>
+              <a:t>background</a:t>
+            </a:r>
+          </a:p>
+          <a:p>
+            <a:pPr marL="228600" indent="-228240">
+              <a:lnSpc>
+                <a:spcPct val="90000"/>
+              </a:lnSpc>
+              <a:spcBef>
+                <a:spcPts val="1001"/>
+              </a:spcBef>
+              <a:buClr>
+                <a:srgbClr val="000000"/>
+              </a:buClr>
+              <a:buFont typeface="Arial"/>
+              <a:buChar char="•"/>
+            </a:pPr>
+            <a:r>
+              <a:rPr lang="th-TH" sz="1800" b="0" strike="noStrike" spc="-1" dirty="0">
+                <a:solidFill>
+                  <a:srgbClr val="000000"/>
+                </a:solidFill>
+                <a:latin typeface="Calibri"/>
+              </a:rPr>
+              <a:t>เปิดระบบ </a:t>
+            </a:r>
+            <a:r>
+              <a:rPr lang="en-US" sz="1800" b="0" strike="noStrike" spc="-1" dirty="0">
+                <a:solidFill>
+                  <a:srgbClr val="000000"/>
+                </a:solidFill>
+                <a:latin typeface="Calibri"/>
+              </a:rPr>
+              <a:t>raspberry </a:t>
+            </a:r>
+            <a:r>
+              <a:rPr lang="th-TH" sz="1800" b="0" strike="noStrike" spc="-1" dirty="0">
+                <a:solidFill>
+                  <a:srgbClr val="000000"/>
+                </a:solidFill>
+                <a:latin typeface="Calibri"/>
+              </a:rPr>
+              <a:t>ครั้งแรกจะมี </a:t>
+            </a:r>
+            <a:r>
+              <a:rPr lang="en-US" sz="1800" b="0" strike="noStrike" spc="-1" dirty="0">
+                <a:solidFill>
+                  <a:srgbClr val="000000"/>
+                </a:solidFill>
+                <a:latin typeface="Calibri"/>
+              </a:rPr>
+              <a:t>process </a:t>
+            </a:r>
+            <a:r>
+              <a:rPr lang="th-TH" sz="1800" b="0" strike="noStrike" spc="-1" dirty="0">
+                <a:solidFill>
+                  <a:srgbClr val="000000"/>
+                </a:solidFill>
+                <a:latin typeface="Calibri"/>
+              </a:rPr>
+              <a:t>ซักครู่โดยจะมีไฟสถานะเป็นสีแดงบอก ก่อนจะรอ </a:t>
+            </a:r>
+            <a:r>
+              <a:rPr lang="en-US" sz="1800" b="0" strike="noStrike" spc="-1" dirty="0">
+                <a:solidFill>
+                  <a:srgbClr val="000000"/>
+                </a:solidFill>
+                <a:latin typeface="Calibri"/>
+              </a:rPr>
+              <a:t>input </a:t>
+            </a:r>
+            <a:r>
+              <a:rPr lang="th-TH" sz="1800" b="0" strike="noStrike" spc="-1" dirty="0">
+                <a:solidFill>
+                  <a:srgbClr val="000000"/>
+                </a:solidFill>
+                <a:latin typeface="Calibri"/>
+              </a:rPr>
+              <a:t>จาก </a:t>
+            </a:r>
+            <a:r>
+              <a:rPr lang="en-US" sz="1800" b="0" strike="noStrike" spc="-1" dirty="0" err="1">
+                <a:solidFill>
+                  <a:srgbClr val="000000"/>
+                </a:solidFill>
+                <a:latin typeface="Calibri"/>
+              </a:rPr>
+              <a:t>pir</a:t>
+            </a:r>
+            <a:r>
+              <a:rPr lang="en-US" sz="1800" b="0" strike="noStrike" spc="-1" dirty="0">
+                <a:solidFill>
+                  <a:srgbClr val="000000"/>
+                </a:solidFill>
+                <a:latin typeface="Calibri"/>
+              </a:rPr>
+              <a:t> </a:t>
+            </a:r>
+            <a:r>
+              <a:rPr lang="th-TH" sz="1800" b="0" strike="noStrike" spc="-1" dirty="0">
+                <a:solidFill>
+                  <a:srgbClr val="000000"/>
+                </a:solidFill>
+                <a:latin typeface="Calibri"/>
+              </a:rPr>
+              <a:t>ตรงนี้ไฟสถานะจะติดทั้งเขียวและแดง</a:t>
+            </a:r>
+            <a:endParaRPr lang="en-US" sz="1800" b="0" strike="noStrike" spc="-1" dirty="0">
+              <a:solidFill>
+                <a:srgbClr val="000000"/>
+              </a:solidFill>
+              <a:latin typeface="Calibri"/>
+            </a:endParaRPr>
+          </a:p>
+          <a:p>
+            <a:pPr marL="228600" indent="-228240">
+              <a:lnSpc>
+                <a:spcPct val="90000"/>
+              </a:lnSpc>
+              <a:spcBef>
+                <a:spcPts val="1001"/>
+              </a:spcBef>
+              <a:buClr>
+                <a:srgbClr val="000000"/>
+              </a:buClr>
+              <a:buFont typeface="Arial"/>
+              <a:buChar char="•"/>
+            </a:pPr>
+            <a:r>
+              <a:rPr lang="th-TH" sz="1800" b="0" strike="noStrike" spc="-1" dirty="0">
+                <a:solidFill>
+                  <a:srgbClr val="000000"/>
+                </a:solidFill>
+                <a:latin typeface="Calibri"/>
+              </a:rPr>
+              <a:t>คนแพ็คของเดินเข้ามาอยู่หน้ากล้อง </a:t>
+            </a:r>
+            <a:r>
+              <a:rPr lang="en-US" sz="1800" b="0" strike="noStrike" spc="-1" dirty="0">
+                <a:solidFill>
+                  <a:srgbClr val="000000"/>
+                </a:solidFill>
+                <a:latin typeface="Calibri"/>
+              </a:rPr>
+              <a:t>PIR </a:t>
+            </a:r>
+            <a:r>
+              <a:rPr lang="th-TH" sz="1800" b="0" strike="noStrike" spc="-1" dirty="0">
+                <a:solidFill>
+                  <a:srgbClr val="000000"/>
+                </a:solidFill>
+                <a:latin typeface="Calibri"/>
+              </a:rPr>
+              <a:t>จะ </a:t>
+            </a:r>
+            <a:r>
+              <a:rPr lang="en-US" sz="1800" b="0" strike="noStrike" spc="-1" dirty="0">
+                <a:solidFill>
+                  <a:srgbClr val="000000"/>
+                </a:solidFill>
+                <a:latin typeface="Calibri"/>
+              </a:rPr>
+              <a:t>detect </a:t>
+            </a:r>
+            <a:r>
+              <a:rPr lang="th-TH" sz="1800" b="0" strike="noStrike" spc="-1" dirty="0">
+                <a:solidFill>
+                  <a:srgbClr val="000000"/>
+                </a:solidFill>
+                <a:latin typeface="Calibri"/>
+              </a:rPr>
+              <a:t>แล้วทำการเปิดกล้อง ไฟแสดงสถานะสีเขียวกล้องเปิด กล้องจะรอ </a:t>
+            </a:r>
+            <a:r>
+              <a:rPr lang="en-US" sz="1800" b="0" strike="noStrike" spc="-1" dirty="0">
+                <a:solidFill>
+                  <a:srgbClr val="000000"/>
+                </a:solidFill>
+                <a:latin typeface="Calibri"/>
+              </a:rPr>
+              <a:t>QR code </a:t>
+            </a:r>
+            <a:r>
+              <a:rPr lang="th-TH" sz="1800" b="0" strike="noStrike" spc="-1" dirty="0">
+                <a:solidFill>
+                  <a:srgbClr val="000000"/>
+                </a:solidFill>
+                <a:latin typeface="Calibri"/>
+              </a:rPr>
+              <a:t>กรณีที่มีใครเข้ามาในพื้นที่โดยบังเอิญ กล้องจะเปิดขึ้นมา แต่ถ้าไม่มีการ </a:t>
+            </a:r>
+            <a:r>
+              <a:rPr lang="en-US" sz="1800" b="0" strike="noStrike" spc="-1" dirty="0">
+                <a:solidFill>
+                  <a:srgbClr val="000000"/>
+                </a:solidFill>
+                <a:latin typeface="Calibri"/>
+              </a:rPr>
+              <a:t>scan QR </a:t>
+            </a:r>
+            <a:r>
+              <a:rPr lang="th-TH" sz="1800" b="0" strike="noStrike" spc="-1" dirty="0">
+                <a:solidFill>
+                  <a:srgbClr val="000000"/>
+                </a:solidFill>
+                <a:latin typeface="Calibri"/>
+              </a:rPr>
+              <a:t>ใน</a:t>
+            </a:r>
+            <a:r>
+              <a:rPr lang="en-US" sz="1800" b="0" strike="noStrike" spc="-1" dirty="0">
+                <a:solidFill>
+                  <a:srgbClr val="000000"/>
+                </a:solidFill>
+                <a:latin typeface="Calibri"/>
+              </a:rPr>
+              <a:t>30 </a:t>
+            </a:r>
+            <a:r>
+              <a:rPr lang="th-TH" sz="1800" b="0" strike="noStrike" spc="-1" dirty="0">
+                <a:solidFill>
+                  <a:srgbClr val="000000"/>
+                </a:solidFill>
+                <a:latin typeface="Calibri"/>
+              </a:rPr>
+              <a:t>วินาที กล้องก็จะปิดไป</a:t>
+            </a:r>
+            <a:endParaRPr lang="en-US" sz="1800" b="0" strike="noStrike" spc="-1" dirty="0">
+              <a:solidFill>
+                <a:srgbClr val="000000"/>
+              </a:solidFill>
+              <a:latin typeface="Calibri"/>
+            </a:endParaRPr>
+          </a:p>
+          <a:p>
+            <a:pPr marL="228600" indent="-228240">
+              <a:lnSpc>
+                <a:spcPct val="90000"/>
+              </a:lnSpc>
+              <a:spcBef>
+                <a:spcPts val="1001"/>
+              </a:spcBef>
+              <a:buClr>
+                <a:srgbClr val="000000"/>
+              </a:buClr>
+              <a:buFont typeface="Arial"/>
+              <a:buChar char="•"/>
+            </a:pPr>
+            <a:r>
+              <a:rPr lang="th-TH" sz="1800" b="0" strike="noStrike" spc="-1" dirty="0">
+                <a:solidFill>
+                  <a:srgbClr val="000000"/>
+                </a:solidFill>
+                <a:latin typeface="Calibri"/>
+              </a:rPr>
+              <a:t>คนแพ็คของโชว์ </a:t>
+            </a:r>
+            <a:r>
+              <a:rPr lang="en-US" sz="1800" b="0" strike="noStrike" spc="-1" dirty="0">
+                <a:solidFill>
+                  <a:srgbClr val="000000"/>
+                </a:solidFill>
+                <a:latin typeface="Calibri"/>
+              </a:rPr>
+              <a:t>QR code </a:t>
+            </a:r>
+            <a:r>
+              <a:rPr lang="th-TH" sz="1800" b="0" strike="noStrike" spc="-1" dirty="0">
+                <a:solidFill>
+                  <a:srgbClr val="000000"/>
+                </a:solidFill>
+                <a:latin typeface="Calibri"/>
+              </a:rPr>
+              <a:t>ไปที่กล้อง จะมีการบันทึก </a:t>
+            </a:r>
+            <a:r>
+              <a:rPr lang="en-US" sz="1800" b="0" strike="noStrike" spc="-1" dirty="0">
+                <a:solidFill>
+                  <a:srgbClr val="000000"/>
+                </a:solidFill>
+                <a:latin typeface="Calibri"/>
+              </a:rPr>
+              <a:t>QR code </a:t>
+            </a:r>
+            <a:r>
+              <a:rPr lang="th-TH" sz="1800" b="0" strike="noStrike" spc="-1" dirty="0">
+                <a:solidFill>
+                  <a:srgbClr val="000000"/>
+                </a:solidFill>
+                <a:latin typeface="Calibri"/>
+              </a:rPr>
+              <a:t>รอจนไฟสถานะเป็นสีแดง กล้องจะเริ่มอัดวิดิโอ เริ่มแพ็คของได้</a:t>
+            </a:r>
+            <a:endParaRPr lang="en-US" sz="1800" b="0" strike="noStrike" spc="-1" dirty="0">
+              <a:solidFill>
+                <a:srgbClr val="000000"/>
+              </a:solidFill>
+              <a:latin typeface="Calibri"/>
+            </a:endParaRPr>
+          </a:p>
+          <a:p>
+            <a:pPr marL="228600" indent="-228240">
+              <a:lnSpc>
+                <a:spcPct val="90000"/>
+              </a:lnSpc>
+              <a:spcBef>
+                <a:spcPts val="1001"/>
+              </a:spcBef>
+              <a:buClr>
+                <a:srgbClr val="000000"/>
+              </a:buClr>
+              <a:buFont typeface="Arial"/>
+              <a:buChar char="•"/>
+            </a:pPr>
+            <a:r>
+              <a:rPr lang="th-TH" sz="1800" b="0" strike="noStrike" spc="-1" dirty="0">
+                <a:solidFill>
+                  <a:srgbClr val="000000"/>
+                </a:solidFill>
+                <a:latin typeface="Calibri"/>
+              </a:rPr>
+              <a:t>เมื่อแพ็คเสร็จสามารถเดินออกมาได้เลย  โดยเมื่อเดินออกมาจากกล้อง กล้องจะจบการบันทึกวิดิโอ</a:t>
+            </a:r>
+            <a:endParaRPr lang="en-US" sz="1800" b="0" strike="noStrike" spc="-1" dirty="0">
+              <a:solidFill>
+                <a:srgbClr val="000000"/>
+              </a:solidFill>
+              <a:latin typeface="Calibri"/>
+            </a:endParaRPr>
+          </a:p>
+          <a:p>
+            <a:pPr marL="228600" indent="-228240">
+              <a:lnSpc>
+                <a:spcPct val="90000"/>
+              </a:lnSpc>
+              <a:spcBef>
+                <a:spcPts val="1001"/>
+              </a:spcBef>
+              <a:buClr>
+                <a:srgbClr val="000000"/>
+              </a:buClr>
+              <a:buFont typeface="Arial"/>
+              <a:buChar char="•"/>
+            </a:pPr>
+            <a:r>
+              <a:rPr lang="th-TH" sz="1800" b="0" strike="noStrike" spc="-1" dirty="0">
+                <a:solidFill>
+                  <a:srgbClr val="000000"/>
+                </a:solidFill>
+                <a:latin typeface="Calibri"/>
+              </a:rPr>
+              <a:t>และในขณะไฟเป็น สีแดงจะเป็นขั้นตอนของ  </a:t>
+            </a:r>
+            <a:r>
+              <a:rPr lang="en-US" sz="1800" b="0" strike="noStrike" spc="-1" dirty="0">
+                <a:solidFill>
+                  <a:srgbClr val="000000"/>
+                </a:solidFill>
+                <a:latin typeface="Calibri"/>
+              </a:rPr>
+              <a:t>process </a:t>
+            </a:r>
+            <a:r>
+              <a:rPr lang="th-TH" sz="1800" b="0" strike="noStrike" spc="-1" dirty="0">
+                <a:solidFill>
+                  <a:srgbClr val="000000"/>
+                </a:solidFill>
+                <a:latin typeface="Calibri"/>
+              </a:rPr>
+              <a:t>ทั้ง </a:t>
+            </a:r>
+            <a:r>
+              <a:rPr lang="en-US" sz="1800" b="0" strike="noStrike" spc="-1" dirty="0">
+                <a:solidFill>
+                  <a:srgbClr val="000000"/>
+                </a:solidFill>
+                <a:latin typeface="Calibri"/>
+              </a:rPr>
+              <a:t>edit video, post </a:t>
+            </a:r>
+          </a:p>
+          <a:p>
+            <a:pPr>
+              <a:lnSpc>
+                <a:spcPct val="90000"/>
+              </a:lnSpc>
+              <a:spcBef>
+                <a:spcPts val="1001"/>
+              </a:spcBef>
+              <a:tabLst>
+                <a:tab pos="0" algn="l"/>
+              </a:tabLst>
+            </a:pPr>
+            <a:r>
+              <a:rPr lang="en-US" sz="1800" b="0" strike="noStrike" spc="-1" dirty="0">
+                <a:solidFill>
+                  <a:srgbClr val="000000"/>
+                </a:solidFill>
+                <a:latin typeface="Calibri"/>
+              </a:rPr>
+              <a:t>		** </a:t>
+            </a:r>
+            <a:r>
+              <a:rPr lang="th-TH" sz="1800" b="0" strike="noStrike" spc="-1" dirty="0">
+                <a:solidFill>
+                  <a:srgbClr val="000000"/>
+                </a:solidFill>
+                <a:latin typeface="Calibri"/>
+              </a:rPr>
+              <a:t>การ </a:t>
+            </a:r>
+            <a:r>
+              <a:rPr lang="en-US" sz="1800" b="0" strike="noStrike" spc="-1" dirty="0">
+                <a:solidFill>
+                  <a:srgbClr val="000000"/>
+                </a:solidFill>
+                <a:latin typeface="Calibri"/>
+              </a:rPr>
+              <a:t>edit video </a:t>
+            </a:r>
+            <a:r>
+              <a:rPr lang="th-TH" sz="1800" b="0" strike="noStrike" spc="-1" dirty="0">
+                <a:solidFill>
+                  <a:srgbClr val="000000"/>
+                </a:solidFill>
+                <a:latin typeface="Calibri"/>
+              </a:rPr>
+              <a:t>สำหรับคนที่ของน้อยใช้เวลาแพ็คไม่ถึง </a:t>
+            </a:r>
+            <a:r>
+              <a:rPr lang="en-US" sz="1800" b="0" strike="noStrike" spc="-1" dirty="0">
+                <a:solidFill>
+                  <a:srgbClr val="000000"/>
+                </a:solidFill>
+                <a:latin typeface="Calibri"/>
+              </a:rPr>
+              <a:t>3 </a:t>
+            </a:r>
+            <a:r>
+              <a:rPr lang="th-TH" sz="1800" b="0" strike="noStrike" spc="-1" dirty="0">
+                <a:solidFill>
+                  <a:srgbClr val="000000"/>
+                </a:solidFill>
+                <a:latin typeface="Calibri"/>
+              </a:rPr>
+              <a:t>นาที อาจจะใช้ คลิปเต็มที่ความเร็วปกติ</a:t>
+            </a:r>
+            <a:endParaRPr lang="en-US" sz="1800" b="0" strike="noStrike" spc="-1" dirty="0">
+              <a:solidFill>
+                <a:srgbClr val="000000"/>
+              </a:solidFill>
+              <a:latin typeface="Calibri"/>
+            </a:endParaRPr>
+          </a:p>
+          <a:p>
+            <a:pPr>
+              <a:lnSpc>
+                <a:spcPct val="90000"/>
+              </a:lnSpc>
+              <a:spcBef>
+                <a:spcPts val="1001"/>
+              </a:spcBef>
+              <a:tabLst>
+                <a:tab pos="0" algn="l"/>
+              </a:tabLst>
+            </a:pPr>
+            <a:r>
+              <a:rPr lang="en-US" sz="1800" b="0" strike="noStrike" spc="-1" dirty="0">
+                <a:solidFill>
+                  <a:srgbClr val="000000"/>
+                </a:solidFill>
+                <a:latin typeface="Calibri"/>
+              </a:rPr>
+              <a:t>	</a:t>
+            </a:r>
+            <a:r>
+              <a:rPr lang="th-TH" sz="1800" b="0" strike="noStrike" spc="-1" dirty="0">
+                <a:solidFill>
+                  <a:srgbClr val="000000"/>
+                </a:solidFill>
+                <a:latin typeface="Calibri"/>
+              </a:rPr>
+              <a:t>	แต่ถ้าการแพ็คใช้เวลามากกว่า </a:t>
+            </a:r>
+            <a:r>
+              <a:rPr lang="en-US" sz="1800" b="0" strike="noStrike" spc="-1" dirty="0">
+                <a:solidFill>
+                  <a:srgbClr val="000000"/>
+                </a:solidFill>
+                <a:latin typeface="Calibri"/>
+              </a:rPr>
+              <a:t>3 </a:t>
+            </a:r>
+            <a:r>
+              <a:rPr lang="th-TH" sz="1800" b="0" strike="noStrike" spc="-1" dirty="0">
+                <a:solidFill>
+                  <a:srgbClr val="000000"/>
+                </a:solidFill>
+                <a:latin typeface="Calibri"/>
+              </a:rPr>
+              <a:t>นาที จะ </a:t>
+            </a:r>
+            <a:r>
+              <a:rPr lang="en-US" sz="1800" b="0" strike="noStrike" spc="-1" dirty="0">
+                <a:solidFill>
+                  <a:srgbClr val="000000"/>
+                </a:solidFill>
+                <a:latin typeface="Calibri"/>
+              </a:rPr>
+              <a:t>timelapse </a:t>
+            </a:r>
+            <a:r>
+              <a:rPr lang="th-TH" sz="1800" b="0" strike="noStrike" spc="-1" dirty="0">
+                <a:solidFill>
+                  <a:srgbClr val="000000"/>
+                </a:solidFill>
+                <a:latin typeface="Calibri"/>
+              </a:rPr>
+              <a:t>ให้คลิปทั้งหมดลงมาอยู่ใน </a:t>
+            </a:r>
+            <a:r>
+              <a:rPr lang="en-US" sz="1800" b="0" strike="noStrike" spc="-1" dirty="0">
+                <a:solidFill>
+                  <a:srgbClr val="000000"/>
+                </a:solidFill>
+                <a:latin typeface="Calibri"/>
+              </a:rPr>
+              <a:t>3 </a:t>
+            </a:r>
+            <a:r>
+              <a:rPr lang="th-TH" sz="1800" b="0" strike="noStrike" spc="-1" dirty="0">
+                <a:solidFill>
+                  <a:srgbClr val="000000"/>
+                </a:solidFill>
+                <a:latin typeface="Calibri"/>
+              </a:rPr>
+              <a:t>นาที ในกรณีที่</a:t>
+            </a:r>
+            <a:endParaRPr lang="en-US" sz="1800" b="0" strike="noStrike" spc="-1" dirty="0">
+              <a:solidFill>
+                <a:srgbClr val="000000"/>
+              </a:solidFill>
+              <a:latin typeface="Calibri"/>
+            </a:endParaRPr>
+          </a:p>
           <a:p>
             <a:pPr marL="285750" indent="-285750">
+              <a:lnSpc>
+                <a:spcPct val="90000"/>
+              </a:lnSpc>
+              <a:spcBef>
+                <a:spcPts val="1001"/>
+              </a:spcBef>
               <a:buFont typeface="Arial" panose="020B0604020202020204" pitchFamily="34" charset="0"/>
               <a:buChar char="•"/>
+              <a:tabLst>
+                <a:tab pos="0" algn="l"/>
+              </a:tabLst>
             </a:pPr>
             <a:r>
-              <a:rPr lang="en-US" sz="1600" b="0" strike="noStrike" spc="-1" dirty="0">
-                <a:latin typeface="JetBrains Mono"/>
-                <a:ea typeface="JetBrains Mono"/>
-              </a:rPr>
-              <a:t>create path </a:t>
-            </a:r>
-            <a:r>
-              <a:rPr lang="en-US" sz="1600" b="0" strike="noStrike" spc="-1" dirty="0" err="1">
-                <a:latin typeface="JetBrains Mono"/>
-                <a:ea typeface="JetBrains Mono"/>
-              </a:rPr>
-              <a:t>dir</a:t>
-            </a:r>
-            <a:endParaRPr lang="en-US" sz="1600" b="0" strike="noStrike" spc="-1" dirty="0">
-              <a:latin typeface="JetBrains Mono"/>
-              <a:ea typeface="JetBrains Mono"/>
-            </a:endParaRPr>
-          </a:p>
-          <a:p>
-            <a:pPr marL="285750" indent="-285750">
-              <a:buFont typeface="Arial" panose="020B0604020202020204" pitchFamily="34" charset="0"/>
-              <a:buChar char="•"/>
+              <a:rPr lang="th-TH" sz="1800" b="0" strike="noStrike" spc="-1" dirty="0">
+                <a:solidFill>
+                  <a:srgbClr val="000000"/>
+                </a:solidFill>
+                <a:latin typeface="Calibri"/>
+                <a:cs typeface="Lucida Sans"/>
+              </a:rPr>
+              <a:t>เมื่อ </a:t>
+            </a:r>
+            <a:r>
+              <a:rPr lang="en-US" sz="1800" b="0" strike="noStrike" spc="-1" dirty="0">
+                <a:solidFill>
+                  <a:srgbClr val="000000"/>
+                </a:solidFill>
+                <a:latin typeface="Calibri"/>
+                <a:ea typeface="Microsoft YaHei"/>
+              </a:rPr>
+              <a:t>process </a:t>
+            </a:r>
+            <a:r>
+              <a:rPr lang="th-TH" sz="1800" b="0" strike="noStrike" spc="-1" dirty="0">
+                <a:solidFill>
+                  <a:srgbClr val="000000"/>
+                </a:solidFill>
+                <a:latin typeface="Calibri"/>
+                <a:cs typeface="Lucida Sans"/>
+              </a:rPr>
+              <a:t>เสร็จ </a:t>
+            </a:r>
+            <a:r>
+              <a:rPr lang="th-TH" sz="1800" b="0" strike="noStrike" spc="-1" dirty="0">
+                <a:solidFill>
+                  <a:srgbClr val="000000"/>
+                </a:solidFill>
+                <a:latin typeface="Calibri"/>
+              </a:rPr>
+              <a:t>ไฟสถานะจะติดทั้งเขียวและแดง แล้วเข้าสู่ลูปเดิม</a:t>
+            </a:r>
+            <a:endParaRPr lang="en-US" sz="1800" b="0" strike="noStrike" spc="-1" dirty="0">
+              <a:solidFill>
+                <a:srgbClr val="000000"/>
+              </a:solidFill>
+              <a:latin typeface="Calibri"/>
+            </a:endParaRPr>
+          </a:p>
+          <a:p>
+            <a:pPr>
+              <a:lnSpc>
+                <a:spcPct val="90000"/>
+              </a:lnSpc>
+              <a:spcBef>
+                <a:spcPts val="1001"/>
+              </a:spcBef>
+              <a:tabLst>
+                <a:tab pos="0" algn="l"/>
+              </a:tabLst>
             </a:pPr>
-            <a:r>
-              <a:rPr lang="en-US" sz="1600" b="0" strike="noStrike" spc="-1" dirty="0">
-                <a:latin typeface="JetBrains Mono"/>
-                <a:ea typeface="JetBrains Mono"/>
-              </a:rPr>
-              <a:t>get background image</a:t>
-            </a:r>
-          </a:p>
-          <a:p>
-            <a:pPr marL="285750" indent="-285750">
-              <a:buFont typeface="Arial" panose="020B0604020202020204" pitchFamily="34" charset="0"/>
-              <a:buChar char="•"/>
-            </a:pPr>
-            <a:r>
-              <a:rPr lang="en-US" sz="1600" b="0" strike="noStrike" spc="-1" dirty="0">
-                <a:latin typeface="JetBrains Mono"/>
-                <a:ea typeface="JetBrains Mono"/>
-              </a:rPr>
-              <a:t>wait input to turn on camera</a:t>
-            </a:r>
-          </a:p>
-          <a:p>
-            <a:pPr marL="285750" indent="-285750">
-              <a:buFont typeface="Arial" panose="020B0604020202020204" pitchFamily="34" charset="0"/>
-              <a:buChar char="•"/>
-            </a:pPr>
-            <a:r>
-              <a:rPr lang="en-US" sz="1600" b="0" strike="noStrike" spc="-1" dirty="0">
-                <a:latin typeface="JetBrains Mono"/>
-                <a:ea typeface="JetBrains Mono"/>
-              </a:rPr>
-              <a:t>decode </a:t>
-            </a:r>
-            <a:r>
-              <a:rPr lang="en-US" sz="1600" b="0" strike="noStrike" spc="-1" dirty="0" err="1">
-                <a:latin typeface="JetBrains Mono"/>
-                <a:ea typeface="JetBrains Mono"/>
-              </a:rPr>
-              <a:t>qr</a:t>
-            </a:r>
-            <a:endParaRPr lang="en-US" sz="1600" b="0" strike="noStrike" spc="-1" dirty="0">
-              <a:latin typeface="JetBrains Mono"/>
-              <a:ea typeface="JetBrains Mono"/>
-            </a:endParaRPr>
-          </a:p>
-          <a:p>
-            <a:pPr marL="285750" indent="-285750">
-              <a:buFont typeface="Arial" panose="020B0604020202020204" pitchFamily="34" charset="0"/>
-              <a:buChar char="•"/>
-            </a:pPr>
-            <a:r>
-              <a:rPr lang="en-US" sz="1600" b="0" strike="noStrike" spc="-1" dirty="0">
-                <a:latin typeface="JetBrains Mono"/>
-                <a:ea typeface="JetBrains Mono"/>
-              </a:rPr>
-              <a:t>check that </a:t>
-            </a:r>
-            <a:r>
-              <a:rPr lang="en-US" sz="1600" b="0" strike="noStrike" spc="-1" dirty="0" err="1">
-                <a:latin typeface="JetBrains Mono"/>
-                <a:ea typeface="JetBrains Mono"/>
-              </a:rPr>
-              <a:t>qr</a:t>
-            </a:r>
-            <a:r>
-              <a:rPr lang="en-US" sz="1600" b="0" strike="noStrike" spc="-1" dirty="0">
-                <a:latin typeface="JetBrains Mono"/>
-                <a:ea typeface="JetBrains Mono"/>
-              </a:rPr>
-              <a:t> code in 3 sec is same</a:t>
-            </a:r>
-          </a:p>
-          <a:p>
-            <a:pPr marL="285750" indent="-285750">
-              <a:buFont typeface="Arial" panose="020B0604020202020204" pitchFamily="34" charset="0"/>
-              <a:buChar char="•"/>
-            </a:pPr>
-            <a:r>
-              <a:rPr lang="en-US" sz="1600" b="0" strike="noStrike" spc="-1" dirty="0">
-                <a:latin typeface="JetBrains Mono"/>
-                <a:ea typeface="JetBrains Mono"/>
-              </a:rPr>
-              <a:t>save </a:t>
-            </a:r>
-            <a:r>
-              <a:rPr lang="en-US" sz="1600" b="0" strike="noStrike" spc="-1" dirty="0" err="1">
-                <a:latin typeface="JetBrains Mono"/>
-                <a:ea typeface="JetBrains Mono"/>
-              </a:rPr>
-              <a:t>qr</a:t>
-            </a:r>
-            <a:r>
-              <a:rPr lang="en-US" sz="1600" b="0" strike="noStrike" spc="-1" dirty="0">
-                <a:latin typeface="JetBrains Mono"/>
-                <a:ea typeface="JetBrains Mono"/>
-              </a:rPr>
-              <a:t> image</a:t>
-            </a:r>
-          </a:p>
-          <a:p>
-            <a:pPr marL="285750" indent="-285750">
-              <a:buFont typeface="Arial" panose="020B0604020202020204" pitchFamily="34" charset="0"/>
-              <a:buChar char="•"/>
-            </a:pPr>
-            <a:r>
-              <a:rPr lang="en-US" sz="1600" b="0" strike="noStrike" spc="-1" dirty="0">
-                <a:latin typeface="JetBrains Mono"/>
-                <a:ea typeface="JetBrains Mono"/>
-              </a:rPr>
-              <a:t>in 30 sec, if not find any </a:t>
-            </a:r>
-            <a:r>
-              <a:rPr lang="en-US" sz="1600" b="0" strike="noStrike" spc="-1" dirty="0" err="1">
-                <a:latin typeface="JetBrains Mono"/>
-                <a:ea typeface="JetBrains Mono"/>
-              </a:rPr>
-              <a:t>qr</a:t>
-            </a:r>
-            <a:r>
-              <a:rPr lang="en-US" sz="1600" b="0" strike="noStrike" spc="-1" dirty="0">
-                <a:latin typeface="JetBrains Mono"/>
-                <a:ea typeface="JetBrains Mono"/>
-              </a:rPr>
-              <a:t> code it will break</a:t>
-            </a:r>
-          </a:p>
-          <a:p>
-            <a:pPr marL="285750" indent="-285750">
-              <a:buFont typeface="Arial" panose="020B0604020202020204" pitchFamily="34" charset="0"/>
-              <a:buChar char="•"/>
-            </a:pPr>
-            <a:r>
-              <a:rPr lang="en-US" sz="1600" b="0" strike="noStrike" spc="-1" dirty="0">
-                <a:latin typeface="JetBrains Mono"/>
-                <a:ea typeface="JetBrains Mono"/>
-              </a:rPr>
-              <a:t>create video file</a:t>
-            </a:r>
-          </a:p>
-          <a:p>
-            <a:pPr marL="285750" indent="-285750">
-              <a:buFont typeface="Arial" panose="020B0604020202020204" pitchFamily="34" charset="0"/>
-              <a:buChar char="•"/>
-            </a:pPr>
-            <a:r>
-              <a:rPr lang="en-US" sz="1600" b="0" strike="noStrike" spc="-1" dirty="0">
-                <a:latin typeface="JetBrains Mono"/>
-                <a:ea typeface="JetBrains Mono"/>
-              </a:rPr>
-              <a:t>video recording</a:t>
-            </a:r>
-          </a:p>
-          <a:p>
-            <a:pPr marL="285750" indent="-285750">
-              <a:buFont typeface="Arial" panose="020B0604020202020204" pitchFamily="34" charset="0"/>
-              <a:buChar char="•"/>
-            </a:pPr>
-            <a:r>
-              <a:rPr lang="en-US" sz="1600" b="0" strike="noStrike" spc="-1" dirty="0">
-                <a:latin typeface="JetBrains Mono"/>
-                <a:ea typeface="JetBrains Mono"/>
-              </a:rPr>
-              <a:t>check motion to auto video ending. if user leave frame that is the end</a:t>
-            </a:r>
-          </a:p>
-          <a:p>
-            <a:pPr marL="285750" indent="-285750">
-              <a:buFont typeface="Arial" panose="020B0604020202020204" pitchFamily="34" charset="0"/>
-              <a:buChar char="•"/>
-            </a:pPr>
-            <a:r>
-              <a:rPr lang="en-US" sz="1600" b="0" strike="noStrike" spc="-1" dirty="0">
-                <a:latin typeface="JetBrains Mono"/>
-                <a:ea typeface="JetBrains Mono"/>
-              </a:rPr>
-              <a:t>create new and remove old</a:t>
-            </a:r>
-          </a:p>
-          <a:p>
-            <a:pPr marL="285750" indent="-285750">
-              <a:buFont typeface="Arial" panose="020B0604020202020204" pitchFamily="34" charset="0"/>
-              <a:buChar char="•"/>
-            </a:pPr>
-            <a:r>
-              <a:rPr lang="en-US" sz="1600" b="0" strike="noStrike" spc="-1" dirty="0">
-                <a:latin typeface="JetBrains Mono"/>
-                <a:ea typeface="JetBrains Mono"/>
-              </a:rPr>
-              <a:t>post to </a:t>
-            </a:r>
-            <a:r>
-              <a:rPr lang="en-US" sz="1600" b="0" strike="noStrike" spc="-1" dirty="0" err="1">
-                <a:latin typeface="JetBrains Mono"/>
-                <a:ea typeface="JetBrains Mono"/>
-              </a:rPr>
-              <a:t>url</a:t>
-            </a:r>
-            <a:endParaRPr lang="en-US" sz="1600" b="0" strike="noStrike" spc="-1" dirty="0">
-              <a:latin typeface="JetBrains Mono"/>
-              <a:ea typeface="JetBrains Mono"/>
+            <a:endParaRPr lang="en-US" sz="2400" b="0" strike="noStrike" spc="-1" dirty="0">
+              <a:solidFill>
+                <a:srgbClr val="000000"/>
+              </a:solidFill>
+              <a:latin typeface="Calibri"/>
             </a:endParaRPr>
           </a:p>
         </p:txBody>
@@ -7410,6 +7401,336 @@
 </file>
 
 <file path=ppt/slides/slide6.xml><?xml version="1.0" encoding="utf-8"?>
+<p:sld xmlns:a="http://schemas.openxmlformats.org/drawingml/2006/main" xmlns:r="http://schemas.openxmlformats.org/officeDocument/2006/relationships" xmlns:p="http://schemas.openxmlformats.org/presentationml/2006/main">
+  <p:cSld>
+    <p:spTree>
+      <p:nvGrpSpPr>
+        <p:cNvPr id="1" name=""/>
+        <p:cNvGrpSpPr/>
+        <p:nvPr/>
+      </p:nvGrpSpPr>
+      <p:grpSpPr>
+        <a:xfrm>
+          <a:off x="0" y="0"/>
+          <a:ext cx="0" cy="0"/>
+          <a:chOff x="0" y="0"/>
+          <a:chExt cx="0" cy="0"/>
+        </a:xfrm>
+      </p:grpSpPr>
+      <p:sp>
+        <p:nvSpPr>
+          <p:cNvPr id="116" name="TextShape 1"/>
+          <p:cNvSpPr txBox="1"/>
+          <p:nvPr/>
+        </p:nvSpPr>
+        <p:spPr>
+          <a:xfrm>
+            <a:off x="838080" y="365040"/>
+            <a:ext cx="10515240" cy="1325160"/>
+          </a:xfrm>
+          <a:prstGeom prst="rect">
+            <a:avLst/>
+          </a:prstGeom>
+          <a:noFill/>
+          <a:ln w="0">
+            <a:noFill/>
+          </a:ln>
+        </p:spPr>
+        <p:txBody>
+          <a:bodyPr anchor="ctr">
+            <a:noAutofit/>
+          </a:bodyPr>
+          <a:lstStyle/>
+          <a:p>
+            <a:pPr>
+              <a:lnSpc>
+                <a:spcPct val="90000"/>
+              </a:lnSpc>
+            </a:pPr>
+            <a:r>
+              <a:rPr lang="en-US" sz="4400" b="0" strike="noStrike" spc="-1" dirty="0">
+                <a:solidFill>
+                  <a:srgbClr val="000000"/>
+                </a:solidFill>
+                <a:latin typeface="Calibri Light"/>
+              </a:rPr>
+              <a:t>Code feature</a:t>
+            </a:r>
+            <a:endParaRPr lang="en-US" sz="4400" b="0" strike="noStrike" spc="-1" dirty="0">
+              <a:solidFill>
+                <a:srgbClr val="000000"/>
+              </a:solidFill>
+              <a:latin typeface="Calibri"/>
+            </a:endParaRPr>
+          </a:p>
+        </p:txBody>
+      </p:sp>
+      <p:sp>
+        <p:nvSpPr>
+          <p:cNvPr id="117" name="TextShape 2"/>
+          <p:cNvSpPr txBox="1"/>
+          <p:nvPr/>
+        </p:nvSpPr>
+        <p:spPr>
+          <a:xfrm>
+            <a:off x="838080" y="1349639"/>
+            <a:ext cx="10515240" cy="4350960"/>
+          </a:xfrm>
+          <a:prstGeom prst="rect">
+            <a:avLst/>
+          </a:prstGeom>
+          <a:noFill/>
+          <a:ln w="0">
+            <a:noFill/>
+          </a:ln>
+        </p:spPr>
+        <p:txBody>
+          <a:bodyPr>
+            <a:normAutofit/>
+          </a:bodyPr>
+          <a:lstStyle/>
+          <a:p>
+            <a:pPr marL="285750" indent="-285750">
+              <a:buFont typeface="Arial" panose="020B0604020202020204" pitchFamily="34" charset="0"/>
+              <a:buChar char="•"/>
+            </a:pPr>
+            <a:r>
+              <a:rPr lang="en-US" sz="1600" b="0" strike="noStrike" spc="-1" dirty="0">
+                <a:latin typeface="JetBrains Mono"/>
+                <a:ea typeface="JetBrains Mono"/>
+              </a:rPr>
+              <a:t>create path </a:t>
+            </a:r>
+            <a:r>
+              <a:rPr lang="en-US" sz="1600" b="0" strike="noStrike" spc="-1" dirty="0" err="1">
+                <a:latin typeface="JetBrains Mono"/>
+                <a:ea typeface="JetBrains Mono"/>
+              </a:rPr>
+              <a:t>dir</a:t>
+            </a:r>
+            <a:endParaRPr lang="en-US" sz="1600" b="0" strike="noStrike" spc="-1" dirty="0">
+              <a:latin typeface="JetBrains Mono"/>
+              <a:ea typeface="JetBrains Mono"/>
+            </a:endParaRPr>
+          </a:p>
+          <a:p>
+            <a:pPr marL="285750" indent="-285750">
+              <a:buFont typeface="Arial" panose="020B0604020202020204" pitchFamily="34" charset="0"/>
+              <a:buChar char="•"/>
+            </a:pPr>
+            <a:r>
+              <a:rPr lang="en-US" sz="1600" b="0" strike="noStrike" spc="-1" dirty="0">
+                <a:latin typeface="JetBrains Mono"/>
+                <a:ea typeface="JetBrains Mono"/>
+              </a:rPr>
+              <a:t>get background image</a:t>
+            </a:r>
+          </a:p>
+          <a:p>
+            <a:pPr marL="285750" indent="-285750">
+              <a:buFont typeface="Arial" panose="020B0604020202020204" pitchFamily="34" charset="0"/>
+              <a:buChar char="•"/>
+            </a:pPr>
+            <a:r>
+              <a:rPr lang="en-US" sz="1600" b="0" strike="noStrike" spc="-1" dirty="0">
+                <a:latin typeface="JetBrains Mono"/>
+                <a:ea typeface="JetBrains Mono"/>
+              </a:rPr>
+              <a:t>wait input to turn on camera</a:t>
+            </a:r>
+          </a:p>
+          <a:p>
+            <a:pPr marL="285750" indent="-285750">
+              <a:buFont typeface="Arial" panose="020B0604020202020204" pitchFamily="34" charset="0"/>
+              <a:buChar char="•"/>
+            </a:pPr>
+            <a:r>
+              <a:rPr lang="en-US" sz="1600" b="0" strike="noStrike" spc="-1" dirty="0">
+                <a:latin typeface="JetBrains Mono"/>
+                <a:ea typeface="JetBrains Mono"/>
+              </a:rPr>
+              <a:t>decode </a:t>
+            </a:r>
+            <a:r>
+              <a:rPr lang="en-US" sz="1600" b="0" strike="noStrike" spc="-1" dirty="0" err="1">
+                <a:latin typeface="JetBrains Mono"/>
+                <a:ea typeface="JetBrains Mono"/>
+              </a:rPr>
+              <a:t>qr</a:t>
+            </a:r>
+            <a:endParaRPr lang="en-US" sz="1600" b="0" strike="noStrike" spc="-1" dirty="0">
+              <a:latin typeface="JetBrains Mono"/>
+              <a:ea typeface="JetBrains Mono"/>
+            </a:endParaRPr>
+          </a:p>
+          <a:p>
+            <a:pPr marL="285750" indent="-285750">
+              <a:buFont typeface="Arial" panose="020B0604020202020204" pitchFamily="34" charset="0"/>
+              <a:buChar char="•"/>
+            </a:pPr>
+            <a:r>
+              <a:rPr lang="en-US" sz="1600" b="0" strike="noStrike" spc="-1" dirty="0">
+                <a:latin typeface="JetBrains Mono"/>
+                <a:ea typeface="JetBrains Mono"/>
+              </a:rPr>
+              <a:t>check that </a:t>
+            </a:r>
+            <a:r>
+              <a:rPr lang="en-US" sz="1600" b="0" strike="noStrike" spc="-1" dirty="0" err="1">
+                <a:latin typeface="JetBrains Mono"/>
+                <a:ea typeface="JetBrains Mono"/>
+              </a:rPr>
+              <a:t>qr</a:t>
+            </a:r>
+            <a:r>
+              <a:rPr lang="en-US" sz="1600" b="0" strike="noStrike" spc="-1" dirty="0">
+                <a:latin typeface="JetBrains Mono"/>
+                <a:ea typeface="JetBrains Mono"/>
+              </a:rPr>
+              <a:t> code in 3 sec is same</a:t>
+            </a:r>
+          </a:p>
+          <a:p>
+            <a:pPr marL="285750" indent="-285750">
+              <a:buFont typeface="Arial" panose="020B0604020202020204" pitchFamily="34" charset="0"/>
+              <a:buChar char="•"/>
+            </a:pPr>
+            <a:r>
+              <a:rPr lang="en-US" sz="1600" b="0" strike="noStrike" spc="-1" dirty="0">
+                <a:latin typeface="JetBrains Mono"/>
+                <a:ea typeface="JetBrains Mono"/>
+              </a:rPr>
+              <a:t>save </a:t>
+            </a:r>
+            <a:r>
+              <a:rPr lang="en-US" sz="1600" b="0" strike="noStrike" spc="-1" dirty="0" err="1">
+                <a:latin typeface="JetBrains Mono"/>
+                <a:ea typeface="JetBrains Mono"/>
+              </a:rPr>
+              <a:t>qr</a:t>
+            </a:r>
+            <a:r>
+              <a:rPr lang="en-US" sz="1600" b="0" strike="noStrike" spc="-1" dirty="0">
+                <a:latin typeface="JetBrains Mono"/>
+                <a:ea typeface="JetBrains Mono"/>
+              </a:rPr>
+              <a:t> image</a:t>
+            </a:r>
+          </a:p>
+          <a:p>
+            <a:pPr marL="285750" indent="-285750">
+              <a:buFont typeface="Arial" panose="020B0604020202020204" pitchFamily="34" charset="0"/>
+              <a:buChar char="•"/>
+            </a:pPr>
+            <a:r>
+              <a:rPr lang="en-US" sz="1600" b="0" strike="noStrike" spc="-1" dirty="0">
+                <a:latin typeface="JetBrains Mono"/>
+                <a:ea typeface="JetBrains Mono"/>
+              </a:rPr>
+              <a:t>in 30 sec, if not find any </a:t>
+            </a:r>
+            <a:r>
+              <a:rPr lang="en-US" sz="1600" b="0" strike="noStrike" spc="-1" dirty="0" err="1">
+                <a:latin typeface="JetBrains Mono"/>
+                <a:ea typeface="JetBrains Mono"/>
+              </a:rPr>
+              <a:t>qr</a:t>
+            </a:r>
+            <a:r>
+              <a:rPr lang="en-US" sz="1600" b="0" strike="noStrike" spc="-1" dirty="0">
+                <a:latin typeface="JetBrains Mono"/>
+                <a:ea typeface="JetBrains Mono"/>
+              </a:rPr>
+              <a:t> code it will break</a:t>
+            </a:r>
+          </a:p>
+          <a:p>
+            <a:pPr marL="285750" indent="-285750">
+              <a:buFont typeface="Arial" panose="020B0604020202020204" pitchFamily="34" charset="0"/>
+              <a:buChar char="•"/>
+            </a:pPr>
+            <a:r>
+              <a:rPr lang="en-US" sz="1600" b="0" strike="noStrike" spc="-1" dirty="0">
+                <a:latin typeface="JetBrains Mono"/>
+                <a:ea typeface="JetBrains Mono"/>
+              </a:rPr>
+              <a:t>create video file</a:t>
+            </a:r>
+          </a:p>
+          <a:p>
+            <a:pPr marL="285750" indent="-285750">
+              <a:buFont typeface="Arial" panose="020B0604020202020204" pitchFamily="34" charset="0"/>
+              <a:buChar char="•"/>
+            </a:pPr>
+            <a:r>
+              <a:rPr lang="en-US" sz="1600" b="0" strike="noStrike" spc="-1" dirty="0">
+                <a:latin typeface="JetBrains Mono"/>
+                <a:ea typeface="JetBrains Mono"/>
+              </a:rPr>
+              <a:t>video recording</a:t>
+            </a:r>
+          </a:p>
+          <a:p>
+            <a:pPr marL="285750" indent="-285750">
+              <a:buFont typeface="Arial" panose="020B0604020202020204" pitchFamily="34" charset="0"/>
+              <a:buChar char="•"/>
+            </a:pPr>
+            <a:r>
+              <a:rPr lang="en-US" sz="1600" b="0" strike="noStrike" spc="-1" dirty="0">
+                <a:latin typeface="JetBrains Mono"/>
+                <a:ea typeface="JetBrains Mono"/>
+              </a:rPr>
+              <a:t>check motion to auto video ending. if user leave frame that is the end</a:t>
+            </a:r>
+          </a:p>
+          <a:p>
+            <a:pPr marL="285750" indent="-285750">
+              <a:buFont typeface="Arial" panose="020B0604020202020204" pitchFamily="34" charset="0"/>
+              <a:buChar char="•"/>
+            </a:pPr>
+            <a:r>
+              <a:rPr lang="en-US" sz="1600" b="0" strike="noStrike" spc="-1" dirty="0">
+                <a:latin typeface="JetBrains Mono"/>
+                <a:ea typeface="JetBrains Mono"/>
+              </a:rPr>
+              <a:t>create new and remove old</a:t>
+            </a:r>
+          </a:p>
+          <a:p>
+            <a:pPr marL="285750" indent="-285750">
+              <a:buFont typeface="Arial" panose="020B0604020202020204" pitchFamily="34" charset="0"/>
+              <a:buChar char="•"/>
+            </a:pPr>
+            <a:r>
+              <a:rPr lang="en-US" sz="1600" b="0" strike="noStrike" spc="-1" dirty="0">
+                <a:latin typeface="JetBrains Mono"/>
+                <a:ea typeface="JetBrains Mono"/>
+              </a:rPr>
+              <a:t>post to </a:t>
+            </a:r>
+            <a:r>
+              <a:rPr lang="en-US" sz="1600" b="0" strike="noStrike" spc="-1" dirty="0" err="1">
+                <a:latin typeface="JetBrains Mono"/>
+                <a:ea typeface="JetBrains Mono"/>
+              </a:rPr>
+              <a:t>url</a:t>
+            </a:r>
+            <a:endParaRPr lang="en-US" sz="1600" b="0" strike="noStrike" spc="-1" dirty="0">
+              <a:latin typeface="JetBrains Mono"/>
+              <a:ea typeface="JetBrains Mono"/>
+            </a:endParaRPr>
+          </a:p>
+        </p:txBody>
+      </p:sp>
+    </p:spTree>
+  </p:cSld>
+  <p:clrMapOvr>
+    <a:masterClrMapping/>
+  </p:clrMapOvr>
+</p:sld>
+</file>
+
+<file path=ppt/slides/slide7.xml><?xml version="1.0" encoding="utf-8"?>
 <p:sld xmlns:a="http://schemas.openxmlformats.org/drawingml/2006/main" xmlns:r="http://schemas.openxmlformats.org/officeDocument/2006/relationships" xmlns:p="http://schemas.openxmlformats.org/presentationml/2006/main">
   <p:cSld>
     <p:spTree>
@@ -7458,7 +7779,7 @@
 </p:sld>
 </file>
 
-<file path=ppt/slides/slide7.xml><?xml version="1.0" encoding="utf-8"?>
+<file path=ppt/slides/slide8.xml><?xml version="1.0" encoding="utf-8"?>
 <p:sld xmlns:a="http://schemas.openxmlformats.org/drawingml/2006/main" xmlns:r="http://schemas.openxmlformats.org/officeDocument/2006/relationships" xmlns:p="http://schemas.openxmlformats.org/presentationml/2006/main">
   <p:cSld>
     <p:spTree>

--- a/packing.pptx
+++ b/packing.pptx
@@ -3270,7 +3270,7 @@
                 </a:solidFill>
                 <a:latin typeface="Calibri"/>
               </a:rPr>
-              <a:t>6/14/2021</a:t>
+              <a:t>6/20/2021</a:t>
             </a:fld>
             <a:endParaRPr lang="en-US" sz="1200" b="0" strike="noStrike" spc="-1">
               <a:latin typeface="Times New Roman"/>
@@ -4090,7 +4090,7 @@
                 </a:solidFill>
                 <a:latin typeface="Calibri"/>
               </a:rPr>
-              <a:t>6/14/2021</a:t>
+              <a:t>6/20/2021</a:t>
             </a:fld>
             <a:endParaRPr lang="en-US" sz="1200" b="0" strike="noStrike" spc="-1">
               <a:latin typeface="Times New Roman"/>
@@ -6253,8 +6253,158 @@
                 </a:solidFill>
                 <a:latin typeface="Calibri"/>
               </a:rPr>
-              <a:t>process</a:t>
-            </a:r>
+              <a:t>process  </a:t>
+            </a:r>
+          </a:p>
+          <a:p>
+            <a:pPr>
+              <a:lnSpc>
+                <a:spcPct val="90000"/>
+              </a:lnSpc>
+              <a:spcBef>
+                <a:spcPts val="1001"/>
+              </a:spcBef>
+              <a:tabLst>
+                <a:tab pos="0" algn="l"/>
+              </a:tabLst>
+            </a:pPr>
+            <a:r>
+              <a:rPr lang="en-US" sz="1800" spc="-1" dirty="0">
+                <a:solidFill>
+                  <a:srgbClr val="000000"/>
+                </a:solidFill>
+                <a:latin typeface="Calibri"/>
+              </a:rPr>
+              <a:t>*** </a:t>
+            </a:r>
+            <a:r>
+              <a:rPr lang="th-TH" sz="1800" spc="-1" dirty="0">
+                <a:solidFill>
+                  <a:srgbClr val="000000"/>
+                </a:solidFill>
+                <a:latin typeface="Calibri"/>
+              </a:rPr>
+              <a:t>ไม่จำเป็นต้องใช้ จอ </a:t>
+            </a:r>
+            <a:r>
+              <a:rPr lang="en-US" sz="1800" spc="-1">
+                <a:solidFill>
+                  <a:srgbClr val="000000"/>
+                </a:solidFill>
+                <a:latin typeface="Calibri"/>
+              </a:rPr>
+              <a:t>display</a:t>
+            </a:r>
+            <a:endParaRPr lang="en-US" sz="1800" b="0" strike="noStrike" spc="-1" dirty="0">
+              <a:solidFill>
+                <a:srgbClr val="000000"/>
+              </a:solidFill>
+              <a:latin typeface="Calibri"/>
+            </a:endParaRPr>
+          </a:p>
+          <a:p>
+            <a:pPr>
+              <a:lnSpc>
+                <a:spcPct val="90000"/>
+              </a:lnSpc>
+              <a:spcBef>
+                <a:spcPts val="1001"/>
+              </a:spcBef>
+              <a:tabLst>
+                <a:tab pos="0" algn="l"/>
+              </a:tabLst>
+            </a:pPr>
+            <a:endParaRPr lang="en-US" sz="1800" spc="-1" dirty="0">
+              <a:solidFill>
+                <a:srgbClr val="000000"/>
+              </a:solidFill>
+              <a:latin typeface="Calibri"/>
+            </a:endParaRPr>
+          </a:p>
+          <a:p>
+            <a:pPr>
+              <a:lnSpc>
+                <a:spcPct val="90000"/>
+              </a:lnSpc>
+              <a:spcBef>
+                <a:spcPts val="1001"/>
+              </a:spcBef>
+              <a:tabLst>
+                <a:tab pos="0" algn="l"/>
+              </a:tabLst>
+            </a:pPr>
+            <a:r>
+              <a:rPr lang="th-TH" sz="1800" b="0" strike="noStrike" spc="-1" dirty="0">
+                <a:solidFill>
+                  <a:srgbClr val="000000"/>
+                </a:solidFill>
+                <a:latin typeface="Calibri"/>
+              </a:rPr>
+              <a:t>ทำมาอีกรูปแบบในการตัดจบคลิป</a:t>
+            </a:r>
+          </a:p>
+          <a:p>
+            <a:pPr marL="285750" indent="-285750">
+              <a:lnSpc>
+                <a:spcPct val="90000"/>
+              </a:lnSpc>
+              <a:spcBef>
+                <a:spcPts val="1001"/>
+              </a:spcBef>
+              <a:buFontTx/>
+              <a:buChar char="-"/>
+              <a:tabLst>
+                <a:tab pos="0" algn="l"/>
+              </a:tabLst>
+            </a:pPr>
+            <a:r>
+              <a:rPr lang="th-TH" sz="1800" b="0" strike="noStrike" spc="-1" dirty="0">
+                <a:solidFill>
+                  <a:srgbClr val="000000"/>
+                </a:solidFill>
+                <a:latin typeface="Calibri"/>
+              </a:rPr>
+              <a:t>เดิมเป็นคนเดินออกมาได้เลย</a:t>
+            </a:r>
+          </a:p>
+          <a:p>
+            <a:pPr marL="285750" indent="-285750">
+              <a:lnSpc>
+                <a:spcPct val="90000"/>
+              </a:lnSpc>
+              <a:spcBef>
+                <a:spcPts val="1001"/>
+              </a:spcBef>
+              <a:buFontTx/>
+              <a:buChar char="-"/>
+              <a:tabLst>
+                <a:tab pos="0" algn="l"/>
+              </a:tabLst>
+            </a:pPr>
+            <a:r>
+              <a:rPr lang="th-TH" sz="1800" spc="-1" dirty="0">
+                <a:solidFill>
+                  <a:srgbClr val="000000"/>
+                </a:solidFill>
+                <a:latin typeface="Calibri"/>
+              </a:rPr>
+              <a:t>อันใหม่คือ เหมือนปุ่มกด แต่กดกลางอากาศ ต้องมี </a:t>
+            </a:r>
+            <a:r>
+              <a:rPr lang="en-US" sz="1800" spc="-1" dirty="0">
+                <a:solidFill>
+                  <a:srgbClr val="000000"/>
+                </a:solidFill>
+                <a:latin typeface="Calibri"/>
+              </a:rPr>
+              <a:t>display</a:t>
+            </a:r>
+            <a:endParaRPr lang="en-US" sz="1800" b="0" strike="noStrike" spc="-1" dirty="0">
+              <a:solidFill>
+                <a:srgbClr val="000000"/>
+              </a:solidFill>
+              <a:latin typeface="Calibri"/>
+            </a:endParaRPr>
           </a:p>
         </p:txBody>
       </p:sp>
@@ -6547,7 +6697,7 @@
               <a:t>qr</a:t>
             </a:r>
             <a:r>
-              <a:rPr lang="th-TH" sz="1800" spc="-1">
+              <a:rPr lang="th-TH" sz="1800" spc="-1" dirty="0">
                 <a:solidFill>
                   <a:srgbClr val="000000"/>
                 </a:solidFill>
@@ -6556,6 +6706,19 @@
               </a:rPr>
               <a:t>ของสินค้า หรือพนักงาน</a:t>
             </a:r>
+          </a:p>
+          <a:p>
+            <a:pPr marL="360">
+              <a:lnSpc>
+                <a:spcPct val="90000"/>
+              </a:lnSpc>
+              <a:spcBef>
+                <a:spcPts val="1001"/>
+              </a:spcBef>
+              <a:buClr>
+                <a:srgbClr val="000000"/>
+              </a:buClr>
+            </a:pPr>
             <a:endParaRPr lang="en-US" sz="1800" spc="-1" dirty="0">
               <a:solidFill>
                 <a:srgbClr val="000000"/>
